--- a/elektronna_kafedra.pptx
+++ b/elektronna_kafedra.pptx
@@ -9,6 +9,7 @@
     <p:sldId id="257" r:id="rId3"/>
     <p:sldId id="258" r:id="rId4"/>
     <p:sldId id="259" r:id="rId5"/>
+    <p:sldId id="260" r:id="rId6"/>
   </p:sldIdLst>
   <p:sldSz cx="12192000" cy="6858000"/>
   <p:notesSz cx="6858000" cy="9144000"/>
@@ -107,6 +108,11 @@
       </a:defRPr>
     </a:lvl9pPr>
   </p:defaultTextStyle>
+  <p:extLst>
+    <p:ext uri="{EFAFB233-063F-42B5-8137-9DF3F51BA10A}">
+      <p15:sldGuideLst xmlns:p15="http://schemas.microsoft.com/office/powerpoint/2012/main"/>
+    </p:ext>
+  </p:extLst>
 </p:presentation>
 </file>
 
@@ -4426,6 +4432,93 @@
 </p:sld>
 </file>
 
+<file path=ppt/slides/slide5.xml><?xml version="1.0" encoding="utf-8"?>
+<p:sld xmlns:a="http://schemas.openxmlformats.org/drawingml/2006/main" xmlns:r="http://schemas.openxmlformats.org/officeDocument/2006/relationships" xmlns:p="http://schemas.openxmlformats.org/presentationml/2006/main">
+  <p:cSld>
+    <p:spTree>
+      <p:nvGrpSpPr>
+        <p:cNvPr id="1" name=""/>
+        <p:cNvGrpSpPr/>
+        <p:nvPr/>
+      </p:nvGrpSpPr>
+      <p:grpSpPr>
+        <a:xfrm>
+          <a:off x="0" y="0"/>
+          <a:ext cx="0" cy="0"/>
+          <a:chOff x="0" y="0"/>
+          <a:chExt cx="0" cy="0"/>
+        </a:xfrm>
+      </p:grpSpPr>
+      <p:sp>
+        <p:nvSpPr>
+          <p:cNvPr id="2" name="Заголовок 1">
+            <a:extLst>
+              <a:ext uri="{FF2B5EF4-FFF2-40B4-BE49-F238E27FC236}">
+                <a16:creationId xmlns:a16="http://schemas.microsoft.com/office/drawing/2014/main" id="{DC76B3C6-909A-4ED1-BF87-4F91CAE53D78}"/>
+              </a:ext>
+            </a:extLst>
+          </p:cNvPr>
+          <p:cNvSpPr>
+            <a:spLocks noGrp="1"/>
+          </p:cNvSpPr>
+          <p:nvPr>
+            <p:ph type="title"/>
+          </p:nvPr>
+        </p:nvSpPr>
+        <p:spPr/>
+        <p:txBody>
+          <a:bodyPr/>
+          <a:lstStyle/>
+          <a:p>
+            <a:r>
+              <a:rPr lang="uk-UA" dirty="0"/>
+              <a:t>Висновки </a:t>
+            </a:r>
+            <a:r>
+              <a:rPr lang="uk-UA"/>
+              <a:t>по виконаній роботі: </a:t>
+            </a:r>
+          </a:p>
+        </p:txBody>
+      </p:sp>
+      <p:sp>
+        <p:nvSpPr>
+          <p:cNvPr id="3" name="Объект 2">
+            <a:extLst>
+              <a:ext uri="{FF2B5EF4-FFF2-40B4-BE49-F238E27FC236}">
+                <a16:creationId xmlns:a16="http://schemas.microsoft.com/office/drawing/2014/main" id="{DE864C1F-B14E-4FB2-AA8C-EAF71E7DF337}"/>
+              </a:ext>
+            </a:extLst>
+          </p:cNvPr>
+          <p:cNvSpPr>
+            <a:spLocks noGrp="1"/>
+          </p:cNvSpPr>
+          <p:nvPr>
+            <p:ph idx="1"/>
+          </p:nvPr>
+        </p:nvSpPr>
+        <p:spPr/>
+        <p:txBody>
+          <a:bodyPr/>
+          <a:lstStyle/>
+          <a:p>
+            <a:endParaRPr lang="uk-UA" dirty="0"/>
+          </a:p>
+        </p:txBody>
+      </p:sp>
+    </p:spTree>
+    <p:extLst>
+      <p:ext uri="{BB962C8B-B14F-4D97-AF65-F5344CB8AC3E}">
+        <p14:creationId xmlns:p14="http://schemas.microsoft.com/office/powerpoint/2010/main" val="464754774"/>
+      </p:ext>
+    </p:extLst>
+  </p:cSld>
+  <p:clrMapOvr>
+    <a:masterClrMapping/>
+  </p:clrMapOvr>
+</p:sld>
+</file>
+
 <file path=ppt/theme/theme1.xml><?xml version="1.0" encoding="utf-8"?>
 <a:theme xmlns:a="http://schemas.openxmlformats.org/drawingml/2006/main" name="Тема Office">
   <a:themeElements>

--- a/elektronna_kafedra.pptx
+++ b/elektronna_kafedra.pptx
@@ -3497,10 +3497,15 @@
           </p:cNvGraphicFramePr>
           <p:nvPr>
             <p:ph idx="1"/>
+            <p:extLst>
+              <p:ext uri="{D42A27DB-BD31-4B8C-83A1-F6EECF244321}">
+                <p14:modId xmlns:p14="http://schemas.microsoft.com/office/powerpoint/2010/main" val="3095607948"/>
+              </p:ext>
+            </p:extLst>
           </p:nvPr>
         </p:nvGraphicFramePr>
         <p:xfrm>
-          <a:off x="3258872" y="1825625"/>
+          <a:off x="921024" y="1690688"/>
           <a:ext cx="5674256" cy="4351338"/>
         </p:xfrm>
         <a:graphic>

--- a/elektronna_kafedra.pptx
+++ b/elektronna_kafedra.pptx
@@ -8,8 +8,9 @@
     <p:sldId id="256" r:id="rId2"/>
     <p:sldId id="257" r:id="rId3"/>
     <p:sldId id="258" r:id="rId4"/>
-    <p:sldId id="259" r:id="rId5"/>
-    <p:sldId id="260" r:id="rId6"/>
+    <p:sldId id="261" r:id="rId5"/>
+    <p:sldId id="259" r:id="rId6"/>
+    <p:sldId id="260" r:id="rId7"/>
   </p:sldIdLst>
   <p:sldSz cx="12192000" cy="6858000"/>
   <p:notesSz cx="6858000" cy="9144000"/>
@@ -265,7 +266,7 @@
           <a:p>
             <a:fld id="{5C58018D-830C-4393-BEB4-F0BDA2BFFB4A}" type="datetimeFigureOut">
               <a:rPr lang="uk-UA" smtClean="0"/>
-              <a:t>02.12.2019</a:t>
+              <a:t>03.12.2019</a:t>
             </a:fld>
             <a:endParaRPr lang="uk-UA"/>
           </a:p>
@@ -465,7 +466,7 @@
           <a:p>
             <a:fld id="{5C58018D-830C-4393-BEB4-F0BDA2BFFB4A}" type="datetimeFigureOut">
               <a:rPr lang="uk-UA" smtClean="0"/>
-              <a:t>02.12.2019</a:t>
+              <a:t>03.12.2019</a:t>
             </a:fld>
             <a:endParaRPr lang="uk-UA"/>
           </a:p>
@@ -675,7 +676,7 @@
           <a:p>
             <a:fld id="{5C58018D-830C-4393-BEB4-F0BDA2BFFB4A}" type="datetimeFigureOut">
               <a:rPr lang="uk-UA" smtClean="0"/>
-              <a:t>02.12.2019</a:t>
+              <a:t>03.12.2019</a:t>
             </a:fld>
             <a:endParaRPr lang="uk-UA"/>
           </a:p>
@@ -875,7 +876,7 @@
           <a:p>
             <a:fld id="{5C58018D-830C-4393-BEB4-F0BDA2BFFB4A}" type="datetimeFigureOut">
               <a:rPr lang="uk-UA" smtClean="0"/>
-              <a:t>02.12.2019</a:t>
+              <a:t>03.12.2019</a:t>
             </a:fld>
             <a:endParaRPr lang="uk-UA"/>
           </a:p>
@@ -1151,7 +1152,7 @@
           <a:p>
             <a:fld id="{5C58018D-830C-4393-BEB4-F0BDA2BFFB4A}" type="datetimeFigureOut">
               <a:rPr lang="uk-UA" smtClean="0"/>
-              <a:t>02.12.2019</a:t>
+              <a:t>03.12.2019</a:t>
             </a:fld>
             <a:endParaRPr lang="uk-UA"/>
           </a:p>
@@ -1419,7 +1420,7 @@
           <a:p>
             <a:fld id="{5C58018D-830C-4393-BEB4-F0BDA2BFFB4A}" type="datetimeFigureOut">
               <a:rPr lang="uk-UA" smtClean="0"/>
-              <a:t>02.12.2019</a:t>
+              <a:t>03.12.2019</a:t>
             </a:fld>
             <a:endParaRPr lang="uk-UA"/>
           </a:p>
@@ -1834,7 +1835,7 @@
           <a:p>
             <a:fld id="{5C58018D-830C-4393-BEB4-F0BDA2BFFB4A}" type="datetimeFigureOut">
               <a:rPr lang="uk-UA" smtClean="0"/>
-              <a:t>02.12.2019</a:t>
+              <a:t>03.12.2019</a:t>
             </a:fld>
             <a:endParaRPr lang="uk-UA"/>
           </a:p>
@@ -1976,7 +1977,7 @@
           <a:p>
             <a:fld id="{5C58018D-830C-4393-BEB4-F0BDA2BFFB4A}" type="datetimeFigureOut">
               <a:rPr lang="uk-UA" smtClean="0"/>
-              <a:t>02.12.2019</a:t>
+              <a:t>03.12.2019</a:t>
             </a:fld>
             <a:endParaRPr lang="uk-UA"/>
           </a:p>
@@ -2089,7 +2090,7 @@
           <a:p>
             <a:fld id="{5C58018D-830C-4393-BEB4-F0BDA2BFFB4A}" type="datetimeFigureOut">
               <a:rPr lang="uk-UA" smtClean="0"/>
-              <a:t>02.12.2019</a:t>
+              <a:t>03.12.2019</a:t>
             </a:fld>
             <a:endParaRPr lang="uk-UA"/>
           </a:p>
@@ -2402,7 +2403,7 @@
           <a:p>
             <a:fld id="{5C58018D-830C-4393-BEB4-F0BDA2BFFB4A}" type="datetimeFigureOut">
               <a:rPr lang="uk-UA" smtClean="0"/>
-              <a:t>02.12.2019</a:t>
+              <a:t>03.12.2019</a:t>
             </a:fld>
             <a:endParaRPr lang="uk-UA"/>
           </a:p>
@@ -2691,7 +2692,7 @@
           <a:p>
             <a:fld id="{5C58018D-830C-4393-BEB4-F0BDA2BFFB4A}" type="datetimeFigureOut">
               <a:rPr lang="uk-UA" smtClean="0"/>
-              <a:t>02.12.2019</a:t>
+              <a:t>03.12.2019</a:t>
             </a:fld>
             <a:endParaRPr lang="uk-UA"/>
           </a:p>
@@ -2934,7 +2935,7 @@
           <a:p>
             <a:fld id="{5C58018D-830C-4393-BEB4-F0BDA2BFFB4A}" type="datetimeFigureOut">
               <a:rPr lang="uk-UA" smtClean="0"/>
-              <a:t>02.12.2019</a:t>
+              <a:t>03.12.2019</a:t>
             </a:fld>
             <a:endParaRPr lang="uk-UA"/>
           </a:p>
@@ -3477,7 +3478,7 @@
             </a:br>
             <a:r>
               <a:rPr lang="ru-RU" dirty="0"/>
-              <a:t>Контекст проекта нахуй</a:t>
+              <a:t>Контекст проекту нахуй</a:t>
             </a:r>
             <a:endParaRPr lang="uk-UA" dirty="0"/>
           </a:p>
@@ -3499,7 +3500,7 @@
             <p:ph idx="1"/>
             <p:extLst>
               <p:ext uri="{D42A27DB-BD31-4B8C-83A1-F6EECF244321}">
-                <p14:modId xmlns:p14="http://schemas.microsoft.com/office/powerpoint/2010/main" val="3095607948"/>
+                <p14:modId xmlns:p14="http://schemas.microsoft.com/office/powerpoint/2010/main" val="2410504074"/>
               </p:ext>
             </p:extLst>
           </p:nvPr>
@@ -3512,7 +3513,7 @@
           <a:graphicData uri="http://schemas.openxmlformats.org/drawingml/2006/table">
             <a:tbl>
               <a:tblPr firstRow="1" firstCol="1" bandRow="1">
-                <a:tableStyleId>{5C22544A-7EE6-4342-B048-85BDC9FD1C3A}</a:tableStyleId>
+                <a:tableStyleId>{93296810-A885-4BE3-A3E7-6D5BEEA58F35}</a:tableStyleId>
               </a:tblPr>
               <a:tblGrid>
                 <a:gridCol w="2837128">
@@ -3580,12 +3581,18 @@
                         </a:spcAft>
                       </a:pPr>
                       <a:r>
-                        <a:rPr lang="uk-UA" sz="1300">
+                        <a:rPr lang="uk-UA" sz="1300" b="0" dirty="0">
+                          <a:solidFill>
+                            <a:schemeClr val="tx1"/>
+                          </a:solidFill>
                           <a:effectLst/>
                         </a:rPr>
                         <a:t>Автоматизація технологічного проекту</a:t>
                       </a:r>
-                      <a:endParaRPr lang="uk-UA" sz="1100">
+                      <a:endParaRPr lang="uk-UA" sz="1100" b="0" dirty="0">
+                        <a:solidFill>
+                          <a:schemeClr val="tx1"/>
+                        </a:solidFill>
                         <a:effectLst/>
                         <a:latin typeface="Calibri" panose="020F0502020204030204" pitchFamily="34" charset="0"/>
                         <a:ea typeface="Times New Roman" panose="02020603050405020304" pitchFamily="18" charset="0"/>
@@ -3593,7 +3600,13 @@
                       </a:endParaRPr>
                     </a:p>
                   </a:txBody>
-                  <a:tcPr marL="65542" marR="65542" marT="0" marB="0"/>
+                  <a:tcPr marL="65542" marR="65542" marT="0" marB="0">
+                    <a:solidFill>
+                      <a:schemeClr val="bg1">
+                        <a:lumMod val="85000"/>
+                      </a:schemeClr>
+                    </a:solidFill>
+                  </a:tcPr>
                 </a:tc>
                 <a:extLst>
                   <a:ext uri="{0D108BD9-81ED-4DB2-BD59-A6C34878D82A}">
@@ -3652,11 +3665,17 @@
                       </a:pPr>
                       <a:r>
                         <a:rPr lang="uk-UA" sz="1300">
+                          <a:solidFill>
+                            <a:schemeClr val="tx1"/>
+                          </a:solidFill>
                           <a:effectLst/>
                         </a:rPr>
                         <a:t>Виробництво ПЗ</a:t>
                       </a:r>
                       <a:endParaRPr lang="uk-UA" sz="1100">
+                        <a:solidFill>
+                          <a:schemeClr val="tx1"/>
+                        </a:solidFill>
                         <a:effectLst/>
                         <a:latin typeface="Calibri" panose="020F0502020204030204" pitchFamily="34" charset="0"/>
                         <a:ea typeface="Times New Roman" panose="02020603050405020304" pitchFamily="18" charset="0"/>
@@ -3664,7 +3683,13 @@
                       </a:endParaRPr>
                     </a:p>
                   </a:txBody>
-                  <a:tcPr marL="65542" marR="65542" marT="0" marB="0"/>
+                  <a:tcPr marL="65542" marR="65542" marT="0" marB="0">
+                    <a:solidFill>
+                      <a:schemeClr val="bg1">
+                        <a:lumMod val="85000"/>
+                      </a:schemeClr>
+                    </a:solidFill>
+                  </a:tcPr>
                 </a:tc>
                 <a:extLst>
                   <a:ext uri="{0D108BD9-81ED-4DB2-BD59-A6C34878D82A}">
@@ -3744,12 +3769,18 @@
                         </a:spcAft>
                       </a:pPr>
                       <a:r>
-                        <a:rPr lang="uk-UA" sz="1300">
+                        <a:rPr lang="uk-UA" sz="1300" dirty="0">
+                          <a:solidFill>
+                            <a:schemeClr val="tx1"/>
+                          </a:solidFill>
                           <a:effectLst/>
                         </a:rPr>
                         <a:t>ІПЗ автономної інформаційної системи</a:t>
                       </a:r>
-                      <a:endParaRPr lang="uk-UA" sz="1100">
+                      <a:endParaRPr lang="uk-UA" sz="1100" dirty="0">
+                        <a:solidFill>
+                          <a:schemeClr val="tx1"/>
+                        </a:solidFill>
                         <a:effectLst/>
                         <a:latin typeface="Calibri" panose="020F0502020204030204" pitchFamily="34" charset="0"/>
                         <a:ea typeface="Times New Roman" panose="02020603050405020304" pitchFamily="18" charset="0"/>
@@ -3757,7 +3788,13 @@
                       </a:endParaRPr>
                     </a:p>
                   </a:txBody>
-                  <a:tcPr marL="65542" marR="65542" marT="0" marB="0"/>
+                  <a:tcPr marL="65542" marR="65542" marT="0" marB="0">
+                    <a:solidFill>
+                      <a:schemeClr val="bg1">
+                        <a:lumMod val="85000"/>
+                      </a:schemeClr>
+                    </a:solidFill>
+                  </a:tcPr>
                 </a:tc>
                 <a:extLst>
                   <a:ext uri="{0D108BD9-81ED-4DB2-BD59-A6C34878D82A}">
@@ -3838,11 +3875,17 @@
                       </a:pPr>
                       <a:r>
                         <a:rPr lang="uk-UA" sz="1300">
+                          <a:solidFill>
+                            <a:schemeClr val="tx1"/>
+                          </a:solidFill>
                           <a:effectLst/>
                         </a:rPr>
                         <a:t>Велике ПЗ</a:t>
                       </a:r>
                       <a:endParaRPr lang="uk-UA" sz="1100">
+                        <a:solidFill>
+                          <a:schemeClr val="tx1"/>
+                        </a:solidFill>
                         <a:effectLst/>
                       </a:endParaRPr>
                     </a:p>
@@ -3860,11 +3903,17 @@
                       </a:pPr>
                       <a:r>
                         <a:rPr lang="uk-UA" sz="1300">
+                          <a:solidFill>
+                            <a:schemeClr val="tx1"/>
+                          </a:solidFill>
                           <a:effectLst/>
                         </a:rPr>
                         <a:t> </a:t>
                       </a:r>
                       <a:endParaRPr lang="uk-UA" sz="1100">
+                        <a:solidFill>
+                          <a:schemeClr val="tx1"/>
+                        </a:solidFill>
                         <a:effectLst/>
                         <a:latin typeface="Calibri" panose="020F0502020204030204" pitchFamily="34" charset="0"/>
                         <a:ea typeface="Times New Roman" panose="02020603050405020304" pitchFamily="18" charset="0"/>
@@ -3872,7 +3921,13 @@
                       </a:endParaRPr>
                     </a:p>
                   </a:txBody>
-                  <a:tcPr marL="65542" marR="65542" marT="0" marB="0"/>
+                  <a:tcPr marL="65542" marR="65542" marT="0" marB="0">
+                    <a:solidFill>
+                      <a:schemeClr val="bg1">
+                        <a:lumMod val="85000"/>
+                      </a:schemeClr>
+                    </a:solidFill>
+                  </a:tcPr>
                 </a:tc>
                 <a:extLst>
                   <a:ext uri="{0D108BD9-81ED-4DB2-BD59-A6C34878D82A}">
@@ -3953,11 +4008,17 @@
                       </a:pPr>
                       <a:r>
                         <a:rPr lang="uk-UA" sz="1300">
+                          <a:solidFill>
+                            <a:schemeClr val="tx1"/>
+                          </a:solidFill>
                           <a:effectLst/>
                         </a:rPr>
                         <a:t>Проектні команди</a:t>
                       </a:r>
                       <a:endParaRPr lang="uk-UA" sz="1100">
+                        <a:solidFill>
+                          <a:schemeClr val="tx1"/>
+                        </a:solidFill>
                         <a:effectLst/>
                         <a:latin typeface="Calibri" panose="020F0502020204030204" pitchFamily="34" charset="0"/>
                         <a:ea typeface="Times New Roman" panose="02020603050405020304" pitchFamily="18" charset="0"/>
@@ -3965,7 +4026,13 @@
                       </a:endParaRPr>
                     </a:p>
                   </a:txBody>
-                  <a:tcPr marL="65542" marR="65542" marT="0" marB="0"/>
+                  <a:tcPr marL="65542" marR="65542" marT="0" marB="0">
+                    <a:solidFill>
+                      <a:schemeClr val="bg1">
+                        <a:lumMod val="85000"/>
+                      </a:schemeClr>
+                    </a:solidFill>
+                  </a:tcPr>
                 </a:tc>
                 <a:extLst>
                   <a:ext uri="{0D108BD9-81ED-4DB2-BD59-A6C34878D82A}">
@@ -4024,11 +4091,17 @@
                       </a:pPr>
                       <a:r>
                         <a:rPr lang="uk-UA" sz="1300">
+                          <a:solidFill>
+                            <a:schemeClr val="tx1"/>
+                          </a:solidFill>
                           <a:effectLst/>
                         </a:rPr>
                         <a:t>«Жорсткі» вимоги</a:t>
                       </a:r>
                       <a:endParaRPr lang="uk-UA" sz="1100">
+                        <a:solidFill>
+                          <a:schemeClr val="tx1"/>
+                        </a:solidFill>
                         <a:effectLst/>
                         <a:latin typeface="Calibri" panose="020F0502020204030204" pitchFamily="34" charset="0"/>
                         <a:ea typeface="Times New Roman" panose="02020603050405020304" pitchFamily="18" charset="0"/>
@@ -4036,7 +4109,13 @@
                       </a:endParaRPr>
                     </a:p>
                   </a:txBody>
-                  <a:tcPr marL="65542" marR="65542" marT="0" marB="0"/>
+                  <a:tcPr marL="65542" marR="65542" marT="0" marB="0">
+                    <a:solidFill>
+                      <a:schemeClr val="bg1">
+                        <a:lumMod val="85000"/>
+                      </a:schemeClr>
+                    </a:solidFill>
+                  </a:tcPr>
                 </a:tc>
                 <a:extLst>
                   <a:ext uri="{0D108BD9-81ED-4DB2-BD59-A6C34878D82A}">
@@ -4117,11 +4196,17 @@
                       </a:pPr>
                       <a:r>
                         <a:rPr lang="uk-UA" sz="1300" dirty="0">
+                          <a:solidFill>
+                            <a:schemeClr val="tx1"/>
+                          </a:solidFill>
                           <a:effectLst/>
                         </a:rPr>
                         <a:t>Невизначеність з другорядних вимог</a:t>
                       </a:r>
                       <a:endParaRPr lang="uk-UA" sz="1100" dirty="0">
+                        <a:solidFill>
+                          <a:schemeClr val="tx1"/>
+                        </a:solidFill>
                         <a:effectLst/>
                         <a:latin typeface="Calibri" panose="020F0502020204030204" pitchFamily="34" charset="0"/>
                         <a:ea typeface="Times New Roman" panose="02020603050405020304" pitchFamily="18" charset="0"/>
@@ -4129,7 +4214,13 @@
                       </a:endParaRPr>
                     </a:p>
                   </a:txBody>
-                  <a:tcPr marL="65542" marR="65542" marT="0" marB="0"/>
+                  <a:tcPr marL="65542" marR="65542" marT="0" marB="0">
+                    <a:solidFill>
+                      <a:schemeClr val="bg1">
+                        <a:lumMod val="85000"/>
+                      </a:schemeClr>
+                    </a:solidFill>
+                  </a:tcPr>
                 </a:tc>
                 <a:extLst>
                   <a:ext uri="{0D108BD9-81ED-4DB2-BD59-A6C34878D82A}">
@@ -4189,28 +4280,21 @@
         </p:nvSpPr>
         <p:spPr/>
         <p:txBody>
-          <a:bodyPr/>
-          <a:lstStyle/>
-          <a:p>
-            <a:r>
-              <a:rPr lang="en-US" b="1" i="1" dirty="0"/>
-              <a:t>&lt;&lt;&lt;&lt;</a:t>
-            </a:r>
-            <a:r>
-              <a:rPr lang="ru-RU" b="1" i="1" dirty="0"/>
-              <a:t>!РАСПИШИТЕ СВОИ РОЛИ НАХУЙ!</a:t>
-            </a:r>
-            <a:r>
-              <a:rPr lang="en-US" b="1" i="1"/>
-              <a:t>&gt;&gt;&gt;&gt;</a:t>
-            </a:r>
+          <a:bodyPr>
+            <a:normAutofit fontScale="90000"/>
+          </a:bodyPr>
+          <a:lstStyle/>
+          <a:p>
             <a:br>
               <a:rPr lang="ru-RU" dirty="0"/>
             </a:br>
             <a:r>
-              <a:rPr lang="ru-RU" dirty="0"/>
-              <a:t>Наша команда нахуй</a:t>
-            </a:r>
+              <a:rPr lang="uk-UA" b="1" dirty="0"/>
+              <a:t> Склад проектної команди: </a:t>
+            </a:r>
+            <a:br>
+              <a:rPr lang="uk-UA" dirty="0"/>
+            </a:br>
             <a:endParaRPr lang="uk-UA" dirty="0"/>
           </a:p>
         </p:txBody>
@@ -4238,16 +4322,6 @@
           </a:bodyPr>
           <a:lstStyle/>
           <a:p>
-            <a:pPr marL="0" indent="0">
-              <a:buNone/>
-            </a:pPr>
-            <a:r>
-              <a:rPr lang="uk-UA" b="1" dirty="0"/>
-              <a:t>2. Склад проектної команди: </a:t>
-            </a:r>
-            <a:endParaRPr lang="uk-UA" dirty="0"/>
-          </a:p>
-          <a:p>
             <a:r>
               <a:rPr lang="uk-UA" b="1" dirty="0"/>
               <a:t>Менеджер продукту:</a:t>
@@ -4299,7 +4373,10 @@
               <a:rPr lang="uk-UA" dirty="0" err="1"/>
               <a:t>Кривошей</a:t>
             </a:r>
-            <a:endParaRPr lang="uk-UA" dirty="0"/>
+            <a:r>
+              <a:rPr lang="uk-UA" dirty="0"/>
+              <a:t> Владислав</a:t>
+            </a:r>
           </a:p>
           <a:p>
             <a:r>
@@ -4308,7 +4385,7 @@
             </a:r>
             <a:r>
               <a:rPr lang="uk-UA" dirty="0"/>
-              <a:t>Колесник</a:t>
+              <a:t>Колесник Юрій</a:t>
             </a:r>
           </a:p>
           <a:p>
@@ -4371,6 +4448,104 @@
           <p:cNvPr id="2" name="Заголовок 1">
             <a:extLst>
               <a:ext uri="{FF2B5EF4-FFF2-40B4-BE49-F238E27FC236}">
+                <a16:creationId xmlns:a16="http://schemas.microsoft.com/office/drawing/2014/main" id="{490019CC-6457-4179-8699-EF7AD0F39AAF}"/>
+              </a:ext>
+            </a:extLst>
+          </p:cNvPr>
+          <p:cNvSpPr>
+            <a:spLocks noGrp="1"/>
+          </p:cNvSpPr>
+          <p:nvPr>
+            <p:ph type="title"/>
+          </p:nvPr>
+        </p:nvSpPr>
+        <p:spPr/>
+        <p:txBody>
+          <a:bodyPr/>
+          <a:lstStyle/>
+          <a:p>
+            <a:r>
+              <a:rPr lang="en-US" b="1" i="1" dirty="0"/>
+              <a:t>&lt;&lt;&lt;&lt;</a:t>
+            </a:r>
+            <a:r>
+              <a:rPr lang="ru-RU" b="1" i="1" dirty="0"/>
+              <a:t>!РАСПИШИТЕ СВОИ РОЛИ НАХУЙ!</a:t>
+            </a:r>
+            <a:r>
+              <a:rPr lang="en-US" b="1" i="1" dirty="0"/>
+              <a:t>&gt;&gt;&gt;&gt;</a:t>
+            </a:r>
+            <a:br>
+              <a:rPr lang="uk-UA" dirty="0"/>
+            </a:br>
+            <a:r>
+              <a:rPr lang="uk-UA" dirty="0"/>
+              <a:t>Обґрунтування ролей</a:t>
+            </a:r>
+          </a:p>
+        </p:txBody>
+      </p:sp>
+      <p:sp>
+        <p:nvSpPr>
+          <p:cNvPr id="3" name="Объект 2">
+            <a:extLst>
+              <a:ext uri="{FF2B5EF4-FFF2-40B4-BE49-F238E27FC236}">
+                <a16:creationId xmlns:a16="http://schemas.microsoft.com/office/drawing/2014/main" id="{310A3AF4-01A8-43D2-A732-8A468D0555A5}"/>
+              </a:ext>
+            </a:extLst>
+          </p:cNvPr>
+          <p:cNvSpPr>
+            <a:spLocks noGrp="1"/>
+          </p:cNvSpPr>
+          <p:nvPr>
+            <p:ph idx="1"/>
+          </p:nvPr>
+        </p:nvSpPr>
+        <p:spPr/>
+        <p:txBody>
+          <a:bodyPr/>
+          <a:lstStyle/>
+          <a:p>
+            <a:endParaRPr lang="uk-UA" dirty="0"/>
+          </a:p>
+        </p:txBody>
+      </p:sp>
+    </p:spTree>
+    <p:extLst>
+      <p:ext uri="{BB962C8B-B14F-4D97-AF65-F5344CB8AC3E}">
+        <p14:creationId xmlns:p14="http://schemas.microsoft.com/office/powerpoint/2010/main" val="335981598"/>
+      </p:ext>
+    </p:extLst>
+  </p:cSld>
+  <p:clrMapOvr>
+    <a:masterClrMapping/>
+  </p:clrMapOvr>
+</p:sld>
+</file>
+
+<file path=ppt/slides/slide5.xml><?xml version="1.0" encoding="utf-8"?>
+<p:sld xmlns:a="http://schemas.openxmlformats.org/drawingml/2006/main" xmlns:r="http://schemas.openxmlformats.org/officeDocument/2006/relationships" xmlns:p="http://schemas.openxmlformats.org/presentationml/2006/main">
+  <p:cSld>
+    <p:spTree>
+      <p:nvGrpSpPr>
+        <p:cNvPr id="1" name=""/>
+        <p:cNvGrpSpPr/>
+        <p:nvPr/>
+      </p:nvGrpSpPr>
+      <p:grpSpPr>
+        <a:xfrm>
+          <a:off x="0" y="0"/>
+          <a:ext cx="0" cy="0"/>
+          <a:chOff x="0" y="0"/>
+          <a:chExt cx="0" cy="0"/>
+        </a:xfrm>
+      </p:grpSpPr>
+      <p:sp>
+        <p:nvSpPr>
+          <p:cNvPr id="2" name="Заголовок 1">
+            <a:extLst>
+              <a:ext uri="{FF2B5EF4-FFF2-40B4-BE49-F238E27FC236}">
                 <a16:creationId xmlns:a16="http://schemas.microsoft.com/office/drawing/2014/main" id="{47C61AE6-9067-4EE8-88BA-7EADC264B20E}"/>
               </a:ext>
             </a:extLst>
@@ -4388,12 +4563,8 @@
           <a:lstStyle/>
           <a:p>
             <a:r>
-              <a:rPr lang="ru-RU" dirty="0" err="1"/>
-              <a:t>Концепиця</a:t>
-            </a:r>
-            <a:r>
               <a:rPr lang="ru-RU" dirty="0"/>
-              <a:t> нашего продукта нахуй</a:t>
+              <a:t>Концепция нашего продукта нахуй</a:t>
             </a:r>
             <a:endParaRPr lang="uk-UA" dirty="0"/>
           </a:p>
@@ -4420,7 +4591,7 @@
           <a:bodyPr/>
           <a:lstStyle/>
           <a:p>
-            <a:endParaRPr lang="uk-UA"/>
+            <a:endParaRPr lang="uk-UA" dirty="0"/>
           </a:p>
         </p:txBody>
       </p:sp>
@@ -4437,7 +4608,7 @@
 </p:sld>
 </file>
 
-<file path=ppt/slides/slide5.xml><?xml version="1.0" encoding="utf-8"?>
+<file path=ppt/slides/slide6.xml><?xml version="1.0" encoding="utf-8"?>
 <p:sld xmlns:a="http://schemas.openxmlformats.org/drawingml/2006/main" xmlns:r="http://schemas.openxmlformats.org/officeDocument/2006/relationships" xmlns:p="http://schemas.openxmlformats.org/presentationml/2006/main">
   <p:cSld>
     <p:spTree>

--- a/elektronna_kafedra.pptx
+++ b/elektronna_kafedra.pptx
@@ -268,7 +268,7 @@
               <a:rPr lang="uk-UA" smtClean="0"/>
               <a:t>03.12.2019</a:t>
             </a:fld>
-            <a:endParaRPr lang="uk-UA"/>
+            <a:endParaRPr lang="uk-UA" dirty="0"/>
           </a:p>
         </p:txBody>
       </p:sp>
@@ -293,7 +293,7 @@
           <a:bodyPr/>
           <a:lstStyle/>
           <a:p>
-            <a:endParaRPr lang="uk-UA"/>
+            <a:endParaRPr lang="uk-UA" dirty="0"/>
           </a:p>
         </p:txBody>
       </p:sp>
@@ -322,7 +322,7 @@
               <a:rPr lang="uk-UA" smtClean="0"/>
               <a:t>‹#›</a:t>
             </a:fld>
-            <a:endParaRPr lang="uk-UA"/>
+            <a:endParaRPr lang="uk-UA" dirty="0"/>
           </a:p>
         </p:txBody>
       </p:sp>
@@ -468,7 +468,7 @@
               <a:rPr lang="uk-UA" smtClean="0"/>
               <a:t>03.12.2019</a:t>
             </a:fld>
-            <a:endParaRPr lang="uk-UA"/>
+            <a:endParaRPr lang="uk-UA" dirty="0"/>
           </a:p>
         </p:txBody>
       </p:sp>
@@ -493,7 +493,7 @@
           <a:bodyPr/>
           <a:lstStyle/>
           <a:p>
-            <a:endParaRPr lang="uk-UA"/>
+            <a:endParaRPr lang="uk-UA" dirty="0"/>
           </a:p>
         </p:txBody>
       </p:sp>
@@ -522,7 +522,7 @@
               <a:rPr lang="uk-UA" smtClean="0"/>
               <a:t>‹#›</a:t>
             </a:fld>
-            <a:endParaRPr lang="uk-UA"/>
+            <a:endParaRPr lang="uk-UA" dirty="0"/>
           </a:p>
         </p:txBody>
       </p:sp>
@@ -678,7 +678,7 @@
               <a:rPr lang="uk-UA" smtClean="0"/>
               <a:t>03.12.2019</a:t>
             </a:fld>
-            <a:endParaRPr lang="uk-UA"/>
+            <a:endParaRPr lang="uk-UA" dirty="0"/>
           </a:p>
         </p:txBody>
       </p:sp>
@@ -703,7 +703,7 @@
           <a:bodyPr/>
           <a:lstStyle/>
           <a:p>
-            <a:endParaRPr lang="uk-UA"/>
+            <a:endParaRPr lang="uk-UA" dirty="0"/>
           </a:p>
         </p:txBody>
       </p:sp>
@@ -732,7 +732,7 @@
               <a:rPr lang="uk-UA" smtClean="0"/>
               <a:t>‹#›</a:t>
             </a:fld>
-            <a:endParaRPr lang="uk-UA"/>
+            <a:endParaRPr lang="uk-UA" dirty="0"/>
           </a:p>
         </p:txBody>
       </p:sp>
@@ -878,7 +878,7 @@
               <a:rPr lang="uk-UA" smtClean="0"/>
               <a:t>03.12.2019</a:t>
             </a:fld>
-            <a:endParaRPr lang="uk-UA"/>
+            <a:endParaRPr lang="uk-UA" dirty="0"/>
           </a:p>
         </p:txBody>
       </p:sp>
@@ -903,7 +903,7 @@
           <a:bodyPr/>
           <a:lstStyle/>
           <a:p>
-            <a:endParaRPr lang="uk-UA"/>
+            <a:endParaRPr lang="uk-UA" dirty="0"/>
           </a:p>
         </p:txBody>
       </p:sp>
@@ -932,7 +932,7 @@
               <a:rPr lang="uk-UA" smtClean="0"/>
               <a:t>‹#›</a:t>
             </a:fld>
-            <a:endParaRPr lang="uk-UA"/>
+            <a:endParaRPr lang="uk-UA" dirty="0"/>
           </a:p>
         </p:txBody>
       </p:sp>
@@ -1154,7 +1154,7 @@
               <a:rPr lang="uk-UA" smtClean="0"/>
               <a:t>03.12.2019</a:t>
             </a:fld>
-            <a:endParaRPr lang="uk-UA"/>
+            <a:endParaRPr lang="uk-UA" dirty="0"/>
           </a:p>
         </p:txBody>
       </p:sp>
@@ -1179,7 +1179,7 @@
           <a:bodyPr/>
           <a:lstStyle/>
           <a:p>
-            <a:endParaRPr lang="uk-UA"/>
+            <a:endParaRPr lang="uk-UA" dirty="0"/>
           </a:p>
         </p:txBody>
       </p:sp>
@@ -1208,7 +1208,7 @@
               <a:rPr lang="uk-UA" smtClean="0"/>
               <a:t>‹#›</a:t>
             </a:fld>
-            <a:endParaRPr lang="uk-UA"/>
+            <a:endParaRPr lang="uk-UA" dirty="0"/>
           </a:p>
         </p:txBody>
       </p:sp>
@@ -1422,7 +1422,7 @@
               <a:rPr lang="uk-UA" smtClean="0"/>
               <a:t>03.12.2019</a:t>
             </a:fld>
-            <a:endParaRPr lang="uk-UA"/>
+            <a:endParaRPr lang="uk-UA" dirty="0"/>
           </a:p>
         </p:txBody>
       </p:sp>
@@ -1447,7 +1447,7 @@
           <a:bodyPr/>
           <a:lstStyle/>
           <a:p>
-            <a:endParaRPr lang="uk-UA"/>
+            <a:endParaRPr lang="uk-UA" dirty="0"/>
           </a:p>
         </p:txBody>
       </p:sp>
@@ -1476,7 +1476,7 @@
               <a:rPr lang="uk-UA" smtClean="0"/>
               <a:t>‹#›</a:t>
             </a:fld>
-            <a:endParaRPr lang="uk-UA"/>
+            <a:endParaRPr lang="uk-UA" dirty="0"/>
           </a:p>
         </p:txBody>
       </p:sp>
@@ -1837,7 +1837,7 @@
               <a:rPr lang="uk-UA" smtClean="0"/>
               <a:t>03.12.2019</a:t>
             </a:fld>
-            <a:endParaRPr lang="uk-UA"/>
+            <a:endParaRPr lang="uk-UA" dirty="0"/>
           </a:p>
         </p:txBody>
       </p:sp>
@@ -1862,7 +1862,7 @@
           <a:bodyPr/>
           <a:lstStyle/>
           <a:p>
-            <a:endParaRPr lang="uk-UA"/>
+            <a:endParaRPr lang="uk-UA" dirty="0"/>
           </a:p>
         </p:txBody>
       </p:sp>
@@ -1891,7 +1891,7 @@
               <a:rPr lang="uk-UA" smtClean="0"/>
               <a:t>‹#›</a:t>
             </a:fld>
-            <a:endParaRPr lang="uk-UA"/>
+            <a:endParaRPr lang="uk-UA" dirty="0"/>
           </a:p>
         </p:txBody>
       </p:sp>
@@ -1979,7 +1979,7 @@
               <a:rPr lang="uk-UA" smtClean="0"/>
               <a:t>03.12.2019</a:t>
             </a:fld>
-            <a:endParaRPr lang="uk-UA"/>
+            <a:endParaRPr lang="uk-UA" dirty="0"/>
           </a:p>
         </p:txBody>
       </p:sp>
@@ -2004,7 +2004,7 @@
           <a:bodyPr/>
           <a:lstStyle/>
           <a:p>
-            <a:endParaRPr lang="uk-UA"/>
+            <a:endParaRPr lang="uk-UA" dirty="0"/>
           </a:p>
         </p:txBody>
       </p:sp>
@@ -2033,7 +2033,7 @@
               <a:rPr lang="uk-UA" smtClean="0"/>
               <a:t>‹#›</a:t>
             </a:fld>
-            <a:endParaRPr lang="uk-UA"/>
+            <a:endParaRPr lang="uk-UA" dirty="0"/>
           </a:p>
         </p:txBody>
       </p:sp>
@@ -2092,7 +2092,7 @@
               <a:rPr lang="uk-UA" smtClean="0"/>
               <a:t>03.12.2019</a:t>
             </a:fld>
-            <a:endParaRPr lang="uk-UA"/>
+            <a:endParaRPr lang="uk-UA" dirty="0"/>
           </a:p>
         </p:txBody>
       </p:sp>
@@ -2117,7 +2117,7 @@
           <a:bodyPr/>
           <a:lstStyle/>
           <a:p>
-            <a:endParaRPr lang="uk-UA"/>
+            <a:endParaRPr lang="uk-UA" dirty="0"/>
           </a:p>
         </p:txBody>
       </p:sp>
@@ -2146,7 +2146,7 @@
               <a:rPr lang="uk-UA" smtClean="0"/>
               <a:t>‹#›</a:t>
             </a:fld>
-            <a:endParaRPr lang="uk-UA"/>
+            <a:endParaRPr lang="uk-UA" dirty="0"/>
           </a:p>
         </p:txBody>
       </p:sp>
@@ -2405,7 +2405,7 @@
               <a:rPr lang="uk-UA" smtClean="0"/>
               <a:t>03.12.2019</a:t>
             </a:fld>
-            <a:endParaRPr lang="uk-UA"/>
+            <a:endParaRPr lang="uk-UA" dirty="0"/>
           </a:p>
         </p:txBody>
       </p:sp>
@@ -2430,7 +2430,7 @@
           <a:bodyPr/>
           <a:lstStyle/>
           <a:p>
-            <a:endParaRPr lang="uk-UA"/>
+            <a:endParaRPr lang="uk-UA" dirty="0"/>
           </a:p>
         </p:txBody>
       </p:sp>
@@ -2459,7 +2459,7 @@
               <a:rPr lang="uk-UA" smtClean="0"/>
               <a:t>‹#›</a:t>
             </a:fld>
-            <a:endParaRPr lang="uk-UA"/>
+            <a:endParaRPr lang="uk-UA" dirty="0"/>
           </a:p>
         </p:txBody>
       </p:sp>
@@ -2594,7 +2594,7 @@
             </a:lvl9pPr>
           </a:lstStyle>
           <a:p>
-            <a:endParaRPr lang="uk-UA"/>
+            <a:endParaRPr lang="uk-UA" dirty="0"/>
           </a:p>
         </p:txBody>
       </p:sp>
@@ -2694,7 +2694,7 @@
               <a:rPr lang="uk-UA" smtClean="0"/>
               <a:t>03.12.2019</a:t>
             </a:fld>
-            <a:endParaRPr lang="uk-UA"/>
+            <a:endParaRPr lang="uk-UA" dirty="0"/>
           </a:p>
         </p:txBody>
       </p:sp>
@@ -2719,7 +2719,7 @@
           <a:bodyPr/>
           <a:lstStyle/>
           <a:p>
-            <a:endParaRPr lang="uk-UA"/>
+            <a:endParaRPr lang="uk-UA" dirty="0"/>
           </a:p>
         </p:txBody>
       </p:sp>
@@ -2748,7 +2748,7 @@
               <a:rPr lang="uk-UA" smtClean="0"/>
               <a:t>‹#›</a:t>
             </a:fld>
-            <a:endParaRPr lang="uk-UA"/>
+            <a:endParaRPr lang="uk-UA" dirty="0"/>
           </a:p>
         </p:txBody>
       </p:sp>
@@ -2937,7 +2937,7 @@
               <a:rPr lang="uk-UA" smtClean="0"/>
               <a:t>03.12.2019</a:t>
             </a:fld>
-            <a:endParaRPr lang="uk-UA"/>
+            <a:endParaRPr lang="uk-UA" dirty="0"/>
           </a:p>
         </p:txBody>
       </p:sp>
@@ -2980,7 +2980,7 @@
             </a:lvl1pPr>
           </a:lstStyle>
           <a:p>
-            <a:endParaRPr lang="uk-UA"/>
+            <a:endParaRPr lang="uk-UA" dirty="0"/>
           </a:p>
         </p:txBody>
       </p:sp>
@@ -3027,7 +3027,7 @@
               <a:rPr lang="uk-UA" smtClean="0"/>
               <a:t>‹#›</a:t>
             </a:fld>
-            <a:endParaRPr lang="uk-UA"/>
+            <a:endParaRPr lang="uk-UA" dirty="0"/>
           </a:p>
         </p:txBody>
       </p:sp>
@@ -3374,8 +3374,8 @@
           <a:lstStyle/>
           <a:p>
             <a:r>
-              <a:rPr lang="ru-RU" dirty="0"/>
-              <a:t>ПРЕЗЕНТАЦИЯ НАХУЙ</a:t>
+              <a:rPr lang="ru-RU" dirty="0" err="1"/>
+              <a:t>Презентація</a:t>
             </a:r>
             <a:endParaRPr lang="uk-UA" dirty="0"/>
           </a:p>
@@ -3402,18 +3402,6 @@
           <a:bodyPr/>
           <a:lstStyle/>
           <a:p>
-            <a:r>
-              <a:rPr lang="ru-RU" dirty="0"/>
-              <a:t>Измените кому не </a:t>
-            </a:r>
-            <a:r>
-              <a:rPr lang="ru-RU" dirty="0" err="1"/>
-              <a:t>впадлу</a:t>
-            </a:r>
-            <a:r>
-              <a:rPr lang="ru-RU" dirty="0"/>
-              <a:t> спасибо</a:t>
-            </a:r>
             <a:endParaRPr lang="uk-UA" dirty="0"/>
           </a:p>
         </p:txBody>
@@ -3471,14 +3459,7 @@
           <a:p>
             <a:r>
               <a:rPr lang="ru-RU" dirty="0"/>
-              <a:t>ТУТ КРАСИВО ОФОРМИТЕ НАХУЙ</a:t>
-            </a:r>
-            <a:br>
-              <a:rPr lang="ru-RU" dirty="0"/>
-            </a:br>
-            <a:r>
-              <a:rPr lang="ru-RU" dirty="0"/>
-              <a:t>Контекст проекту нахуй</a:t>
+              <a:t>Контекст проекту</a:t>
             </a:r>
             <a:endParaRPr lang="uk-UA" dirty="0"/>
           </a:p>
@@ -3549,12 +3530,12 @@
                         </a:spcAft>
                       </a:pPr>
                       <a:r>
-                        <a:rPr lang="uk-UA" sz="1300">
+                        <a:rPr lang="uk-UA" sz="1300" dirty="0">
                           <a:effectLst/>
                         </a:rPr>
                         <a:t>Що є причиною потреби ПЗ?  </a:t>
                       </a:r>
-                      <a:endParaRPr lang="uk-UA" sz="1100">
+                      <a:endParaRPr lang="uk-UA" sz="1100" dirty="0">
                         <a:effectLst/>
                         <a:latin typeface="Calibri" panose="020F0502020204030204" pitchFamily="34" charset="0"/>
                         <a:ea typeface="Times New Roman" panose="02020603050405020304" pitchFamily="18" charset="0"/>
@@ -3632,12 +3613,12 @@
                         </a:spcAft>
                       </a:pPr>
                       <a:r>
-                        <a:rPr lang="uk-UA" sz="1300">
+                        <a:rPr lang="uk-UA" sz="1300" dirty="0">
                           <a:effectLst/>
                         </a:rPr>
                         <a:t>Спосіб задоволення ІТ-потреби? </a:t>
                       </a:r>
-                      <a:endParaRPr lang="uk-UA" sz="1100">
+                      <a:endParaRPr lang="uk-UA" sz="1100" dirty="0">
                         <a:effectLst/>
                         <a:latin typeface="Calibri" panose="020F0502020204030204" pitchFamily="34" charset="0"/>
                         <a:ea typeface="Times New Roman" panose="02020603050405020304" pitchFamily="18" charset="0"/>
@@ -3664,7 +3645,7 @@
                         </a:spcAft>
                       </a:pPr>
                       <a:r>
-                        <a:rPr lang="uk-UA" sz="1300">
+                        <a:rPr lang="uk-UA" sz="1300" dirty="0">
                           <a:solidFill>
                             <a:schemeClr val="tx1"/>
                           </a:solidFill>
@@ -3672,7 +3653,7 @@
                         </a:rPr>
                         <a:t>Виробництво ПЗ</a:t>
                       </a:r>
-                      <a:endParaRPr lang="uk-UA" sz="1100">
+                      <a:endParaRPr lang="uk-UA" sz="1100" dirty="0">
                         <a:solidFill>
                           <a:schemeClr val="tx1"/>
                         </a:solidFill>
@@ -3715,12 +3696,12 @@
                         </a:spcAft>
                       </a:pPr>
                       <a:r>
-                        <a:rPr lang="uk-UA" sz="1300">
+                        <a:rPr lang="uk-UA" sz="1300" dirty="0">
                           <a:effectLst/>
                         </a:rPr>
                         <a:t>Як позиціонується програмний продукт, вимоги до якого</a:t>
                       </a:r>
-                      <a:endParaRPr lang="uk-UA" sz="1100">
+                      <a:endParaRPr lang="uk-UA" sz="1100" dirty="0">
                         <a:effectLst/>
                       </a:endParaRPr>
                     </a:p>
@@ -3737,12 +3718,12 @@
                         </a:spcAft>
                       </a:pPr>
                       <a:r>
-                        <a:rPr lang="uk-UA" sz="1300">
+                        <a:rPr lang="uk-UA" sz="1300" dirty="0">
                           <a:effectLst/>
                         </a:rPr>
                         <a:t>розробляються, в ієрархії вкладених систем?</a:t>
                       </a:r>
-                      <a:endParaRPr lang="uk-UA" sz="1100">
+                      <a:endParaRPr lang="uk-UA" sz="1100" dirty="0">
                         <a:effectLst/>
                         <a:latin typeface="Calibri" panose="020F0502020204030204" pitchFamily="34" charset="0"/>
                         <a:ea typeface="Times New Roman" panose="02020603050405020304" pitchFamily="18" charset="0"/>
@@ -3820,12 +3801,12 @@
                         </a:spcAft>
                       </a:pPr>
                       <a:r>
-                        <a:rPr lang="uk-UA" sz="1300">
+                        <a:rPr lang="uk-UA" sz="1300" dirty="0">
                           <a:effectLst/>
                         </a:rPr>
                         <a:t>До якої категорії належить ПЗ за обсягом трикутника</a:t>
                       </a:r>
-                      <a:endParaRPr lang="uk-UA" sz="1100">
+                      <a:endParaRPr lang="uk-UA" sz="1100" dirty="0">
                         <a:effectLst/>
                       </a:endParaRPr>
                     </a:p>
@@ -3842,12 +3823,12 @@
                         </a:spcAft>
                       </a:pPr>
                       <a:r>
-                        <a:rPr lang="uk-UA" sz="1300">
+                        <a:rPr lang="uk-UA" sz="1300" dirty="0">
                           <a:effectLst/>
                         </a:rPr>
                         <a:t>параметрів розробки: «час-ресурси-якість»?</a:t>
                       </a:r>
-                      <a:endParaRPr lang="uk-UA" sz="1100">
+                      <a:endParaRPr lang="uk-UA" sz="1100" dirty="0">
                         <a:effectLst/>
                         <a:latin typeface="Calibri" panose="020F0502020204030204" pitchFamily="34" charset="0"/>
                         <a:ea typeface="Times New Roman" panose="02020603050405020304" pitchFamily="18" charset="0"/>
@@ -3874,7 +3855,7 @@
                         </a:spcAft>
                       </a:pPr>
                       <a:r>
-                        <a:rPr lang="uk-UA" sz="1300">
+                        <a:rPr lang="uk-UA" sz="1300" dirty="0">
                           <a:solidFill>
                             <a:schemeClr val="tx1"/>
                           </a:solidFill>
@@ -3882,7 +3863,7 @@
                         </a:rPr>
                         <a:t>Велике ПЗ</a:t>
                       </a:r>
-                      <a:endParaRPr lang="uk-UA" sz="1100">
+                      <a:endParaRPr lang="uk-UA" sz="1100" dirty="0">
                         <a:solidFill>
                           <a:schemeClr val="tx1"/>
                         </a:solidFill>
@@ -3902,7 +3883,7 @@
                         </a:spcAft>
                       </a:pPr>
                       <a:r>
-                        <a:rPr lang="uk-UA" sz="1300">
+                        <a:rPr lang="uk-UA" sz="1300" dirty="0">
                           <a:solidFill>
                             <a:schemeClr val="tx1"/>
                           </a:solidFill>
@@ -3910,7 +3891,7 @@
                         </a:rPr>
                         <a:t> </a:t>
                       </a:r>
-                      <a:endParaRPr lang="uk-UA" sz="1100">
+                      <a:endParaRPr lang="uk-UA" sz="1100" dirty="0">
                         <a:solidFill>
                           <a:schemeClr val="tx1"/>
                         </a:solidFill>
@@ -3953,12 +3934,12 @@
                         </a:spcAft>
                       </a:pPr>
                       <a:r>
-                        <a:rPr lang="uk-UA" sz="1300">
+                        <a:rPr lang="uk-UA" sz="1300" dirty="0">
                           <a:effectLst/>
                         </a:rPr>
                         <a:t>Які можливості залучення до процесів створення ПЗ</a:t>
                       </a:r>
-                      <a:endParaRPr lang="uk-UA" sz="1100">
+                      <a:endParaRPr lang="uk-UA" sz="1100" dirty="0">
                         <a:effectLst/>
                       </a:endParaRPr>
                     </a:p>
@@ -3975,12 +3956,12 @@
                         </a:spcAft>
                       </a:pPr>
                       <a:r>
-                        <a:rPr lang="uk-UA" sz="1300">
+                        <a:rPr lang="uk-UA" sz="1300" dirty="0">
                           <a:effectLst/>
                         </a:rPr>
                         <a:t>розробників?</a:t>
                       </a:r>
-                      <a:endParaRPr lang="uk-UA" sz="1100">
+                      <a:endParaRPr lang="uk-UA" sz="1100" dirty="0">
                         <a:effectLst/>
                         <a:latin typeface="Calibri" panose="020F0502020204030204" pitchFamily="34" charset="0"/>
                         <a:ea typeface="Times New Roman" panose="02020603050405020304" pitchFamily="18" charset="0"/>
@@ -4007,7 +3988,7 @@
                         </a:spcAft>
                       </a:pPr>
                       <a:r>
-                        <a:rPr lang="uk-UA" sz="1300">
+                        <a:rPr lang="uk-UA" sz="1300" dirty="0">
                           <a:solidFill>
                             <a:schemeClr val="tx1"/>
                           </a:solidFill>
@@ -4015,7 +3996,7 @@
                         </a:rPr>
                         <a:t>Проектні команди</a:t>
                       </a:r>
-                      <a:endParaRPr lang="uk-UA" sz="1100">
+                      <a:endParaRPr lang="uk-UA" sz="1100" dirty="0">
                         <a:solidFill>
                           <a:schemeClr val="tx1"/>
                         </a:solidFill>
@@ -4058,12 +4039,12 @@
                         </a:spcAft>
                       </a:pPr>
                       <a:r>
-                        <a:rPr lang="uk-UA" sz="1300">
+                        <a:rPr lang="uk-UA" sz="1300" dirty="0">
                           <a:effectLst/>
                         </a:rPr>
                         <a:t>Жорсткість вимог до якості і надійності?</a:t>
                       </a:r>
-                      <a:endParaRPr lang="uk-UA" sz="1100">
+                      <a:endParaRPr lang="uk-UA" sz="1100" dirty="0">
                         <a:effectLst/>
                         <a:latin typeface="Calibri" panose="020F0502020204030204" pitchFamily="34" charset="0"/>
                         <a:ea typeface="Times New Roman" panose="02020603050405020304" pitchFamily="18" charset="0"/>
@@ -4090,7 +4071,7 @@
                         </a:spcAft>
                       </a:pPr>
                       <a:r>
-                        <a:rPr lang="uk-UA" sz="1300">
+                        <a:rPr lang="uk-UA" sz="1300" dirty="0">
                           <a:solidFill>
                             <a:schemeClr val="tx1"/>
                           </a:solidFill>
@@ -4098,7 +4079,7 @@
                         </a:rPr>
                         <a:t>«Жорсткі» вимоги</a:t>
                       </a:r>
-                      <a:endParaRPr lang="uk-UA" sz="1100">
+                      <a:endParaRPr lang="uk-UA" sz="1100" dirty="0">
                         <a:solidFill>
                           <a:schemeClr val="tx1"/>
                         </a:solidFill>
@@ -4141,12 +4122,12 @@
                         </a:spcAft>
                       </a:pPr>
                       <a:r>
-                        <a:rPr lang="uk-UA" sz="1300">
+                        <a:rPr lang="uk-UA" sz="1300" dirty="0">
                           <a:effectLst/>
                         </a:rPr>
                         <a:t>Яким є рівень невизначеності щодо необхідних</a:t>
                       </a:r>
-                      <a:endParaRPr lang="uk-UA" sz="1100">
+                      <a:endParaRPr lang="uk-UA" sz="1100" dirty="0">
                         <a:effectLst/>
                       </a:endParaRPr>
                     </a:p>
@@ -4163,12 +4144,12 @@
                         </a:spcAft>
                       </a:pPr>
                       <a:r>
-                        <a:rPr lang="uk-UA" sz="1300">
+                        <a:rPr lang="uk-UA" sz="1300" dirty="0">
                           <a:effectLst/>
                         </a:rPr>
                         <a:t>властивостей ПЗ?</a:t>
                       </a:r>
-                      <a:endParaRPr lang="uk-UA" sz="1100">
+                      <a:endParaRPr lang="uk-UA" sz="1100" dirty="0">
                         <a:effectLst/>
                         <a:latin typeface="Calibri" panose="020F0502020204030204" pitchFamily="34" charset="0"/>
                         <a:ea typeface="Times New Roman" panose="02020603050405020304" pitchFamily="18" charset="0"/>
@@ -4338,15 +4319,7 @@
             </a:r>
             <a:r>
               <a:rPr lang="uk-UA" dirty="0"/>
-              <a:t> </a:t>
-            </a:r>
-            <a:r>
-              <a:rPr lang="uk-UA" dirty="0" err="1"/>
-              <a:t>Ломачинський</a:t>
-            </a:r>
-            <a:r>
-              <a:rPr lang="uk-UA" dirty="0"/>
-              <a:t> Віталій </a:t>
+              <a:t> Ломачинський Віталій </a:t>
             </a:r>
           </a:p>
           <a:p>
@@ -4356,13 +4329,8 @@
             </a:r>
             <a:r>
               <a:rPr lang="uk-UA" dirty="0"/>
-              <a:t>Абдуллаєв </a:t>
-            </a:r>
-            <a:r>
-              <a:rPr lang="uk-UA" dirty="0" err="1"/>
-              <a:t>Констянтин</a:t>
-            </a:r>
-            <a:endParaRPr lang="uk-UA" dirty="0"/>
+              <a:t>Абдуллаєв Констянтин</a:t>
+            </a:r>
           </a:p>
           <a:p>
             <a:r>
@@ -4370,12 +4338,8 @@
               <a:t>Програміст: </a:t>
             </a:r>
             <a:r>
-              <a:rPr lang="uk-UA" dirty="0" err="1"/>
-              <a:t>Кривошей</a:t>
-            </a:r>
-            <a:r>
               <a:rPr lang="uk-UA" dirty="0"/>
-              <a:t> Владислав</a:t>
+              <a:t>Кривошей Владислав</a:t>
             </a:r>
           </a:p>
           <a:p>
@@ -4465,21 +4429,6 @@
           <a:lstStyle/>
           <a:p>
             <a:r>
-              <a:rPr lang="en-US" b="1" i="1" dirty="0"/>
-              <a:t>&lt;&lt;&lt;&lt;</a:t>
-            </a:r>
-            <a:r>
-              <a:rPr lang="ru-RU" b="1" i="1" dirty="0"/>
-              <a:t>!РАСПИШИТЕ СВОИ РОЛИ НАХУЙ!</a:t>
-            </a:r>
-            <a:r>
-              <a:rPr lang="en-US" b="1" i="1" dirty="0"/>
-              <a:t>&gt;&gt;&gt;&gt;</a:t>
-            </a:r>
-            <a:br>
-              <a:rPr lang="uk-UA" dirty="0"/>
-            </a:br>
-            <a:r>
               <a:rPr lang="uk-UA" dirty="0"/>
               <a:t>Обґрунтування ролей</a:t>
             </a:r>
@@ -4564,7 +4513,7 @@
           <a:p>
             <a:r>
               <a:rPr lang="ru-RU" dirty="0"/>
-              <a:t>Концепция нашего продукта нахуй</a:t>
+              <a:t>Концепція створення проекту</a:t>
             </a:r>
             <a:endParaRPr lang="uk-UA" dirty="0"/>
           </a:p>
@@ -4591,6 +4540,33 @@
           <a:bodyPr/>
           <a:lstStyle/>
           <a:p>
+            <a:pPr marL="0" indent="0">
+              <a:buNone/>
+            </a:pPr>
+            <a:r>
+              <a:rPr lang="uk-UA" dirty="0"/>
+              <a:t>Архітектором (слава </a:t>
+            </a:r>
+            <a:r>
+              <a:rPr lang="uk-UA" dirty="0" err="1"/>
+              <a:t>Дємаге</a:t>
+            </a:r>
+            <a:r>
+              <a:rPr lang="uk-UA" dirty="0"/>
+              <a:t>) було визначену потребу в гнучкості, </a:t>
+            </a:r>
+            <a:r>
+              <a:rPr lang="uk-UA" dirty="0" err="1"/>
+              <a:t>ітеративності</a:t>
+            </a:r>
+            <a:r>
+              <a:rPr lang="uk-UA" dirty="0"/>
+              <a:t> та функціональності. Ці три пункти задовольняє методологія  </a:t>
+            </a:r>
+            <a:r>
+              <a:rPr lang="en-US" dirty="0"/>
+              <a:t>feature driven development </a:t>
+            </a:r>
             <a:endParaRPr lang="uk-UA" dirty="0"/>
           </a:p>
         </p:txBody>
@@ -4648,11 +4624,7 @@
           <a:p>
             <a:r>
               <a:rPr lang="uk-UA" dirty="0"/>
-              <a:t>Висновки </a:t>
-            </a:r>
-            <a:r>
-              <a:rPr lang="uk-UA"/>
-              <a:t>по виконаній роботі: </a:t>
+              <a:t>Висновки по виконаній роботі: </a:t>
             </a:r>
           </a:p>
         </p:txBody>

--- a/elektronna_kafedra.pptx
+++ b/elektronna_kafedra.pptx
@@ -9,8 +9,9 @@
     <p:sldId id="257" r:id="rId3"/>
     <p:sldId id="258" r:id="rId4"/>
     <p:sldId id="261" r:id="rId5"/>
-    <p:sldId id="259" r:id="rId6"/>
-    <p:sldId id="260" r:id="rId7"/>
+    <p:sldId id="262" r:id="rId6"/>
+    <p:sldId id="259" r:id="rId7"/>
+    <p:sldId id="260" r:id="rId8"/>
   </p:sldIdLst>
   <p:sldSz cx="12192000" cy="6858000"/>
   <p:notesSz cx="6858000" cy="9144000"/>
@@ -115,6 +116,18 @@
     </p:ext>
   </p:extLst>
 </p:presentation>
+</file>
+
+<file path=ppt/commentAuthors.xml><?xml version="1.0" encoding="utf-8"?>
+<p:cmAuthorLst xmlns:a="http://schemas.openxmlformats.org/drawingml/2006/main" xmlns:r="http://schemas.openxmlformats.org/officeDocument/2006/relationships" xmlns:p="http://schemas.openxmlformats.org/presentationml/2006/main">
+  <p:cmAuthor id="1" name="Дмитрий Сотник" initials="ДС" lastIdx="1" clrIdx="0">
+    <p:extLst>
+      <p:ext uri="{19B8F6BF-5375-455C-9EA6-DF929625EA0E}">
+        <p15:presenceInfo xmlns:p15="http://schemas.microsoft.com/office/powerpoint/2012/main" userId="12b5aedd6f95227b" providerId="Windows Live"/>
+      </p:ext>
+    </p:extLst>
+  </p:cmAuthor>
+</p:cmAuthorLst>
 </file>
 
 <file path=ppt/slideLayouts/slideLayout1.xml><?xml version="1.0" encoding="utf-8"?>
@@ -3374,10 +3387,9 @@
           <a:lstStyle/>
           <a:p>
             <a:r>
-              <a:rPr lang="ru-RU" dirty="0" err="1"/>
-              <a:t>Презентація</a:t>
-            </a:r>
-            <a:endParaRPr lang="uk-UA" dirty="0"/>
+              <a:rPr lang="uk-UA" b="1" dirty="0"/>
+              <a:t>плейсхолдер</a:t>
+            </a:r>
           </a:p>
         </p:txBody>
       </p:sp>
@@ -3458,10 +3470,10 @@
           <a:lstStyle/>
           <a:p>
             <a:r>
-              <a:rPr lang="ru-RU" dirty="0"/>
+              <a:rPr lang="ru-RU" b="1" dirty="0"/>
               <a:t>Контекст проекту</a:t>
             </a:r>
-            <a:endParaRPr lang="uk-UA" dirty="0"/>
+            <a:endParaRPr lang="uk-UA" b="1" dirty="0"/>
           </a:p>
         </p:txBody>
       </p:sp>
@@ -3481,14 +3493,14 @@
             <p:ph idx="1"/>
             <p:extLst>
               <p:ext uri="{D42A27DB-BD31-4B8C-83A1-F6EECF244321}">
-                <p14:modId xmlns:p14="http://schemas.microsoft.com/office/powerpoint/2010/main" val="2410504074"/>
+                <p14:modId xmlns:p14="http://schemas.microsoft.com/office/powerpoint/2010/main" val="52894880"/>
               </p:ext>
             </p:extLst>
           </p:nvPr>
         </p:nvGraphicFramePr>
         <p:xfrm>
-          <a:off x="921024" y="1690688"/>
-          <a:ext cx="5674256" cy="4351338"/>
+          <a:off x="921024" y="1806890"/>
+          <a:ext cx="5611751" cy="4235136"/>
         </p:xfrm>
         <a:graphic>
           <a:graphicData uri="http://schemas.openxmlformats.org/drawingml/2006/table">
@@ -3504,7 +3516,7 @@
                     </a:ext>
                   </a:extLst>
                 </a:gridCol>
-                <a:gridCol w="2837128">
+                <a:gridCol w="2774623">
                   <a:extLst>
                     <a:ext uri="{9D8B030D-6E8A-4147-A177-3AD203B41FA5}">
                       <a16:colId xmlns:a16="http://schemas.microsoft.com/office/drawing/2014/main" val="863048593"/>
@@ -3512,7 +3524,7 @@
                   </a:extLst>
                 </a:gridCol>
               </a:tblGrid>
-              <a:tr h="454123">
+              <a:tr h="439709">
                 <a:tc>
                   <a:txBody>
                     <a:bodyPr/>
@@ -3531,11 +3543,17 @@
                       </a:pPr>
                       <a:r>
                         <a:rPr lang="uk-UA" sz="1300" dirty="0">
+                          <a:solidFill>
+                            <a:schemeClr val="tx1"/>
+                          </a:solidFill>
                           <a:effectLst/>
                         </a:rPr>
                         <a:t>Що є причиною потреби ПЗ?  </a:t>
                       </a:r>
                       <a:endParaRPr lang="uk-UA" sz="1100" dirty="0">
+                        <a:solidFill>
+                          <a:schemeClr val="tx1"/>
+                        </a:solidFill>
                         <a:effectLst/>
                         <a:latin typeface="Calibri" panose="020F0502020204030204" pitchFamily="34" charset="0"/>
                         <a:ea typeface="Times New Roman" panose="02020603050405020304" pitchFamily="18" charset="0"/>
@@ -3543,7 +3561,47 @@
                       </a:endParaRPr>
                     </a:p>
                   </a:txBody>
-                  <a:tcPr marL="65542" marR="65542" marT="0" marB="0"/>
+                  <a:tcPr marL="65542" marR="65542" marT="0" marB="0">
+                    <a:lnL w="12700" cap="flat" cmpd="sng" algn="ctr">
+                      <a:solidFill>
+                        <a:schemeClr val="tx1"/>
+                      </a:solidFill>
+                      <a:prstDash val="solid"/>
+                      <a:round/>
+                      <a:headEnd type="none" w="med" len="med"/>
+                      <a:tailEnd type="none" w="med" len="med"/>
+                    </a:lnL>
+                    <a:lnR w="12700" cap="flat" cmpd="sng" algn="ctr">
+                      <a:solidFill>
+                        <a:schemeClr val="tx1"/>
+                      </a:solidFill>
+                      <a:prstDash val="solid"/>
+                      <a:round/>
+                      <a:headEnd type="none" w="med" len="med"/>
+                      <a:tailEnd type="none" w="med" len="med"/>
+                    </a:lnR>
+                    <a:lnT w="12700" cap="flat" cmpd="sng" algn="ctr">
+                      <a:solidFill>
+                        <a:schemeClr val="tx1"/>
+                      </a:solidFill>
+                      <a:prstDash val="solid"/>
+                      <a:round/>
+                      <a:headEnd type="none" w="med" len="med"/>
+                      <a:tailEnd type="none" w="med" len="med"/>
+                    </a:lnT>
+                    <a:lnB w="12700" cap="flat" cmpd="sng" algn="ctr">
+                      <a:solidFill>
+                        <a:schemeClr val="tx1"/>
+                      </a:solidFill>
+                      <a:prstDash val="solid"/>
+                      <a:round/>
+                      <a:headEnd type="none" w="med" len="med"/>
+                      <a:tailEnd type="none" w="med" len="med"/>
+                    </a:lnB>
+                    <a:solidFill>
+                      <a:schemeClr val="bg1"/>
+                    </a:solidFill>
+                  </a:tcPr>
                 </a:tc>
                 <a:tc>
                   <a:txBody>
@@ -3582,10 +3640,44 @@
                     </a:p>
                   </a:txBody>
                   <a:tcPr marL="65542" marR="65542" marT="0" marB="0">
+                    <a:lnL w="12700" cap="flat" cmpd="sng" algn="ctr">
+                      <a:solidFill>
+                        <a:schemeClr val="tx1"/>
+                      </a:solidFill>
+                      <a:prstDash val="solid"/>
+                      <a:round/>
+                      <a:headEnd type="none" w="med" len="med"/>
+                      <a:tailEnd type="none" w="med" len="med"/>
+                    </a:lnL>
+                    <a:lnR w="12700" cap="flat" cmpd="sng" algn="ctr">
+                      <a:solidFill>
+                        <a:schemeClr val="tx1"/>
+                      </a:solidFill>
+                      <a:prstDash val="solid"/>
+                      <a:round/>
+                      <a:headEnd type="none" w="med" len="med"/>
+                      <a:tailEnd type="none" w="med" len="med"/>
+                    </a:lnR>
+                    <a:lnT w="12700" cap="flat" cmpd="sng" algn="ctr">
+                      <a:solidFill>
+                        <a:schemeClr val="tx1"/>
+                      </a:solidFill>
+                      <a:prstDash val="solid"/>
+                      <a:round/>
+                      <a:headEnd type="none" w="med" len="med"/>
+                      <a:tailEnd type="none" w="med" len="med"/>
+                    </a:lnT>
+                    <a:lnB w="12700" cap="flat" cmpd="sng" algn="ctr">
+                      <a:solidFill>
+                        <a:schemeClr val="tx1"/>
+                      </a:solidFill>
+                      <a:prstDash val="solid"/>
+                      <a:round/>
+                      <a:headEnd type="none" w="med" len="med"/>
+                      <a:tailEnd type="none" w="med" len="med"/>
+                    </a:lnB>
                     <a:solidFill>
-                      <a:schemeClr val="bg1">
-                        <a:lumMod val="85000"/>
-                      </a:schemeClr>
+                      <a:schemeClr val="bg1"/>
                     </a:solidFill>
                   </a:tcPr>
                 </a:tc>
@@ -3595,7 +3687,7 @@
                   </a:ext>
                 </a:extLst>
               </a:tr>
-              <a:tr h="219628">
+              <a:tr h="212657">
                 <a:tc>
                   <a:txBody>
                     <a:bodyPr/>
@@ -3614,11 +3706,17 @@
                       </a:pPr>
                       <a:r>
                         <a:rPr lang="uk-UA" sz="1300" dirty="0">
+                          <a:solidFill>
+                            <a:schemeClr val="tx1"/>
+                          </a:solidFill>
                           <a:effectLst/>
                         </a:rPr>
                         <a:t>Спосіб задоволення ІТ-потреби? </a:t>
                       </a:r>
                       <a:endParaRPr lang="uk-UA" sz="1100" dirty="0">
+                        <a:solidFill>
+                          <a:schemeClr val="tx1"/>
+                        </a:solidFill>
                         <a:effectLst/>
                         <a:latin typeface="Calibri" panose="020F0502020204030204" pitchFamily="34" charset="0"/>
                         <a:ea typeface="Times New Roman" panose="02020603050405020304" pitchFamily="18" charset="0"/>
@@ -3626,7 +3724,47 @@
                       </a:endParaRPr>
                     </a:p>
                   </a:txBody>
-                  <a:tcPr marL="65542" marR="65542" marT="0" marB="0"/>
+                  <a:tcPr marL="65542" marR="65542" marT="0" marB="0">
+                    <a:lnL w="12700" cap="flat" cmpd="sng" algn="ctr">
+                      <a:solidFill>
+                        <a:schemeClr val="tx1"/>
+                      </a:solidFill>
+                      <a:prstDash val="solid"/>
+                      <a:round/>
+                      <a:headEnd type="none" w="med" len="med"/>
+                      <a:tailEnd type="none" w="med" len="med"/>
+                    </a:lnL>
+                    <a:lnR w="12700" cap="flat" cmpd="sng" algn="ctr">
+                      <a:solidFill>
+                        <a:schemeClr val="tx1"/>
+                      </a:solidFill>
+                      <a:prstDash val="solid"/>
+                      <a:round/>
+                      <a:headEnd type="none" w="med" len="med"/>
+                      <a:tailEnd type="none" w="med" len="med"/>
+                    </a:lnR>
+                    <a:lnT w="12700" cap="flat" cmpd="sng" algn="ctr">
+                      <a:solidFill>
+                        <a:schemeClr val="tx1"/>
+                      </a:solidFill>
+                      <a:prstDash val="solid"/>
+                      <a:round/>
+                      <a:headEnd type="none" w="med" len="med"/>
+                      <a:tailEnd type="none" w="med" len="med"/>
+                    </a:lnT>
+                    <a:lnB w="12700" cap="flat" cmpd="sng" algn="ctr">
+                      <a:solidFill>
+                        <a:schemeClr val="tx1"/>
+                      </a:solidFill>
+                      <a:prstDash val="solid"/>
+                      <a:round/>
+                      <a:headEnd type="none" w="med" len="med"/>
+                      <a:tailEnd type="none" w="med" len="med"/>
+                    </a:lnB>
+                    <a:solidFill>
+                      <a:schemeClr val="bg1"/>
+                    </a:solidFill>
+                  </a:tcPr>
                 </a:tc>
                 <a:tc>
                   <a:txBody>
@@ -3665,10 +3803,44 @@
                     </a:p>
                   </a:txBody>
                   <a:tcPr marL="65542" marR="65542" marT="0" marB="0">
+                    <a:lnL w="12700" cap="flat" cmpd="sng" algn="ctr">
+                      <a:solidFill>
+                        <a:schemeClr val="tx1"/>
+                      </a:solidFill>
+                      <a:prstDash val="solid"/>
+                      <a:round/>
+                      <a:headEnd type="none" w="med" len="med"/>
+                      <a:tailEnd type="none" w="med" len="med"/>
+                    </a:lnL>
+                    <a:lnR w="12700" cap="flat" cmpd="sng" algn="ctr">
+                      <a:solidFill>
+                        <a:schemeClr val="tx1"/>
+                      </a:solidFill>
+                      <a:prstDash val="solid"/>
+                      <a:round/>
+                      <a:headEnd type="none" w="med" len="med"/>
+                      <a:tailEnd type="none" w="med" len="med"/>
+                    </a:lnR>
+                    <a:lnT w="12700" cap="flat" cmpd="sng" algn="ctr">
+                      <a:solidFill>
+                        <a:schemeClr val="tx1"/>
+                      </a:solidFill>
+                      <a:prstDash val="solid"/>
+                      <a:round/>
+                      <a:headEnd type="none" w="med" len="med"/>
+                      <a:tailEnd type="none" w="med" len="med"/>
+                    </a:lnT>
+                    <a:lnB w="12700" cap="flat" cmpd="sng" algn="ctr">
+                      <a:solidFill>
+                        <a:schemeClr val="tx1"/>
+                      </a:solidFill>
+                      <a:prstDash val="solid"/>
+                      <a:round/>
+                      <a:headEnd type="none" w="med" len="med"/>
+                      <a:tailEnd type="none" w="med" len="med"/>
+                    </a:lnB>
                     <a:solidFill>
-                      <a:schemeClr val="bg1">
-                        <a:lumMod val="85000"/>
-                      </a:schemeClr>
+                      <a:schemeClr val="bg1"/>
                     </a:solidFill>
                   </a:tcPr>
                 </a:tc>
@@ -3678,7 +3850,7 @@
                   </a:ext>
                 </a:extLst>
               </a:tr>
-              <a:tr h="923114">
+              <a:tr h="893814">
                 <a:tc>
                   <a:txBody>
                     <a:bodyPr/>
@@ -3697,11 +3869,17 @@
                       </a:pPr>
                       <a:r>
                         <a:rPr lang="uk-UA" sz="1300" dirty="0">
+                          <a:solidFill>
+                            <a:schemeClr val="tx1"/>
+                          </a:solidFill>
                           <a:effectLst/>
                         </a:rPr>
                         <a:t>Як позиціонується програмний продукт, вимоги до якого</a:t>
                       </a:r>
                       <a:endParaRPr lang="uk-UA" sz="1100" dirty="0">
+                        <a:solidFill>
+                          <a:schemeClr val="tx1"/>
+                        </a:solidFill>
                         <a:effectLst/>
                       </a:endParaRPr>
                     </a:p>
@@ -3719,11 +3897,17 @@
                       </a:pPr>
                       <a:r>
                         <a:rPr lang="uk-UA" sz="1300" dirty="0">
+                          <a:solidFill>
+                            <a:schemeClr val="tx1"/>
+                          </a:solidFill>
                           <a:effectLst/>
                         </a:rPr>
                         <a:t>розробляються, в ієрархії вкладених систем?</a:t>
                       </a:r>
                       <a:endParaRPr lang="uk-UA" sz="1100" dirty="0">
+                        <a:solidFill>
+                          <a:schemeClr val="tx1"/>
+                        </a:solidFill>
                         <a:effectLst/>
                         <a:latin typeface="Calibri" panose="020F0502020204030204" pitchFamily="34" charset="0"/>
                         <a:ea typeface="Times New Roman" panose="02020603050405020304" pitchFamily="18" charset="0"/>
@@ -3731,7 +3915,47 @@
                       </a:endParaRPr>
                     </a:p>
                   </a:txBody>
-                  <a:tcPr marL="65542" marR="65542" marT="0" marB="0"/>
+                  <a:tcPr marL="65542" marR="65542" marT="0" marB="0">
+                    <a:lnL w="12700" cap="flat" cmpd="sng" algn="ctr">
+                      <a:solidFill>
+                        <a:schemeClr val="tx1"/>
+                      </a:solidFill>
+                      <a:prstDash val="solid"/>
+                      <a:round/>
+                      <a:headEnd type="none" w="med" len="med"/>
+                      <a:tailEnd type="none" w="med" len="med"/>
+                    </a:lnL>
+                    <a:lnR w="12700" cap="flat" cmpd="sng" algn="ctr">
+                      <a:solidFill>
+                        <a:schemeClr val="tx1"/>
+                      </a:solidFill>
+                      <a:prstDash val="solid"/>
+                      <a:round/>
+                      <a:headEnd type="none" w="med" len="med"/>
+                      <a:tailEnd type="none" w="med" len="med"/>
+                    </a:lnR>
+                    <a:lnT w="12700" cap="flat" cmpd="sng" algn="ctr">
+                      <a:solidFill>
+                        <a:schemeClr val="tx1"/>
+                      </a:solidFill>
+                      <a:prstDash val="solid"/>
+                      <a:round/>
+                      <a:headEnd type="none" w="med" len="med"/>
+                      <a:tailEnd type="none" w="med" len="med"/>
+                    </a:lnT>
+                    <a:lnB w="12700" cap="flat" cmpd="sng" algn="ctr">
+                      <a:solidFill>
+                        <a:schemeClr val="tx1"/>
+                      </a:solidFill>
+                      <a:prstDash val="solid"/>
+                      <a:round/>
+                      <a:headEnd type="none" w="med" len="med"/>
+                      <a:tailEnd type="none" w="med" len="med"/>
+                    </a:lnB>
+                    <a:solidFill>
+                      <a:schemeClr val="bg1"/>
+                    </a:solidFill>
+                  </a:tcPr>
                 </a:tc>
                 <a:tc>
                   <a:txBody>
@@ -3770,10 +3994,44 @@
                     </a:p>
                   </a:txBody>
                   <a:tcPr marL="65542" marR="65542" marT="0" marB="0">
+                    <a:lnL w="12700" cap="flat" cmpd="sng" algn="ctr">
+                      <a:solidFill>
+                        <a:schemeClr val="tx1"/>
+                      </a:solidFill>
+                      <a:prstDash val="solid"/>
+                      <a:round/>
+                      <a:headEnd type="none" w="med" len="med"/>
+                      <a:tailEnd type="none" w="med" len="med"/>
+                    </a:lnL>
+                    <a:lnR w="12700" cap="flat" cmpd="sng" algn="ctr">
+                      <a:solidFill>
+                        <a:schemeClr val="tx1"/>
+                      </a:solidFill>
+                      <a:prstDash val="solid"/>
+                      <a:round/>
+                      <a:headEnd type="none" w="med" len="med"/>
+                      <a:tailEnd type="none" w="med" len="med"/>
+                    </a:lnR>
+                    <a:lnT w="12700" cap="flat" cmpd="sng" algn="ctr">
+                      <a:solidFill>
+                        <a:schemeClr val="tx1"/>
+                      </a:solidFill>
+                      <a:prstDash val="solid"/>
+                      <a:round/>
+                      <a:headEnd type="none" w="med" len="med"/>
+                      <a:tailEnd type="none" w="med" len="med"/>
+                    </a:lnT>
+                    <a:lnB w="12700" cap="flat" cmpd="sng" algn="ctr">
+                      <a:solidFill>
+                        <a:schemeClr val="tx1"/>
+                      </a:solidFill>
+                      <a:prstDash val="solid"/>
+                      <a:round/>
+                      <a:headEnd type="none" w="med" len="med"/>
+                      <a:tailEnd type="none" w="med" len="med"/>
+                    </a:lnB>
                     <a:solidFill>
-                      <a:schemeClr val="bg1">
-                        <a:lumMod val="85000"/>
-                      </a:schemeClr>
+                      <a:schemeClr val="bg1"/>
                     </a:solidFill>
                   </a:tcPr>
                 </a:tc>
@@ -3783,7 +4041,7 @@
                   </a:ext>
                 </a:extLst>
               </a:tr>
-              <a:tr h="923114">
+              <a:tr h="893814">
                 <a:tc>
                   <a:txBody>
                     <a:bodyPr/>
@@ -3802,11 +4060,17 @@
                       </a:pPr>
                       <a:r>
                         <a:rPr lang="uk-UA" sz="1300" dirty="0">
+                          <a:solidFill>
+                            <a:schemeClr val="tx1"/>
+                          </a:solidFill>
                           <a:effectLst/>
                         </a:rPr>
                         <a:t>До якої категорії належить ПЗ за обсягом трикутника</a:t>
                       </a:r>
                       <a:endParaRPr lang="uk-UA" sz="1100" dirty="0">
+                        <a:solidFill>
+                          <a:schemeClr val="tx1"/>
+                        </a:solidFill>
                         <a:effectLst/>
                       </a:endParaRPr>
                     </a:p>
@@ -3824,11 +4088,17 @@
                       </a:pPr>
                       <a:r>
                         <a:rPr lang="uk-UA" sz="1300" dirty="0">
+                          <a:solidFill>
+                            <a:schemeClr val="tx1"/>
+                          </a:solidFill>
                           <a:effectLst/>
                         </a:rPr>
                         <a:t>параметрів розробки: «час-ресурси-якість»?</a:t>
                       </a:r>
                       <a:endParaRPr lang="uk-UA" sz="1100" dirty="0">
+                        <a:solidFill>
+                          <a:schemeClr val="tx1"/>
+                        </a:solidFill>
                         <a:effectLst/>
                         <a:latin typeface="Calibri" panose="020F0502020204030204" pitchFamily="34" charset="0"/>
                         <a:ea typeface="Times New Roman" panose="02020603050405020304" pitchFamily="18" charset="0"/>
@@ -3836,7 +4106,47 @@
                       </a:endParaRPr>
                     </a:p>
                   </a:txBody>
-                  <a:tcPr marL="65542" marR="65542" marT="0" marB="0"/>
+                  <a:tcPr marL="65542" marR="65542" marT="0" marB="0">
+                    <a:lnL w="12700" cap="flat" cmpd="sng" algn="ctr">
+                      <a:solidFill>
+                        <a:schemeClr val="tx1"/>
+                      </a:solidFill>
+                      <a:prstDash val="solid"/>
+                      <a:round/>
+                      <a:headEnd type="none" w="med" len="med"/>
+                      <a:tailEnd type="none" w="med" len="med"/>
+                    </a:lnL>
+                    <a:lnR w="12700" cap="flat" cmpd="sng" algn="ctr">
+                      <a:solidFill>
+                        <a:schemeClr val="tx1"/>
+                      </a:solidFill>
+                      <a:prstDash val="solid"/>
+                      <a:round/>
+                      <a:headEnd type="none" w="med" len="med"/>
+                      <a:tailEnd type="none" w="med" len="med"/>
+                    </a:lnR>
+                    <a:lnT w="12700" cap="flat" cmpd="sng" algn="ctr">
+                      <a:solidFill>
+                        <a:schemeClr val="tx1"/>
+                      </a:solidFill>
+                      <a:prstDash val="solid"/>
+                      <a:round/>
+                      <a:headEnd type="none" w="med" len="med"/>
+                      <a:tailEnd type="none" w="med" len="med"/>
+                    </a:lnT>
+                    <a:lnB w="12700" cap="flat" cmpd="sng" algn="ctr">
+                      <a:solidFill>
+                        <a:schemeClr val="tx1"/>
+                      </a:solidFill>
+                      <a:prstDash val="solid"/>
+                      <a:round/>
+                      <a:headEnd type="none" w="med" len="med"/>
+                      <a:tailEnd type="none" w="med" len="med"/>
+                    </a:lnB>
+                    <a:solidFill>
+                      <a:schemeClr val="bg1"/>
+                    </a:solidFill>
+                  </a:tcPr>
                 </a:tc>
                 <a:tc>
                   <a:txBody>
@@ -3903,10 +4213,44 @@
                     </a:p>
                   </a:txBody>
                   <a:tcPr marL="65542" marR="65542" marT="0" marB="0">
+                    <a:lnL w="12700" cap="flat" cmpd="sng" algn="ctr">
+                      <a:solidFill>
+                        <a:schemeClr val="tx1"/>
+                      </a:solidFill>
+                      <a:prstDash val="solid"/>
+                      <a:round/>
+                      <a:headEnd type="none" w="med" len="med"/>
+                      <a:tailEnd type="none" w="med" len="med"/>
+                    </a:lnL>
+                    <a:lnR w="12700" cap="flat" cmpd="sng" algn="ctr">
+                      <a:solidFill>
+                        <a:schemeClr val="tx1"/>
+                      </a:solidFill>
+                      <a:prstDash val="solid"/>
+                      <a:round/>
+                      <a:headEnd type="none" w="med" len="med"/>
+                      <a:tailEnd type="none" w="med" len="med"/>
+                    </a:lnR>
+                    <a:lnT w="12700" cap="flat" cmpd="sng" algn="ctr">
+                      <a:solidFill>
+                        <a:schemeClr val="tx1"/>
+                      </a:solidFill>
+                      <a:prstDash val="solid"/>
+                      <a:round/>
+                      <a:headEnd type="none" w="med" len="med"/>
+                      <a:tailEnd type="none" w="med" len="med"/>
+                    </a:lnT>
+                    <a:lnB w="12700" cap="flat" cmpd="sng" algn="ctr">
+                      <a:solidFill>
+                        <a:schemeClr val="tx1"/>
+                      </a:solidFill>
+                      <a:prstDash val="solid"/>
+                      <a:round/>
+                      <a:headEnd type="none" w="med" len="med"/>
+                      <a:tailEnd type="none" w="med" len="med"/>
+                    </a:lnB>
                     <a:solidFill>
-                      <a:schemeClr val="bg1">
-                        <a:lumMod val="85000"/>
-                      </a:schemeClr>
+                      <a:schemeClr val="bg1"/>
                     </a:solidFill>
                   </a:tcPr>
                 </a:tc>
@@ -3916,7 +4260,7 @@
                   </a:ext>
                 </a:extLst>
               </a:tr>
-              <a:tr h="688618">
+              <a:tr h="666761">
                 <a:tc>
                   <a:txBody>
                     <a:bodyPr/>
@@ -3935,11 +4279,17 @@
                       </a:pPr>
                       <a:r>
                         <a:rPr lang="uk-UA" sz="1300" dirty="0">
+                          <a:solidFill>
+                            <a:schemeClr val="tx1"/>
+                          </a:solidFill>
                           <a:effectLst/>
                         </a:rPr>
                         <a:t>Які можливості залучення до процесів створення ПЗ</a:t>
                       </a:r>
                       <a:endParaRPr lang="uk-UA" sz="1100" dirty="0">
+                        <a:solidFill>
+                          <a:schemeClr val="tx1"/>
+                        </a:solidFill>
                         <a:effectLst/>
                       </a:endParaRPr>
                     </a:p>
@@ -3957,11 +4307,17 @@
                       </a:pPr>
                       <a:r>
                         <a:rPr lang="uk-UA" sz="1300" dirty="0">
+                          <a:solidFill>
+                            <a:schemeClr val="tx1"/>
+                          </a:solidFill>
                           <a:effectLst/>
                         </a:rPr>
                         <a:t>розробників?</a:t>
                       </a:r>
                       <a:endParaRPr lang="uk-UA" sz="1100" dirty="0">
+                        <a:solidFill>
+                          <a:schemeClr val="tx1"/>
+                        </a:solidFill>
                         <a:effectLst/>
                         <a:latin typeface="Calibri" panose="020F0502020204030204" pitchFamily="34" charset="0"/>
                         <a:ea typeface="Times New Roman" panose="02020603050405020304" pitchFamily="18" charset="0"/>
@@ -3969,7 +4325,47 @@
                       </a:endParaRPr>
                     </a:p>
                   </a:txBody>
-                  <a:tcPr marL="65542" marR="65542" marT="0" marB="0"/>
+                  <a:tcPr marL="65542" marR="65542" marT="0" marB="0">
+                    <a:lnL w="12700" cap="flat" cmpd="sng" algn="ctr">
+                      <a:solidFill>
+                        <a:schemeClr val="tx1"/>
+                      </a:solidFill>
+                      <a:prstDash val="solid"/>
+                      <a:round/>
+                      <a:headEnd type="none" w="med" len="med"/>
+                      <a:tailEnd type="none" w="med" len="med"/>
+                    </a:lnL>
+                    <a:lnR w="12700" cap="flat" cmpd="sng" algn="ctr">
+                      <a:solidFill>
+                        <a:schemeClr val="tx1"/>
+                      </a:solidFill>
+                      <a:prstDash val="solid"/>
+                      <a:round/>
+                      <a:headEnd type="none" w="med" len="med"/>
+                      <a:tailEnd type="none" w="med" len="med"/>
+                    </a:lnR>
+                    <a:lnT w="12700" cap="flat" cmpd="sng" algn="ctr">
+                      <a:solidFill>
+                        <a:schemeClr val="tx1"/>
+                      </a:solidFill>
+                      <a:prstDash val="solid"/>
+                      <a:round/>
+                      <a:headEnd type="none" w="med" len="med"/>
+                      <a:tailEnd type="none" w="med" len="med"/>
+                    </a:lnT>
+                    <a:lnB w="12700" cap="flat" cmpd="sng" algn="ctr">
+                      <a:solidFill>
+                        <a:schemeClr val="tx1"/>
+                      </a:solidFill>
+                      <a:prstDash val="solid"/>
+                      <a:round/>
+                      <a:headEnd type="none" w="med" len="med"/>
+                      <a:tailEnd type="none" w="med" len="med"/>
+                    </a:lnB>
+                    <a:solidFill>
+                      <a:schemeClr val="bg1"/>
+                    </a:solidFill>
+                  </a:tcPr>
                 </a:tc>
                 <a:tc>
                   <a:txBody>
@@ -4008,10 +4404,44 @@
                     </a:p>
                   </a:txBody>
                   <a:tcPr marL="65542" marR="65542" marT="0" marB="0">
+                    <a:lnL w="12700" cap="flat" cmpd="sng" algn="ctr">
+                      <a:solidFill>
+                        <a:schemeClr val="tx1"/>
+                      </a:solidFill>
+                      <a:prstDash val="solid"/>
+                      <a:round/>
+                      <a:headEnd type="none" w="med" len="med"/>
+                      <a:tailEnd type="none" w="med" len="med"/>
+                    </a:lnL>
+                    <a:lnR w="12700" cap="flat" cmpd="sng" algn="ctr">
+                      <a:solidFill>
+                        <a:schemeClr val="tx1"/>
+                      </a:solidFill>
+                      <a:prstDash val="solid"/>
+                      <a:round/>
+                      <a:headEnd type="none" w="med" len="med"/>
+                      <a:tailEnd type="none" w="med" len="med"/>
+                    </a:lnR>
+                    <a:lnT w="12700" cap="flat" cmpd="sng" algn="ctr">
+                      <a:solidFill>
+                        <a:schemeClr val="tx1"/>
+                      </a:solidFill>
+                      <a:prstDash val="solid"/>
+                      <a:round/>
+                      <a:headEnd type="none" w="med" len="med"/>
+                      <a:tailEnd type="none" w="med" len="med"/>
+                    </a:lnT>
+                    <a:lnB w="12700" cap="flat" cmpd="sng" algn="ctr">
+                      <a:solidFill>
+                        <a:schemeClr val="tx1"/>
+                      </a:solidFill>
+                      <a:prstDash val="solid"/>
+                      <a:round/>
+                      <a:headEnd type="none" w="med" len="med"/>
+                      <a:tailEnd type="none" w="med" len="med"/>
+                    </a:lnB>
                     <a:solidFill>
-                      <a:schemeClr val="bg1">
-                        <a:lumMod val="85000"/>
-                      </a:schemeClr>
+                      <a:schemeClr val="bg1"/>
                     </a:solidFill>
                   </a:tcPr>
                 </a:tc>
@@ -4021,7 +4451,7 @@
                   </a:ext>
                 </a:extLst>
               </a:tr>
-              <a:tr h="454123">
+              <a:tr h="439709">
                 <a:tc>
                   <a:txBody>
                     <a:bodyPr/>
@@ -4040,11 +4470,17 @@
                       </a:pPr>
                       <a:r>
                         <a:rPr lang="uk-UA" sz="1300" dirty="0">
+                          <a:solidFill>
+                            <a:schemeClr val="tx1"/>
+                          </a:solidFill>
                           <a:effectLst/>
                         </a:rPr>
                         <a:t>Жорсткість вимог до якості і надійності?</a:t>
                       </a:r>
                       <a:endParaRPr lang="uk-UA" sz="1100" dirty="0">
+                        <a:solidFill>
+                          <a:schemeClr val="tx1"/>
+                        </a:solidFill>
                         <a:effectLst/>
                         <a:latin typeface="Calibri" panose="020F0502020204030204" pitchFamily="34" charset="0"/>
                         <a:ea typeface="Times New Roman" panose="02020603050405020304" pitchFamily="18" charset="0"/>
@@ -4052,7 +4488,47 @@
                       </a:endParaRPr>
                     </a:p>
                   </a:txBody>
-                  <a:tcPr marL="65542" marR="65542" marT="0" marB="0"/>
+                  <a:tcPr marL="65542" marR="65542" marT="0" marB="0">
+                    <a:lnL w="12700" cap="flat" cmpd="sng" algn="ctr">
+                      <a:solidFill>
+                        <a:schemeClr val="tx1"/>
+                      </a:solidFill>
+                      <a:prstDash val="solid"/>
+                      <a:round/>
+                      <a:headEnd type="none" w="med" len="med"/>
+                      <a:tailEnd type="none" w="med" len="med"/>
+                    </a:lnL>
+                    <a:lnR w="12700" cap="flat" cmpd="sng" algn="ctr">
+                      <a:solidFill>
+                        <a:schemeClr val="tx1"/>
+                      </a:solidFill>
+                      <a:prstDash val="solid"/>
+                      <a:round/>
+                      <a:headEnd type="none" w="med" len="med"/>
+                      <a:tailEnd type="none" w="med" len="med"/>
+                    </a:lnR>
+                    <a:lnT w="12700" cap="flat" cmpd="sng" algn="ctr">
+                      <a:solidFill>
+                        <a:schemeClr val="tx1"/>
+                      </a:solidFill>
+                      <a:prstDash val="solid"/>
+                      <a:round/>
+                      <a:headEnd type="none" w="med" len="med"/>
+                      <a:tailEnd type="none" w="med" len="med"/>
+                    </a:lnT>
+                    <a:lnB w="12700" cap="flat" cmpd="sng" algn="ctr">
+                      <a:solidFill>
+                        <a:schemeClr val="tx1"/>
+                      </a:solidFill>
+                      <a:prstDash val="solid"/>
+                      <a:round/>
+                      <a:headEnd type="none" w="med" len="med"/>
+                      <a:tailEnd type="none" w="med" len="med"/>
+                    </a:lnB>
+                    <a:solidFill>
+                      <a:schemeClr val="bg1"/>
+                    </a:solidFill>
+                  </a:tcPr>
                 </a:tc>
                 <a:tc>
                   <a:txBody>
@@ -4091,10 +4567,44 @@
                     </a:p>
                   </a:txBody>
                   <a:tcPr marL="65542" marR="65542" marT="0" marB="0">
+                    <a:lnL w="12700" cap="flat" cmpd="sng" algn="ctr">
+                      <a:solidFill>
+                        <a:schemeClr val="tx1"/>
+                      </a:solidFill>
+                      <a:prstDash val="solid"/>
+                      <a:round/>
+                      <a:headEnd type="none" w="med" len="med"/>
+                      <a:tailEnd type="none" w="med" len="med"/>
+                    </a:lnL>
+                    <a:lnR w="12700" cap="flat" cmpd="sng" algn="ctr">
+                      <a:solidFill>
+                        <a:schemeClr val="tx1"/>
+                      </a:solidFill>
+                      <a:prstDash val="solid"/>
+                      <a:round/>
+                      <a:headEnd type="none" w="med" len="med"/>
+                      <a:tailEnd type="none" w="med" len="med"/>
+                    </a:lnR>
+                    <a:lnT w="12700" cap="flat" cmpd="sng" algn="ctr">
+                      <a:solidFill>
+                        <a:schemeClr val="tx1"/>
+                      </a:solidFill>
+                      <a:prstDash val="solid"/>
+                      <a:round/>
+                      <a:headEnd type="none" w="med" len="med"/>
+                      <a:tailEnd type="none" w="med" len="med"/>
+                    </a:lnT>
+                    <a:lnB w="12700" cap="flat" cmpd="sng" algn="ctr">
+                      <a:solidFill>
+                        <a:schemeClr val="tx1"/>
+                      </a:solidFill>
+                      <a:prstDash val="solid"/>
+                      <a:round/>
+                      <a:headEnd type="none" w="med" len="med"/>
+                      <a:tailEnd type="none" w="med" len="med"/>
+                    </a:lnB>
                     <a:solidFill>
-                      <a:schemeClr val="bg1">
-                        <a:lumMod val="85000"/>
-                      </a:schemeClr>
+                      <a:schemeClr val="bg1"/>
                     </a:solidFill>
                   </a:tcPr>
                 </a:tc>
@@ -4104,7 +4614,7 @@
                   </a:ext>
                 </a:extLst>
               </a:tr>
-              <a:tr h="688618">
+              <a:tr h="666761">
                 <a:tc>
                   <a:txBody>
                     <a:bodyPr/>
@@ -4123,11 +4633,17 @@
                       </a:pPr>
                       <a:r>
                         <a:rPr lang="uk-UA" sz="1300" dirty="0">
+                          <a:solidFill>
+                            <a:schemeClr val="tx1"/>
+                          </a:solidFill>
                           <a:effectLst/>
                         </a:rPr>
                         <a:t>Яким є рівень невизначеності щодо необхідних</a:t>
                       </a:r>
                       <a:endParaRPr lang="uk-UA" sz="1100" dirty="0">
+                        <a:solidFill>
+                          <a:schemeClr val="tx1"/>
+                        </a:solidFill>
                         <a:effectLst/>
                       </a:endParaRPr>
                     </a:p>
@@ -4145,11 +4661,17 @@
                       </a:pPr>
                       <a:r>
                         <a:rPr lang="uk-UA" sz="1300" dirty="0">
+                          <a:solidFill>
+                            <a:schemeClr val="tx1"/>
+                          </a:solidFill>
                           <a:effectLst/>
                         </a:rPr>
                         <a:t>властивостей ПЗ?</a:t>
                       </a:r>
                       <a:endParaRPr lang="uk-UA" sz="1100" dirty="0">
+                        <a:solidFill>
+                          <a:schemeClr val="tx1"/>
+                        </a:solidFill>
                         <a:effectLst/>
                         <a:latin typeface="Calibri" panose="020F0502020204030204" pitchFamily="34" charset="0"/>
                         <a:ea typeface="Times New Roman" panose="02020603050405020304" pitchFamily="18" charset="0"/>
@@ -4157,7 +4679,47 @@
                       </a:endParaRPr>
                     </a:p>
                   </a:txBody>
-                  <a:tcPr marL="65542" marR="65542" marT="0" marB="0"/>
+                  <a:tcPr marL="65542" marR="65542" marT="0" marB="0">
+                    <a:lnL w="12700" cap="flat" cmpd="sng" algn="ctr">
+                      <a:solidFill>
+                        <a:schemeClr val="tx1"/>
+                      </a:solidFill>
+                      <a:prstDash val="solid"/>
+                      <a:round/>
+                      <a:headEnd type="none" w="med" len="med"/>
+                      <a:tailEnd type="none" w="med" len="med"/>
+                    </a:lnL>
+                    <a:lnR w="12700" cap="flat" cmpd="sng" algn="ctr">
+                      <a:solidFill>
+                        <a:schemeClr val="tx1"/>
+                      </a:solidFill>
+                      <a:prstDash val="solid"/>
+                      <a:round/>
+                      <a:headEnd type="none" w="med" len="med"/>
+                      <a:tailEnd type="none" w="med" len="med"/>
+                    </a:lnR>
+                    <a:lnT w="12700" cap="flat" cmpd="sng" algn="ctr">
+                      <a:solidFill>
+                        <a:schemeClr val="tx1"/>
+                      </a:solidFill>
+                      <a:prstDash val="solid"/>
+                      <a:round/>
+                      <a:headEnd type="none" w="med" len="med"/>
+                      <a:tailEnd type="none" w="med" len="med"/>
+                    </a:lnT>
+                    <a:lnB w="12700" cap="flat" cmpd="sng" algn="ctr">
+                      <a:solidFill>
+                        <a:schemeClr val="tx1"/>
+                      </a:solidFill>
+                      <a:prstDash val="solid"/>
+                      <a:round/>
+                      <a:headEnd type="none" w="med" len="med"/>
+                      <a:tailEnd type="none" w="med" len="med"/>
+                    </a:lnB>
+                    <a:solidFill>
+                      <a:schemeClr val="bg1"/>
+                    </a:solidFill>
+                  </a:tcPr>
                 </a:tc>
                 <a:tc>
                   <a:txBody>
@@ -4196,10 +4758,44 @@
                     </a:p>
                   </a:txBody>
                   <a:tcPr marL="65542" marR="65542" marT="0" marB="0">
+                    <a:lnL w="12700" cap="flat" cmpd="sng" algn="ctr">
+                      <a:solidFill>
+                        <a:schemeClr val="tx1"/>
+                      </a:solidFill>
+                      <a:prstDash val="solid"/>
+                      <a:round/>
+                      <a:headEnd type="none" w="med" len="med"/>
+                      <a:tailEnd type="none" w="med" len="med"/>
+                    </a:lnL>
+                    <a:lnR w="12700" cap="flat" cmpd="sng" algn="ctr">
+                      <a:solidFill>
+                        <a:schemeClr val="tx1"/>
+                      </a:solidFill>
+                      <a:prstDash val="solid"/>
+                      <a:round/>
+                      <a:headEnd type="none" w="med" len="med"/>
+                      <a:tailEnd type="none" w="med" len="med"/>
+                    </a:lnR>
+                    <a:lnT w="12700" cap="flat" cmpd="sng" algn="ctr">
+                      <a:solidFill>
+                        <a:schemeClr val="tx1"/>
+                      </a:solidFill>
+                      <a:prstDash val="solid"/>
+                      <a:round/>
+                      <a:headEnd type="none" w="med" len="med"/>
+                      <a:tailEnd type="none" w="med" len="med"/>
+                    </a:lnT>
+                    <a:lnB w="12700" cap="flat" cmpd="sng" algn="ctr">
+                      <a:solidFill>
+                        <a:schemeClr val="tx1"/>
+                      </a:solidFill>
+                      <a:prstDash val="solid"/>
+                      <a:round/>
+                      <a:headEnd type="none" w="med" len="med"/>
+                      <a:tailEnd type="none" w="med" len="med"/>
+                    </a:lnB>
                     <a:solidFill>
-                      <a:schemeClr val="bg1">
-                        <a:lumMod val="85000"/>
-                      </a:schemeClr>
+                      <a:schemeClr val="bg1"/>
                     </a:solidFill>
                   </a:tcPr>
                 </a:tc>
@@ -4259,19 +4855,28 @@
             <p:ph type="title"/>
           </p:nvPr>
         </p:nvSpPr>
-        <p:spPr/>
+        <p:spPr>
+          <a:xfrm>
+            <a:off x="838200" y="365125"/>
+            <a:ext cx="10515600" cy="1359980"/>
+          </a:xfrm>
+        </p:spPr>
         <p:txBody>
           <a:bodyPr>
             <a:normAutofit fontScale="90000"/>
           </a:bodyPr>
           <a:lstStyle/>
           <a:p>
+            <a:r>
+              <a:rPr lang="uk-UA" sz="4900" b="1" dirty="0"/>
+              <a:t> </a:t>
+            </a:r>
             <a:br>
-              <a:rPr lang="ru-RU" dirty="0"/>
+              <a:rPr lang="uk-UA" sz="4900" b="1" dirty="0"/>
             </a:br>
             <a:r>
-              <a:rPr lang="uk-UA" b="1" dirty="0"/>
-              <a:t> Склад проектної команди: </a:t>
+              <a:rPr lang="uk-UA" sz="4900" b="1" dirty="0"/>
+              <a:t>Склад проектної команди: </a:t>
             </a:r>
             <a:br>
               <a:rPr lang="uk-UA" dirty="0"/>
@@ -4303,6 +4908,9 @@
           </a:bodyPr>
           <a:lstStyle/>
           <a:p>
+            <a:pPr marL="0" indent="0">
+              <a:buNone/>
+            </a:pPr>
             <a:r>
               <a:rPr lang="uk-UA" b="1" dirty="0"/>
               <a:t>Менеджер продукту:</a:t>
@@ -4313,6 +4921,9 @@
             </a:r>
           </a:p>
           <a:p>
+            <a:pPr marL="0" indent="0">
+              <a:buNone/>
+            </a:pPr>
             <a:r>
               <a:rPr lang="uk-UA" b="1" dirty="0"/>
               <a:t>Менеджер проекту:</a:t>
@@ -4323,19 +4934,12 @@
             </a:r>
           </a:p>
           <a:p>
+            <a:pPr marL="0" indent="0">
+              <a:buNone/>
+            </a:pPr>
             <a:r>
               <a:rPr lang="uk-UA" b="1" dirty="0"/>
-              <a:t>Програміст: </a:t>
-            </a:r>
-            <a:r>
-              <a:rPr lang="uk-UA" dirty="0"/>
-              <a:t>Абдуллаєв Констянтин</a:t>
-            </a:r>
-          </a:p>
-          <a:p>
-            <a:r>
-              <a:rPr lang="uk-UA" b="1" dirty="0"/>
-              <a:t>Програміст: </a:t>
+              <a:t>Інженер - розробник : </a:t>
             </a:r>
             <a:r>
               <a:rPr lang="uk-UA" dirty="0"/>
@@ -4343,9 +4947,12 @@
             </a:r>
           </a:p>
           <a:p>
+            <a:pPr marL="0" indent="0">
+              <a:buNone/>
+            </a:pPr>
             <a:r>
               <a:rPr lang="uk-UA" b="1" dirty="0"/>
-              <a:t>Спеціаліст з інженерії програмування: </a:t>
+              <a:t>Інженер - розробник : </a:t>
             </a:r>
             <a:r>
               <a:rPr lang="uk-UA" dirty="0"/>
@@ -4353,6 +4960,22 @@
             </a:r>
           </a:p>
           <a:p>
+            <a:pPr marL="0" indent="0">
+              <a:buNone/>
+            </a:pPr>
+            <a:r>
+              <a:rPr lang="uk-UA" b="1" dirty="0"/>
+              <a:t>Спеціаліст із застосунків: </a:t>
+            </a:r>
+            <a:r>
+              <a:rPr lang="uk-UA" dirty="0"/>
+              <a:t>Абдуллаєв Костянтин</a:t>
+            </a:r>
+          </a:p>
+          <a:p>
+            <a:pPr marL="0" indent="0">
+              <a:buNone/>
+            </a:pPr>
             <a:r>
               <a:rPr lang="uk-UA" b="1" dirty="0"/>
               <a:t>Інженер тестування: </a:t>
@@ -4363,6 +4986,9 @@
             </a:r>
           </a:p>
           <a:p>
+            <a:pPr marL="0" indent="0">
+              <a:buNone/>
+            </a:pPr>
             <a:r>
               <a:rPr lang="uk-UA" b="1" dirty="0"/>
               <a:t>Технічний письменник: </a:t>
@@ -4429,34 +5055,66 @@
           <a:lstStyle/>
           <a:p>
             <a:r>
+              <a:rPr lang="uk-UA" b="1" dirty="0"/>
+              <a:t>Обґрунтування вибору ролей: відсіювання</a:t>
+            </a:r>
+          </a:p>
+        </p:txBody>
+      </p:sp>
+      <p:sp>
+        <p:nvSpPr>
+          <p:cNvPr id="3" name="Объект 2">
+            <a:extLst>
+              <a:ext uri="{FF2B5EF4-FFF2-40B4-BE49-F238E27FC236}">
+                <a16:creationId xmlns:a16="http://schemas.microsoft.com/office/drawing/2014/main" id="{310A3AF4-01A8-43D2-A732-8A468D0555A5}"/>
+              </a:ext>
+            </a:extLst>
+          </p:cNvPr>
+          <p:cNvSpPr>
+            <a:spLocks noGrp="1"/>
+          </p:cNvSpPr>
+          <p:nvPr>
+            <p:ph idx="1"/>
+          </p:nvPr>
+        </p:nvSpPr>
+        <p:spPr>
+          <a:xfrm>
+            <a:off x="838200" y="1690688"/>
+            <a:ext cx="10515600" cy="4802187"/>
+          </a:xfrm>
+        </p:spPr>
+        <p:txBody>
+          <a:bodyPr/>
+          <a:lstStyle/>
+          <a:p>
+            <a:pPr marL="0" indent="0">
+              <a:buNone/>
+            </a:pPr>
+            <a:r>
+              <a:rPr lang="uk-UA" b="1" dirty="0"/>
+              <a:t>Змішаний</a:t>
+            </a:r>
+            <a:r>
               <a:rPr lang="uk-UA" dirty="0"/>
-              <a:t>Обґрунтування ролей</a:t>
-            </a:r>
-          </a:p>
-        </p:txBody>
-      </p:sp>
-      <p:sp>
-        <p:nvSpPr>
-          <p:cNvPr id="3" name="Объект 2">
-            <a:extLst>
-              <a:ext uri="{FF2B5EF4-FFF2-40B4-BE49-F238E27FC236}">
-                <a16:creationId xmlns:a16="http://schemas.microsoft.com/office/drawing/2014/main" id="{310A3AF4-01A8-43D2-A732-8A468D0555A5}"/>
-              </a:ext>
-            </a:extLst>
-          </p:cNvPr>
-          <p:cNvSpPr>
-            <a:spLocks noGrp="1"/>
-          </p:cNvSpPr>
-          <p:nvPr>
-            <p:ph idx="1"/>
-          </p:nvPr>
-        </p:nvSpPr>
-        <p:spPr/>
-        <p:txBody>
-          <a:bodyPr/>
-          <a:lstStyle/>
-          <a:p>
-            <a:endParaRPr lang="uk-UA" dirty="0"/>
+              <a:t> тип проектної команди дозволив під час розробки розподіляти відповідальність за розробку програмного проекту і отримання певних артефактів більш гнучко і враховуючи особистісні можливості кожного члена команди. Також, оскільки точно був відомий замовник, було вирішено відмовитись від </a:t>
+            </a:r>
+            <a:r>
+              <a:rPr lang="uk-UA" b="1" dirty="0"/>
+              <a:t>маркетингової</a:t>
+            </a:r>
+            <a:r>
+              <a:rPr lang="uk-UA" dirty="0"/>
+              <a:t> ролі, а також </a:t>
+            </a:r>
+            <a:r>
+              <a:rPr lang="uk-UA" b="1" dirty="0"/>
+              <a:t>системного інтегрування </a:t>
+            </a:r>
+            <a:r>
+              <a:rPr lang="uk-UA" dirty="0"/>
+              <a:t>(сторона замовника надає свого співробітника). </a:t>
+            </a:r>
+            <a:endParaRPr lang="uk-UA" b="1" dirty="0"/>
           </a:p>
         </p:txBody>
       </p:sp>
@@ -4495,7 +5153,7 @@
           <p:cNvPr id="2" name="Заголовок 1">
             <a:extLst>
               <a:ext uri="{FF2B5EF4-FFF2-40B4-BE49-F238E27FC236}">
-                <a16:creationId xmlns:a16="http://schemas.microsoft.com/office/drawing/2014/main" id="{47C61AE6-9067-4EE8-88BA-7EADC264B20E}"/>
+                <a16:creationId xmlns:a16="http://schemas.microsoft.com/office/drawing/2014/main" id="{02FD627C-1647-4F6B-81DB-F4B5197923B6}"/>
               </a:ext>
             </a:extLst>
           </p:cNvPr>
@@ -4512,8 +5170,8 @@
           <a:lstStyle/>
           <a:p>
             <a:r>
-              <a:rPr lang="ru-RU" dirty="0"/>
-              <a:t>Концепція створення проекту</a:t>
+              <a:rPr lang="uk-UA" b="1" dirty="0"/>
+              <a:t>Обґрунтування вибору ролей: рішення</a:t>
             </a:r>
             <a:endParaRPr lang="uk-UA" dirty="0"/>
           </a:p>
@@ -4524,7 +5182,7 @@
           <p:cNvPr id="3" name="Объект 2">
             <a:extLst>
               <a:ext uri="{FF2B5EF4-FFF2-40B4-BE49-F238E27FC236}">
-                <a16:creationId xmlns:a16="http://schemas.microsoft.com/office/drawing/2014/main" id="{8BA2412F-DD63-43F5-8CD5-E6B2F3796930}"/>
+                <a16:creationId xmlns:a16="http://schemas.microsoft.com/office/drawing/2014/main" id="{C4124048-A0D6-4488-9B5D-E2C4EA030355}"/>
               </a:ext>
             </a:extLst>
           </p:cNvPr>
@@ -4535,7 +5193,12 @@
             <p:ph idx="1"/>
           </p:nvPr>
         </p:nvSpPr>
-        <p:spPr/>
+        <p:spPr>
+          <a:xfrm>
+            <a:off x="838200" y="1825625"/>
+            <a:ext cx="10515600" cy="4351338"/>
+          </a:xfrm>
+        </p:spPr>
         <p:txBody>
           <a:bodyPr/>
           <a:lstStyle/>
@@ -4545,27 +5208,47 @@
             </a:pPr>
             <a:r>
               <a:rPr lang="uk-UA" dirty="0"/>
-              <a:t>Архітектором (слава </a:t>
-            </a:r>
-            <a:r>
-              <a:rPr lang="uk-UA" dirty="0" err="1"/>
-              <a:t>Дємаге</a:t>
+              <a:t>Найбільше учасників команди на </a:t>
+            </a:r>
+            <a:r>
+              <a:rPr lang="uk-UA" b="1" dirty="0"/>
+              <a:t>стороні розробки застосунків</a:t>
             </a:r>
             <a:r>
               <a:rPr lang="uk-UA" dirty="0"/>
-              <a:t>) було визначену потребу в гнучкості, </a:t>
-            </a:r>
-            <a:r>
-              <a:rPr lang="uk-UA" dirty="0" err="1"/>
-              <a:t>ітеративності</a:t>
+              <a:t>, тому що  ця робота потребує більше ресурсів для виконання</a:t>
+            </a:r>
+            <a:r>
+              <a:rPr lang="uk-UA" b="1" dirty="0"/>
+              <a:t>. Спеціаліст із застосунків </a:t>
             </a:r>
             <a:r>
               <a:rPr lang="uk-UA" dirty="0"/>
-              <a:t> та функціональності. Ці три пункти задовольняє методологія  </a:t>
+              <a:t>був необхідний для використання у процесі визначених застосунків </a:t>
             </a:r>
             <a:r>
               <a:rPr lang="en-US" dirty="0"/>
-              <a:t>feature driven development </a:t>
+              <a:t>[INSERT]</a:t>
+            </a:r>
+            <a:r>
+              <a:rPr lang="uk-UA" dirty="0"/>
+              <a:t>. </a:t>
+            </a:r>
+            <a:r>
+              <a:rPr lang="uk-UA" b="1" dirty="0"/>
+              <a:t>На стороні забезпечення якості</a:t>
+            </a:r>
+            <a:r>
+              <a:rPr lang="uk-UA" dirty="0"/>
+              <a:t> – технічний письменник, що зміг би написати чітку і докладну документацію, а також </a:t>
+            </a:r>
+            <a:r>
+              <a:rPr lang="uk-UA" b="1" dirty="0"/>
+              <a:t>інженер тестування, </a:t>
+            </a:r>
+            <a:r>
+              <a:rPr lang="en-US" b="1" dirty="0"/>
+              <a:t>[INSERT]</a:t>
             </a:r>
             <a:endParaRPr lang="uk-UA" dirty="0"/>
           </a:p>
@@ -4574,7 +5257,7 @@
     </p:spTree>
     <p:extLst>
       <p:ext uri="{BB962C8B-B14F-4D97-AF65-F5344CB8AC3E}">
-        <p14:creationId xmlns:p14="http://schemas.microsoft.com/office/powerpoint/2010/main" val="3684691385"/>
+        <p14:creationId xmlns:p14="http://schemas.microsoft.com/office/powerpoint/2010/main" val="110792146"/>
       </p:ext>
     </p:extLst>
   </p:cSld>
@@ -4606,6 +5289,101 @@
           <p:cNvPr id="2" name="Заголовок 1">
             <a:extLst>
               <a:ext uri="{FF2B5EF4-FFF2-40B4-BE49-F238E27FC236}">
+                <a16:creationId xmlns:a16="http://schemas.microsoft.com/office/drawing/2014/main" id="{47C61AE6-9067-4EE8-88BA-7EADC264B20E}"/>
+              </a:ext>
+            </a:extLst>
+          </p:cNvPr>
+          <p:cNvSpPr>
+            <a:spLocks noGrp="1"/>
+          </p:cNvSpPr>
+          <p:nvPr>
+            <p:ph type="title"/>
+          </p:nvPr>
+        </p:nvSpPr>
+        <p:spPr/>
+        <p:txBody>
+          <a:bodyPr/>
+          <a:lstStyle/>
+          <a:p>
+            <a:r>
+              <a:rPr lang="ru-RU" b="1" dirty="0"/>
+              <a:t>Концепція створення проекту</a:t>
+            </a:r>
+            <a:endParaRPr lang="uk-UA" b="1" dirty="0"/>
+          </a:p>
+        </p:txBody>
+      </p:sp>
+      <p:sp>
+        <p:nvSpPr>
+          <p:cNvPr id="3" name="Объект 2">
+            <a:extLst>
+              <a:ext uri="{FF2B5EF4-FFF2-40B4-BE49-F238E27FC236}">
+                <a16:creationId xmlns:a16="http://schemas.microsoft.com/office/drawing/2014/main" id="{8BA2412F-DD63-43F5-8CD5-E6B2F3796930}"/>
+              </a:ext>
+            </a:extLst>
+          </p:cNvPr>
+          <p:cNvSpPr>
+            <a:spLocks noGrp="1"/>
+          </p:cNvSpPr>
+          <p:nvPr>
+            <p:ph idx="1"/>
+          </p:nvPr>
+        </p:nvSpPr>
+        <p:spPr/>
+        <p:txBody>
+          <a:bodyPr/>
+          <a:lstStyle/>
+          <a:p>
+            <a:pPr marL="0" indent="0">
+              <a:buNone/>
+            </a:pPr>
+            <a:r>
+              <a:rPr lang="uk-UA" dirty="0"/>
+              <a:t>Архітектором було визначену потребу в гнучкості, ітеративності та функціональності. Ці три пункти задовольняє методологія  </a:t>
+            </a:r>
+            <a:r>
+              <a:rPr lang="en-US" dirty="0"/>
+              <a:t>feature driven development </a:t>
+            </a:r>
+            <a:endParaRPr lang="uk-UA" dirty="0"/>
+          </a:p>
+        </p:txBody>
+      </p:sp>
+    </p:spTree>
+    <p:extLst>
+      <p:ext uri="{BB962C8B-B14F-4D97-AF65-F5344CB8AC3E}">
+        <p14:creationId xmlns:p14="http://schemas.microsoft.com/office/powerpoint/2010/main" val="3684691385"/>
+      </p:ext>
+    </p:extLst>
+  </p:cSld>
+  <p:clrMapOvr>
+    <a:masterClrMapping/>
+  </p:clrMapOvr>
+</p:sld>
+</file>
+
+<file path=ppt/slides/slide7.xml><?xml version="1.0" encoding="utf-8"?>
+<p:sld xmlns:a="http://schemas.openxmlformats.org/drawingml/2006/main" xmlns:r="http://schemas.openxmlformats.org/officeDocument/2006/relationships" xmlns:p="http://schemas.openxmlformats.org/presentationml/2006/main">
+  <p:cSld>
+    <p:spTree>
+      <p:nvGrpSpPr>
+        <p:cNvPr id="1" name=""/>
+        <p:cNvGrpSpPr/>
+        <p:nvPr/>
+      </p:nvGrpSpPr>
+      <p:grpSpPr>
+        <a:xfrm>
+          <a:off x="0" y="0"/>
+          <a:ext cx="0" cy="0"/>
+          <a:chOff x="0" y="0"/>
+          <a:chExt cx="0" cy="0"/>
+        </a:xfrm>
+      </p:grpSpPr>
+      <p:sp>
+        <p:nvSpPr>
+          <p:cNvPr id="2" name="Заголовок 1">
+            <a:extLst>
+              <a:ext uri="{FF2B5EF4-FFF2-40B4-BE49-F238E27FC236}">
                 <a16:creationId xmlns:a16="http://schemas.microsoft.com/office/drawing/2014/main" id="{DC76B3C6-909A-4ED1-BF87-4F91CAE53D78}"/>
               </a:ext>
             </a:extLst>
@@ -4623,37 +5401,90 @@
           <a:lstStyle/>
           <a:p>
             <a:r>
+              <a:rPr lang="uk-UA" b="1" dirty="0"/>
+              <a:t>Висновки по виконаній роботі: </a:t>
+            </a:r>
+          </a:p>
+        </p:txBody>
+      </p:sp>
+      <p:sp>
+        <p:nvSpPr>
+          <p:cNvPr id="3" name="Объект 2">
+            <a:extLst>
+              <a:ext uri="{FF2B5EF4-FFF2-40B4-BE49-F238E27FC236}">
+                <a16:creationId xmlns:a16="http://schemas.microsoft.com/office/drawing/2014/main" id="{DE864C1F-B14E-4FB2-AA8C-EAF71E7DF337}"/>
+              </a:ext>
+            </a:extLst>
+          </p:cNvPr>
+          <p:cNvSpPr>
+            <a:spLocks noGrp="1"/>
+          </p:cNvSpPr>
+          <p:nvPr>
+            <p:ph idx="1"/>
+          </p:nvPr>
+        </p:nvSpPr>
+        <p:spPr/>
+        <p:txBody>
+          <a:bodyPr/>
+          <a:lstStyle/>
+          <a:p>
+            <a:pPr marL="0" indent="0">
+              <a:buNone/>
+            </a:pPr>
+            <a:r>
               <a:rPr lang="uk-UA" dirty="0"/>
-              <a:t>Висновки по виконаній роботі: </a:t>
-            </a:r>
-          </a:p>
-        </p:txBody>
-      </p:sp>
-      <p:sp>
-        <p:nvSpPr>
-          <p:cNvPr id="3" name="Объект 2">
-            <a:extLst>
-              <a:ext uri="{FF2B5EF4-FFF2-40B4-BE49-F238E27FC236}">
-                <a16:creationId xmlns:a16="http://schemas.microsoft.com/office/drawing/2014/main" id="{DE864C1F-B14E-4FB2-AA8C-EAF71E7DF337}"/>
-              </a:ext>
-            </a:extLst>
-          </p:cNvPr>
-          <p:cNvSpPr>
-            <a:spLocks noGrp="1"/>
-          </p:cNvSpPr>
-          <p:nvPr>
-            <p:ph idx="1"/>
-          </p:nvPr>
-        </p:nvSpPr>
-        <p:spPr/>
-        <p:txBody>
-          <a:bodyPr/>
-          <a:lstStyle/>
-          <a:p>
-            <a:endParaRPr lang="uk-UA" dirty="0"/>
-          </a:p>
-        </p:txBody>
-      </p:sp>
+              <a:t>Було розроблено шляпу. </a:t>
+            </a:r>
+          </a:p>
+        </p:txBody>
+      </p:sp>
+      <p:pic>
+        <p:nvPicPr>
+          <p:cNvPr id="1028" name="Picture 4" descr="Результат пошуку зображень за запитом &quot;шляпа&quot;">
+            <a:extLst>
+              <a:ext uri="{FF2B5EF4-FFF2-40B4-BE49-F238E27FC236}">
+                <a16:creationId xmlns:a16="http://schemas.microsoft.com/office/drawing/2014/main" id="{1CCCFEBA-3494-4D8F-A809-A20FA0B9CA8B}"/>
+              </a:ext>
+            </a:extLst>
+          </p:cNvPr>
+          <p:cNvPicPr>
+            <a:picLocks noChangeAspect="1" noChangeArrowheads="1"/>
+          </p:cNvPicPr>
+          <p:nvPr/>
+        </p:nvPicPr>
+        <p:blipFill>
+          <a:blip r:embed="rId2">
+            <a:extLst>
+              <a:ext uri="{28A0092B-C50C-407E-A947-70E740481C1C}">
+                <a14:useLocalDpi xmlns:a14="http://schemas.microsoft.com/office/drawing/2010/main" val="0"/>
+              </a:ext>
+            </a:extLst>
+          </a:blip>
+          <a:srcRect/>
+          <a:stretch>
+            <a:fillRect/>
+          </a:stretch>
+        </p:blipFill>
+        <p:spPr bwMode="auto">
+          <a:xfrm>
+            <a:off x="1405128" y="2361835"/>
+            <a:ext cx="3278918" cy="3278918"/>
+          </a:xfrm>
+          <a:prstGeom prst="rect">
+            <a:avLst/>
+          </a:prstGeom>
+          <a:noFill/>
+          <a:extLst>
+            <a:ext uri="{909E8E84-426E-40DD-AFC4-6F175D3DCCD1}">
+              <a14:hiddenFill xmlns:a14="http://schemas.microsoft.com/office/drawing/2010/main">
+                <a:solidFill>
+                  <a:srgbClr val="FFFFFF"/>
+                </a:solidFill>
+              </a14:hiddenFill>
+            </a:ext>
+          </a:extLst>
+        </p:spPr>
+      </p:pic>
     </p:spTree>
     <p:extLst>
       <p:ext uri="{BB962C8B-B14F-4D97-AF65-F5344CB8AC3E}">

--- a/elektronna_kafedra.pptx
+++ b/elektronna_kafedra.pptx
@@ -279,7 +279,7 @@
           <a:p>
             <a:fld id="{5C58018D-830C-4393-BEB4-F0BDA2BFFB4A}" type="datetimeFigureOut">
               <a:rPr lang="uk-UA" smtClean="0"/>
-              <a:t>03.12.2019</a:t>
+              <a:t>04.12.2019</a:t>
             </a:fld>
             <a:endParaRPr lang="uk-UA" dirty="0"/>
           </a:p>
@@ -479,7 +479,7 @@
           <a:p>
             <a:fld id="{5C58018D-830C-4393-BEB4-F0BDA2BFFB4A}" type="datetimeFigureOut">
               <a:rPr lang="uk-UA" smtClean="0"/>
-              <a:t>03.12.2019</a:t>
+              <a:t>04.12.2019</a:t>
             </a:fld>
             <a:endParaRPr lang="uk-UA" dirty="0"/>
           </a:p>
@@ -689,7 +689,7 @@
           <a:p>
             <a:fld id="{5C58018D-830C-4393-BEB4-F0BDA2BFFB4A}" type="datetimeFigureOut">
               <a:rPr lang="uk-UA" smtClean="0"/>
-              <a:t>03.12.2019</a:t>
+              <a:t>04.12.2019</a:t>
             </a:fld>
             <a:endParaRPr lang="uk-UA" dirty="0"/>
           </a:p>
@@ -889,7 +889,7 @@
           <a:p>
             <a:fld id="{5C58018D-830C-4393-BEB4-F0BDA2BFFB4A}" type="datetimeFigureOut">
               <a:rPr lang="uk-UA" smtClean="0"/>
-              <a:t>03.12.2019</a:t>
+              <a:t>04.12.2019</a:t>
             </a:fld>
             <a:endParaRPr lang="uk-UA" dirty="0"/>
           </a:p>
@@ -1165,7 +1165,7 @@
           <a:p>
             <a:fld id="{5C58018D-830C-4393-BEB4-F0BDA2BFFB4A}" type="datetimeFigureOut">
               <a:rPr lang="uk-UA" smtClean="0"/>
-              <a:t>03.12.2019</a:t>
+              <a:t>04.12.2019</a:t>
             </a:fld>
             <a:endParaRPr lang="uk-UA" dirty="0"/>
           </a:p>
@@ -1433,7 +1433,7 @@
           <a:p>
             <a:fld id="{5C58018D-830C-4393-BEB4-F0BDA2BFFB4A}" type="datetimeFigureOut">
               <a:rPr lang="uk-UA" smtClean="0"/>
-              <a:t>03.12.2019</a:t>
+              <a:t>04.12.2019</a:t>
             </a:fld>
             <a:endParaRPr lang="uk-UA" dirty="0"/>
           </a:p>
@@ -1848,7 +1848,7 @@
           <a:p>
             <a:fld id="{5C58018D-830C-4393-BEB4-F0BDA2BFFB4A}" type="datetimeFigureOut">
               <a:rPr lang="uk-UA" smtClean="0"/>
-              <a:t>03.12.2019</a:t>
+              <a:t>04.12.2019</a:t>
             </a:fld>
             <a:endParaRPr lang="uk-UA" dirty="0"/>
           </a:p>
@@ -1990,7 +1990,7 @@
           <a:p>
             <a:fld id="{5C58018D-830C-4393-BEB4-F0BDA2BFFB4A}" type="datetimeFigureOut">
               <a:rPr lang="uk-UA" smtClean="0"/>
-              <a:t>03.12.2019</a:t>
+              <a:t>04.12.2019</a:t>
             </a:fld>
             <a:endParaRPr lang="uk-UA" dirty="0"/>
           </a:p>
@@ -2103,7 +2103,7 @@
           <a:p>
             <a:fld id="{5C58018D-830C-4393-BEB4-F0BDA2BFFB4A}" type="datetimeFigureOut">
               <a:rPr lang="uk-UA" smtClean="0"/>
-              <a:t>03.12.2019</a:t>
+              <a:t>04.12.2019</a:t>
             </a:fld>
             <a:endParaRPr lang="uk-UA" dirty="0"/>
           </a:p>
@@ -2416,7 +2416,7 @@
           <a:p>
             <a:fld id="{5C58018D-830C-4393-BEB4-F0BDA2BFFB4A}" type="datetimeFigureOut">
               <a:rPr lang="uk-UA" smtClean="0"/>
-              <a:t>03.12.2019</a:t>
+              <a:t>04.12.2019</a:t>
             </a:fld>
             <a:endParaRPr lang="uk-UA" dirty="0"/>
           </a:p>
@@ -2705,7 +2705,7 @@
           <a:p>
             <a:fld id="{5C58018D-830C-4393-BEB4-F0BDA2BFFB4A}" type="datetimeFigureOut">
               <a:rPr lang="uk-UA" smtClean="0"/>
-              <a:t>03.12.2019</a:t>
+              <a:t>04.12.2019</a:t>
             </a:fld>
             <a:endParaRPr lang="uk-UA" dirty="0"/>
           </a:p>
@@ -2948,7 +2948,7 @@
           <a:p>
             <a:fld id="{5C58018D-830C-4393-BEB4-F0BDA2BFFB4A}" type="datetimeFigureOut">
               <a:rPr lang="uk-UA" smtClean="0"/>
-              <a:t>03.12.2019</a:t>
+              <a:t>04.12.2019</a:t>
             </a:fld>
             <a:endParaRPr lang="uk-UA" dirty="0"/>
           </a:p>
@@ -5339,11 +5339,87 @@
             </a:pPr>
             <a:r>
               <a:rPr lang="uk-UA" dirty="0"/>
-              <a:t>Архітектором було визначену потребу в гнучкості, ітеративності та функціональності. Ці три пункти задовольняє методологія  </a:t>
+              <a:t>Архітектором було визначену потребу в гнучкості, ітеративності та функціональності. Ці три пункти </a:t>
+            </a:r>
+            <a:r>
+              <a:rPr lang="uk-UA"/>
+              <a:t>задовольняє </a:t>
+            </a:r>
+            <a:r>
+              <a:rPr lang="en-US"/>
+              <a:t>feature </a:t>
             </a:r>
             <a:r>
               <a:rPr lang="en-US" dirty="0"/>
-              <a:t>feature driven development </a:t>
+              <a:t>driven development</a:t>
+            </a:r>
+            <a:r>
+              <a:rPr lang="ru-RU" dirty="0"/>
+              <a:t>. Основною метою </a:t>
+            </a:r>
+            <a:r>
+              <a:rPr lang="ru-RU" dirty="0" err="1"/>
+              <a:t>даної</a:t>
+            </a:r>
+            <a:r>
+              <a:rPr lang="ru-RU" dirty="0"/>
+              <a:t> </a:t>
+            </a:r>
+            <a:r>
+              <a:rPr lang="ru-RU" dirty="0" err="1"/>
+              <a:t>методології</a:t>
+            </a:r>
+            <a:r>
+              <a:rPr lang="ru-RU" dirty="0"/>
+              <a:t> є </a:t>
+            </a:r>
+            <a:r>
+              <a:rPr lang="ru-RU" dirty="0" err="1"/>
+              <a:t>розробка</a:t>
+            </a:r>
+            <a:r>
+              <a:rPr lang="ru-RU" dirty="0"/>
+              <a:t> реального, </a:t>
+            </a:r>
+            <a:r>
+              <a:rPr lang="ru-RU" dirty="0" err="1"/>
+              <a:t>працюючого</a:t>
+            </a:r>
+            <a:r>
+              <a:rPr lang="ru-RU" dirty="0"/>
+              <a:t> </a:t>
+            </a:r>
+            <a:r>
+              <a:rPr lang="ru-RU" dirty="0" err="1"/>
+              <a:t>програмного</a:t>
+            </a:r>
+            <a:r>
+              <a:rPr lang="ru-RU" dirty="0"/>
+              <a:t> </a:t>
+            </a:r>
+            <a:r>
+              <a:rPr lang="ru-RU" dirty="0" err="1"/>
+              <a:t>забезпечення</a:t>
+            </a:r>
+            <a:r>
+              <a:rPr lang="ru-RU" dirty="0"/>
+              <a:t> систематично, в </a:t>
+            </a:r>
+            <a:r>
+              <a:rPr lang="ru-RU" dirty="0" err="1"/>
+              <a:t>поставлені</a:t>
+            </a:r>
+            <a:r>
+              <a:rPr lang="ru-RU" dirty="0"/>
+              <a:t> </a:t>
+            </a:r>
+            <a:r>
+              <a:rPr lang="ru-RU" dirty="0" err="1"/>
+              <a:t>терміни</a:t>
+            </a:r>
+            <a:r>
+              <a:rPr lang="ru-RU" dirty="0"/>
+              <a:t>.</a:t>
             </a:r>
             <a:endParaRPr lang="uk-UA" dirty="0"/>
           </a:p>

--- a/elektronna_kafedra.pptx
+++ b/elektronna_kafedra.pptx
@@ -279,7 +279,7 @@
           <a:p>
             <a:fld id="{5C58018D-830C-4393-BEB4-F0BDA2BFFB4A}" type="datetimeFigureOut">
               <a:rPr lang="uk-UA" smtClean="0"/>
-              <a:t>04.12.2019</a:t>
+              <a:t>09.12.2019</a:t>
             </a:fld>
             <a:endParaRPr lang="uk-UA" dirty="0"/>
           </a:p>
@@ -479,7 +479,7 @@
           <a:p>
             <a:fld id="{5C58018D-830C-4393-BEB4-F0BDA2BFFB4A}" type="datetimeFigureOut">
               <a:rPr lang="uk-UA" smtClean="0"/>
-              <a:t>04.12.2019</a:t>
+              <a:t>09.12.2019</a:t>
             </a:fld>
             <a:endParaRPr lang="uk-UA" dirty="0"/>
           </a:p>
@@ -689,7 +689,7 @@
           <a:p>
             <a:fld id="{5C58018D-830C-4393-BEB4-F0BDA2BFFB4A}" type="datetimeFigureOut">
               <a:rPr lang="uk-UA" smtClean="0"/>
-              <a:t>04.12.2019</a:t>
+              <a:t>09.12.2019</a:t>
             </a:fld>
             <a:endParaRPr lang="uk-UA" dirty="0"/>
           </a:p>
@@ -889,7 +889,7 @@
           <a:p>
             <a:fld id="{5C58018D-830C-4393-BEB4-F0BDA2BFFB4A}" type="datetimeFigureOut">
               <a:rPr lang="uk-UA" smtClean="0"/>
-              <a:t>04.12.2019</a:t>
+              <a:t>09.12.2019</a:t>
             </a:fld>
             <a:endParaRPr lang="uk-UA" dirty="0"/>
           </a:p>
@@ -1165,7 +1165,7 @@
           <a:p>
             <a:fld id="{5C58018D-830C-4393-BEB4-F0BDA2BFFB4A}" type="datetimeFigureOut">
               <a:rPr lang="uk-UA" smtClean="0"/>
-              <a:t>04.12.2019</a:t>
+              <a:t>09.12.2019</a:t>
             </a:fld>
             <a:endParaRPr lang="uk-UA" dirty="0"/>
           </a:p>
@@ -1433,7 +1433,7 @@
           <a:p>
             <a:fld id="{5C58018D-830C-4393-BEB4-F0BDA2BFFB4A}" type="datetimeFigureOut">
               <a:rPr lang="uk-UA" smtClean="0"/>
-              <a:t>04.12.2019</a:t>
+              <a:t>09.12.2019</a:t>
             </a:fld>
             <a:endParaRPr lang="uk-UA" dirty="0"/>
           </a:p>
@@ -1848,7 +1848,7 @@
           <a:p>
             <a:fld id="{5C58018D-830C-4393-BEB4-F0BDA2BFFB4A}" type="datetimeFigureOut">
               <a:rPr lang="uk-UA" smtClean="0"/>
-              <a:t>04.12.2019</a:t>
+              <a:t>09.12.2019</a:t>
             </a:fld>
             <a:endParaRPr lang="uk-UA" dirty="0"/>
           </a:p>
@@ -1990,7 +1990,7 @@
           <a:p>
             <a:fld id="{5C58018D-830C-4393-BEB4-F0BDA2BFFB4A}" type="datetimeFigureOut">
               <a:rPr lang="uk-UA" smtClean="0"/>
-              <a:t>04.12.2019</a:t>
+              <a:t>09.12.2019</a:t>
             </a:fld>
             <a:endParaRPr lang="uk-UA" dirty="0"/>
           </a:p>
@@ -2103,7 +2103,7 @@
           <a:p>
             <a:fld id="{5C58018D-830C-4393-BEB4-F0BDA2BFFB4A}" type="datetimeFigureOut">
               <a:rPr lang="uk-UA" smtClean="0"/>
-              <a:t>04.12.2019</a:t>
+              <a:t>09.12.2019</a:t>
             </a:fld>
             <a:endParaRPr lang="uk-UA" dirty="0"/>
           </a:p>
@@ -2416,7 +2416,7 @@
           <a:p>
             <a:fld id="{5C58018D-830C-4393-BEB4-F0BDA2BFFB4A}" type="datetimeFigureOut">
               <a:rPr lang="uk-UA" smtClean="0"/>
-              <a:t>04.12.2019</a:t>
+              <a:t>09.12.2019</a:t>
             </a:fld>
             <a:endParaRPr lang="uk-UA" dirty="0"/>
           </a:p>
@@ -2705,7 +2705,7 @@
           <a:p>
             <a:fld id="{5C58018D-830C-4393-BEB4-F0BDA2BFFB4A}" type="datetimeFigureOut">
               <a:rPr lang="uk-UA" smtClean="0"/>
-              <a:t>04.12.2019</a:t>
+              <a:t>09.12.2019</a:t>
             </a:fld>
             <a:endParaRPr lang="uk-UA" dirty="0"/>
           </a:p>
@@ -2948,7 +2948,7 @@
           <a:p>
             <a:fld id="{5C58018D-830C-4393-BEB4-F0BDA2BFFB4A}" type="datetimeFigureOut">
               <a:rPr lang="uk-UA" smtClean="0"/>
-              <a:t>04.12.2019</a:t>
+              <a:t>09.12.2019</a:t>
             </a:fld>
             <a:endParaRPr lang="uk-UA" dirty="0"/>
           </a:p>
@@ -5216,7 +5216,7 @@
             </a:r>
             <a:r>
               <a:rPr lang="uk-UA" dirty="0"/>
-              <a:t>, тому що  ця робота потребує більше ресурсів для виконання</a:t>
+              <a:t>, тому що ця робота потребує більше ресурсів для виконання</a:t>
             </a:r>
             <a:r>
               <a:rPr lang="uk-UA" b="1" dirty="0"/>
@@ -5224,15 +5224,7 @@
             </a:r>
             <a:r>
               <a:rPr lang="uk-UA" dirty="0"/>
-              <a:t>був необхідний для використання у процесі визначених застосунків </a:t>
-            </a:r>
-            <a:r>
-              <a:rPr lang="en-US" dirty="0"/>
-              <a:t>[INSERT]</a:t>
-            </a:r>
-            <a:r>
-              <a:rPr lang="uk-UA" dirty="0"/>
-              <a:t>. </a:t>
+              <a:t>був необхідний для використання у процесі визначених застосунків для забезпечення комфортної  і розробки координації дій. </a:t>
             </a:r>
             <a:r>
               <a:rPr lang="uk-UA" b="1" dirty="0"/>

--- a/elektronna_kafedra.pptx
+++ b/elektronna_kafedra.pptx
@@ -11,7 +11,12 @@
     <p:sldId id="261" r:id="rId5"/>
     <p:sldId id="262" r:id="rId6"/>
     <p:sldId id="259" r:id="rId7"/>
-    <p:sldId id="260" r:id="rId8"/>
+    <p:sldId id="263" r:id="rId8"/>
+    <p:sldId id="264" r:id="rId9"/>
+    <p:sldId id="265" r:id="rId10"/>
+    <p:sldId id="266" r:id="rId11"/>
+    <p:sldId id="267" r:id="rId12"/>
+    <p:sldId id="260" r:id="rId13"/>
   </p:sldIdLst>
   <p:sldSz cx="12192000" cy="6858000"/>
   <p:notesSz cx="6858000" cy="9144000"/>
@@ -3422,6 +3427,302 @@
     <p:extLst>
       <p:ext uri="{BB962C8B-B14F-4D97-AF65-F5344CB8AC3E}">
         <p14:creationId xmlns:p14="http://schemas.microsoft.com/office/powerpoint/2010/main" val="2245965609"/>
+      </p:ext>
+    </p:extLst>
+  </p:cSld>
+  <p:clrMapOvr>
+    <a:masterClrMapping/>
+  </p:clrMapOvr>
+</p:sld>
+</file>
+
+<file path=ppt/slides/slide10.xml><?xml version="1.0" encoding="utf-8"?>
+<p:sld xmlns:a="http://schemas.openxmlformats.org/drawingml/2006/main" xmlns:r="http://schemas.openxmlformats.org/officeDocument/2006/relationships" xmlns:p="http://schemas.openxmlformats.org/presentationml/2006/main">
+  <p:cSld>
+    <p:spTree>
+      <p:nvGrpSpPr>
+        <p:cNvPr id="1" name=""/>
+        <p:cNvGrpSpPr/>
+        <p:nvPr/>
+      </p:nvGrpSpPr>
+      <p:grpSpPr>
+        <a:xfrm>
+          <a:off x="0" y="0"/>
+          <a:ext cx="0" cy="0"/>
+          <a:chOff x="0" y="0"/>
+          <a:chExt cx="0" cy="0"/>
+        </a:xfrm>
+      </p:grpSpPr>
+      <p:sp>
+        <p:nvSpPr>
+          <p:cNvPr id="2" name="Заголовок 1">
+            <a:extLst>
+              <a:ext uri="{FF2B5EF4-FFF2-40B4-BE49-F238E27FC236}">
+                <a16:creationId xmlns:a16="http://schemas.microsoft.com/office/drawing/2014/main" id="{7B71F372-36F1-476B-9BC9-117B9271DE97}"/>
+              </a:ext>
+            </a:extLst>
+          </p:cNvPr>
+          <p:cNvSpPr>
+            <a:spLocks noGrp="1"/>
+          </p:cNvSpPr>
+          <p:nvPr>
+            <p:ph type="title"/>
+          </p:nvPr>
+        </p:nvSpPr>
+        <p:spPr/>
+        <p:txBody>
+          <a:bodyPr/>
+          <a:lstStyle/>
+          <a:p>
+            <a:endParaRPr lang="uk-UA"/>
+          </a:p>
+        </p:txBody>
+      </p:sp>
+      <p:sp>
+        <p:nvSpPr>
+          <p:cNvPr id="3" name="Объект 2">
+            <a:extLst>
+              <a:ext uri="{FF2B5EF4-FFF2-40B4-BE49-F238E27FC236}">
+                <a16:creationId xmlns:a16="http://schemas.microsoft.com/office/drawing/2014/main" id="{19FEA190-B6AE-486B-AD7A-20A9DFC317E0}"/>
+              </a:ext>
+            </a:extLst>
+          </p:cNvPr>
+          <p:cNvSpPr>
+            <a:spLocks noGrp="1"/>
+          </p:cNvSpPr>
+          <p:nvPr>
+            <p:ph idx="1"/>
+          </p:nvPr>
+        </p:nvSpPr>
+        <p:spPr/>
+        <p:txBody>
+          <a:bodyPr/>
+          <a:lstStyle/>
+          <a:p>
+            <a:endParaRPr lang="uk-UA"/>
+          </a:p>
+        </p:txBody>
+      </p:sp>
+    </p:spTree>
+    <p:extLst>
+      <p:ext uri="{BB962C8B-B14F-4D97-AF65-F5344CB8AC3E}">
+        <p14:creationId xmlns:p14="http://schemas.microsoft.com/office/powerpoint/2010/main" val="3576036765"/>
+      </p:ext>
+    </p:extLst>
+  </p:cSld>
+  <p:clrMapOvr>
+    <a:masterClrMapping/>
+  </p:clrMapOvr>
+</p:sld>
+</file>
+
+<file path=ppt/slides/slide11.xml><?xml version="1.0" encoding="utf-8"?>
+<p:sld xmlns:a="http://schemas.openxmlformats.org/drawingml/2006/main" xmlns:r="http://schemas.openxmlformats.org/officeDocument/2006/relationships" xmlns:p="http://schemas.openxmlformats.org/presentationml/2006/main">
+  <p:cSld>
+    <p:spTree>
+      <p:nvGrpSpPr>
+        <p:cNvPr id="1" name=""/>
+        <p:cNvGrpSpPr/>
+        <p:nvPr/>
+      </p:nvGrpSpPr>
+      <p:grpSpPr>
+        <a:xfrm>
+          <a:off x="0" y="0"/>
+          <a:ext cx="0" cy="0"/>
+          <a:chOff x="0" y="0"/>
+          <a:chExt cx="0" cy="0"/>
+        </a:xfrm>
+      </p:grpSpPr>
+      <p:sp>
+        <p:nvSpPr>
+          <p:cNvPr id="2" name="Заголовок 1">
+            <a:extLst>
+              <a:ext uri="{FF2B5EF4-FFF2-40B4-BE49-F238E27FC236}">
+                <a16:creationId xmlns:a16="http://schemas.microsoft.com/office/drawing/2014/main" id="{FF91C705-0902-4F5E-B799-676015F50185}"/>
+              </a:ext>
+            </a:extLst>
+          </p:cNvPr>
+          <p:cNvSpPr>
+            <a:spLocks noGrp="1"/>
+          </p:cNvSpPr>
+          <p:nvPr>
+            <p:ph type="title"/>
+          </p:nvPr>
+        </p:nvSpPr>
+        <p:spPr/>
+        <p:txBody>
+          <a:bodyPr/>
+          <a:lstStyle/>
+          <a:p>
+            <a:endParaRPr lang="uk-UA"/>
+          </a:p>
+        </p:txBody>
+      </p:sp>
+      <p:sp>
+        <p:nvSpPr>
+          <p:cNvPr id="3" name="Объект 2">
+            <a:extLst>
+              <a:ext uri="{FF2B5EF4-FFF2-40B4-BE49-F238E27FC236}">
+                <a16:creationId xmlns:a16="http://schemas.microsoft.com/office/drawing/2014/main" id="{F9A8330D-7D29-44FC-8173-69006A805E3B}"/>
+              </a:ext>
+            </a:extLst>
+          </p:cNvPr>
+          <p:cNvSpPr>
+            <a:spLocks noGrp="1"/>
+          </p:cNvSpPr>
+          <p:nvPr>
+            <p:ph idx="1"/>
+          </p:nvPr>
+        </p:nvSpPr>
+        <p:spPr/>
+        <p:txBody>
+          <a:bodyPr/>
+          <a:lstStyle/>
+          <a:p>
+            <a:endParaRPr lang="uk-UA"/>
+          </a:p>
+        </p:txBody>
+      </p:sp>
+    </p:spTree>
+    <p:extLst>
+      <p:ext uri="{BB962C8B-B14F-4D97-AF65-F5344CB8AC3E}">
+        <p14:creationId xmlns:p14="http://schemas.microsoft.com/office/powerpoint/2010/main" val="1435595735"/>
+      </p:ext>
+    </p:extLst>
+  </p:cSld>
+  <p:clrMapOvr>
+    <a:masterClrMapping/>
+  </p:clrMapOvr>
+</p:sld>
+</file>
+
+<file path=ppt/slides/slide12.xml><?xml version="1.0" encoding="utf-8"?>
+<p:sld xmlns:a="http://schemas.openxmlformats.org/drawingml/2006/main" xmlns:r="http://schemas.openxmlformats.org/officeDocument/2006/relationships" xmlns:p="http://schemas.openxmlformats.org/presentationml/2006/main">
+  <p:cSld>
+    <p:spTree>
+      <p:nvGrpSpPr>
+        <p:cNvPr id="1" name=""/>
+        <p:cNvGrpSpPr/>
+        <p:nvPr/>
+      </p:nvGrpSpPr>
+      <p:grpSpPr>
+        <a:xfrm>
+          <a:off x="0" y="0"/>
+          <a:ext cx="0" cy="0"/>
+          <a:chOff x="0" y="0"/>
+          <a:chExt cx="0" cy="0"/>
+        </a:xfrm>
+      </p:grpSpPr>
+      <p:sp>
+        <p:nvSpPr>
+          <p:cNvPr id="2" name="Заголовок 1">
+            <a:extLst>
+              <a:ext uri="{FF2B5EF4-FFF2-40B4-BE49-F238E27FC236}">
+                <a16:creationId xmlns:a16="http://schemas.microsoft.com/office/drawing/2014/main" id="{DC76B3C6-909A-4ED1-BF87-4F91CAE53D78}"/>
+              </a:ext>
+            </a:extLst>
+          </p:cNvPr>
+          <p:cNvSpPr>
+            <a:spLocks noGrp="1"/>
+          </p:cNvSpPr>
+          <p:nvPr>
+            <p:ph type="title"/>
+          </p:nvPr>
+        </p:nvSpPr>
+        <p:spPr/>
+        <p:txBody>
+          <a:bodyPr/>
+          <a:lstStyle/>
+          <a:p>
+            <a:r>
+              <a:rPr lang="uk-UA" b="1" dirty="0"/>
+              <a:t>Висновки по виконаній роботі: </a:t>
+            </a:r>
+          </a:p>
+        </p:txBody>
+      </p:sp>
+      <p:sp>
+        <p:nvSpPr>
+          <p:cNvPr id="3" name="Объект 2">
+            <a:extLst>
+              <a:ext uri="{FF2B5EF4-FFF2-40B4-BE49-F238E27FC236}">
+                <a16:creationId xmlns:a16="http://schemas.microsoft.com/office/drawing/2014/main" id="{DE864C1F-B14E-4FB2-AA8C-EAF71E7DF337}"/>
+              </a:ext>
+            </a:extLst>
+          </p:cNvPr>
+          <p:cNvSpPr>
+            <a:spLocks noGrp="1"/>
+          </p:cNvSpPr>
+          <p:nvPr>
+            <p:ph idx="1"/>
+          </p:nvPr>
+        </p:nvSpPr>
+        <p:spPr/>
+        <p:txBody>
+          <a:bodyPr/>
+          <a:lstStyle/>
+          <a:p>
+            <a:pPr marL="0" indent="0">
+              <a:buNone/>
+            </a:pPr>
+            <a:r>
+              <a:rPr lang="uk-UA" dirty="0"/>
+              <a:t>Було розроблено шляпу. </a:t>
+            </a:r>
+          </a:p>
+        </p:txBody>
+      </p:sp>
+      <p:pic>
+        <p:nvPicPr>
+          <p:cNvPr id="1028" name="Picture 4" descr="Результат пошуку зображень за запитом &quot;шляпа&quot;">
+            <a:extLst>
+              <a:ext uri="{FF2B5EF4-FFF2-40B4-BE49-F238E27FC236}">
+                <a16:creationId xmlns:a16="http://schemas.microsoft.com/office/drawing/2014/main" id="{1CCCFEBA-3494-4D8F-A809-A20FA0B9CA8B}"/>
+              </a:ext>
+            </a:extLst>
+          </p:cNvPr>
+          <p:cNvPicPr>
+            <a:picLocks noChangeAspect="1" noChangeArrowheads="1"/>
+          </p:cNvPicPr>
+          <p:nvPr/>
+        </p:nvPicPr>
+        <p:blipFill>
+          <a:blip r:embed="rId2">
+            <a:extLst>
+              <a:ext uri="{28A0092B-C50C-407E-A947-70E740481C1C}">
+                <a14:useLocalDpi xmlns:a14="http://schemas.microsoft.com/office/drawing/2010/main" val="0"/>
+              </a:ext>
+            </a:extLst>
+          </a:blip>
+          <a:srcRect/>
+          <a:stretch>
+            <a:fillRect/>
+          </a:stretch>
+        </p:blipFill>
+        <p:spPr bwMode="auto">
+          <a:xfrm>
+            <a:off x="1405128" y="2361835"/>
+            <a:ext cx="3278918" cy="3278918"/>
+          </a:xfrm>
+          <a:prstGeom prst="rect">
+            <a:avLst/>
+          </a:prstGeom>
+          <a:noFill/>
+          <a:extLst>
+            <a:ext uri="{909E8E84-426E-40DD-AFC4-6F175D3DCCD1}">
+              <a14:hiddenFill xmlns:a14="http://schemas.microsoft.com/office/drawing/2010/main">
+                <a:solidFill>
+                  <a:srgbClr val="FFFFFF"/>
+                </a:solidFill>
+              </a14:hiddenFill>
+            </a:ext>
+          </a:extLst>
+        </p:spPr>
+      </p:pic>
+    </p:spTree>
+    <p:extLst>
+      <p:ext uri="{BB962C8B-B14F-4D97-AF65-F5344CB8AC3E}">
+        <p14:creationId xmlns:p14="http://schemas.microsoft.com/office/powerpoint/2010/main" val="464754774"/>
       </p:ext>
     </p:extLst>
   </p:cSld>
@@ -4929,8 +5230,12 @@
               <a:t>Менеджер проекту:</a:t>
             </a:r>
             <a:r>
+              <a:rPr lang="en-US" b="1" dirty="0"/>
+              <a:t> </a:t>
+            </a:r>
+            <a:r>
               <a:rPr lang="uk-UA" dirty="0"/>
-              <a:t> Ломачинський Віталій </a:t>
+              <a:t>Година Богдан</a:t>
             </a:r>
           </a:p>
           <a:p>
@@ -4981,8 +5286,12 @@
               <a:t>Інженер тестування: </a:t>
             </a:r>
             <a:r>
+              <a:rPr lang="uk-UA" dirty="0" err="1"/>
+              <a:t>Ломачинський</a:t>
+            </a:r>
+            <a:r>
               <a:rPr lang="uk-UA" dirty="0"/>
-              <a:t>Година Богдан</a:t>
+              <a:t> Віталій</a:t>
             </a:r>
           </a:p>
           <a:p>
@@ -5452,7 +5761,7 @@
           <p:cNvPr id="2" name="Заголовок 1">
             <a:extLst>
               <a:ext uri="{FF2B5EF4-FFF2-40B4-BE49-F238E27FC236}">
-                <a16:creationId xmlns:a16="http://schemas.microsoft.com/office/drawing/2014/main" id="{DC76B3C6-909A-4ED1-BF87-4F91CAE53D78}"/>
+                <a16:creationId xmlns:a16="http://schemas.microsoft.com/office/drawing/2014/main" id="{90455AB9-24F2-4B19-BF9B-47FE9CA84C0F}"/>
               </a:ext>
             </a:extLst>
           </p:cNvPr>
@@ -5468,10 +5777,7 @@
           <a:bodyPr/>
           <a:lstStyle/>
           <a:p>
-            <a:r>
-              <a:rPr lang="uk-UA" b="1" dirty="0"/>
-              <a:t>Висновки по виконаній роботі: </a:t>
-            </a:r>
+            <a:endParaRPr lang="uk-UA"/>
           </a:p>
         </p:txBody>
       </p:sp>
@@ -5480,7 +5786,7 @@
           <p:cNvPr id="3" name="Объект 2">
             <a:extLst>
               <a:ext uri="{FF2B5EF4-FFF2-40B4-BE49-F238E27FC236}">
-                <a16:creationId xmlns:a16="http://schemas.microsoft.com/office/drawing/2014/main" id="{DE864C1F-B14E-4FB2-AA8C-EAF71E7DF337}"/>
+                <a16:creationId xmlns:a16="http://schemas.microsoft.com/office/drawing/2014/main" id="{A7E2A8B5-F582-44E4-89DF-2DE9313180EE}"/>
               </a:ext>
             </a:extLst>
           </p:cNvPr>
@@ -5496,67 +5802,174 @@
           <a:bodyPr/>
           <a:lstStyle/>
           <a:p>
-            <a:pPr marL="0" indent="0">
-              <a:buNone/>
-            </a:pPr>
-            <a:r>
-              <a:rPr lang="uk-UA" dirty="0"/>
-              <a:t>Було розроблено шляпу. </a:t>
-            </a:r>
-          </a:p>
-        </p:txBody>
-      </p:sp>
-      <p:pic>
-        <p:nvPicPr>
-          <p:cNvPr id="1028" name="Picture 4" descr="Результат пошуку зображень за запитом &quot;шляпа&quot;">
-            <a:extLst>
-              <a:ext uri="{FF2B5EF4-FFF2-40B4-BE49-F238E27FC236}">
-                <a16:creationId xmlns:a16="http://schemas.microsoft.com/office/drawing/2014/main" id="{1CCCFEBA-3494-4D8F-A809-A20FA0B9CA8B}"/>
-              </a:ext>
-            </a:extLst>
-          </p:cNvPr>
-          <p:cNvPicPr>
-            <a:picLocks noChangeAspect="1" noChangeArrowheads="1"/>
-          </p:cNvPicPr>
-          <p:nvPr/>
-        </p:nvPicPr>
-        <p:blipFill>
-          <a:blip r:embed="rId2">
-            <a:extLst>
-              <a:ext uri="{28A0092B-C50C-407E-A947-70E740481C1C}">
-                <a14:useLocalDpi xmlns:a14="http://schemas.microsoft.com/office/drawing/2010/main" val="0"/>
-              </a:ext>
-            </a:extLst>
-          </a:blip>
-          <a:srcRect/>
-          <a:stretch>
-            <a:fillRect/>
-          </a:stretch>
-        </p:blipFill>
-        <p:spPr bwMode="auto">
-          <a:xfrm>
-            <a:off x="1405128" y="2361835"/>
-            <a:ext cx="3278918" cy="3278918"/>
-          </a:xfrm>
-          <a:prstGeom prst="rect">
-            <a:avLst/>
-          </a:prstGeom>
-          <a:noFill/>
-          <a:extLst>
-            <a:ext uri="{909E8E84-426E-40DD-AFC4-6F175D3DCCD1}">
-              <a14:hiddenFill xmlns:a14="http://schemas.microsoft.com/office/drawing/2010/main">
-                <a:solidFill>
-                  <a:srgbClr val="FFFFFF"/>
-                </a:solidFill>
-              </a14:hiddenFill>
-            </a:ext>
-          </a:extLst>
-        </p:spPr>
-      </p:pic>
+            <a:endParaRPr lang="uk-UA"/>
+          </a:p>
+        </p:txBody>
+      </p:sp>
     </p:spTree>
     <p:extLst>
       <p:ext uri="{BB962C8B-B14F-4D97-AF65-F5344CB8AC3E}">
-        <p14:creationId xmlns:p14="http://schemas.microsoft.com/office/powerpoint/2010/main" val="464754774"/>
+        <p14:creationId xmlns:p14="http://schemas.microsoft.com/office/powerpoint/2010/main" val="910646751"/>
+      </p:ext>
+    </p:extLst>
+  </p:cSld>
+  <p:clrMapOvr>
+    <a:masterClrMapping/>
+  </p:clrMapOvr>
+</p:sld>
+</file>
+
+<file path=ppt/slides/slide8.xml><?xml version="1.0" encoding="utf-8"?>
+<p:sld xmlns:a="http://schemas.openxmlformats.org/drawingml/2006/main" xmlns:r="http://schemas.openxmlformats.org/officeDocument/2006/relationships" xmlns:p="http://schemas.openxmlformats.org/presentationml/2006/main">
+  <p:cSld>
+    <p:spTree>
+      <p:nvGrpSpPr>
+        <p:cNvPr id="1" name=""/>
+        <p:cNvGrpSpPr/>
+        <p:nvPr/>
+      </p:nvGrpSpPr>
+      <p:grpSpPr>
+        <a:xfrm>
+          <a:off x="0" y="0"/>
+          <a:ext cx="0" cy="0"/>
+          <a:chOff x="0" y="0"/>
+          <a:chExt cx="0" cy="0"/>
+        </a:xfrm>
+      </p:grpSpPr>
+      <p:sp>
+        <p:nvSpPr>
+          <p:cNvPr id="2" name="Заголовок 1">
+            <a:extLst>
+              <a:ext uri="{FF2B5EF4-FFF2-40B4-BE49-F238E27FC236}">
+                <a16:creationId xmlns:a16="http://schemas.microsoft.com/office/drawing/2014/main" id="{219FB3F7-5081-4B04-AEE9-903D140D5565}"/>
+              </a:ext>
+            </a:extLst>
+          </p:cNvPr>
+          <p:cNvSpPr>
+            <a:spLocks noGrp="1"/>
+          </p:cNvSpPr>
+          <p:nvPr>
+            <p:ph type="title"/>
+          </p:nvPr>
+        </p:nvSpPr>
+        <p:spPr/>
+        <p:txBody>
+          <a:bodyPr/>
+          <a:lstStyle/>
+          <a:p>
+            <a:endParaRPr lang="uk-UA"/>
+          </a:p>
+        </p:txBody>
+      </p:sp>
+      <p:sp>
+        <p:nvSpPr>
+          <p:cNvPr id="3" name="Объект 2">
+            <a:extLst>
+              <a:ext uri="{FF2B5EF4-FFF2-40B4-BE49-F238E27FC236}">
+                <a16:creationId xmlns:a16="http://schemas.microsoft.com/office/drawing/2014/main" id="{04D0E565-993A-4670-9C84-B96B796340BA}"/>
+              </a:ext>
+            </a:extLst>
+          </p:cNvPr>
+          <p:cNvSpPr>
+            <a:spLocks noGrp="1"/>
+          </p:cNvSpPr>
+          <p:nvPr>
+            <p:ph idx="1"/>
+          </p:nvPr>
+        </p:nvSpPr>
+        <p:spPr/>
+        <p:txBody>
+          <a:bodyPr/>
+          <a:lstStyle/>
+          <a:p>
+            <a:endParaRPr lang="uk-UA"/>
+          </a:p>
+        </p:txBody>
+      </p:sp>
+    </p:spTree>
+    <p:extLst>
+      <p:ext uri="{BB962C8B-B14F-4D97-AF65-F5344CB8AC3E}">
+        <p14:creationId xmlns:p14="http://schemas.microsoft.com/office/powerpoint/2010/main" val="57023922"/>
+      </p:ext>
+    </p:extLst>
+  </p:cSld>
+  <p:clrMapOvr>
+    <a:masterClrMapping/>
+  </p:clrMapOvr>
+</p:sld>
+</file>
+
+<file path=ppt/slides/slide9.xml><?xml version="1.0" encoding="utf-8"?>
+<p:sld xmlns:a="http://schemas.openxmlformats.org/drawingml/2006/main" xmlns:r="http://schemas.openxmlformats.org/officeDocument/2006/relationships" xmlns:p="http://schemas.openxmlformats.org/presentationml/2006/main">
+  <p:cSld>
+    <p:spTree>
+      <p:nvGrpSpPr>
+        <p:cNvPr id="1" name=""/>
+        <p:cNvGrpSpPr/>
+        <p:nvPr/>
+      </p:nvGrpSpPr>
+      <p:grpSpPr>
+        <a:xfrm>
+          <a:off x="0" y="0"/>
+          <a:ext cx="0" cy="0"/>
+          <a:chOff x="0" y="0"/>
+          <a:chExt cx="0" cy="0"/>
+        </a:xfrm>
+      </p:grpSpPr>
+      <p:sp>
+        <p:nvSpPr>
+          <p:cNvPr id="2" name="Заголовок 1">
+            <a:extLst>
+              <a:ext uri="{FF2B5EF4-FFF2-40B4-BE49-F238E27FC236}">
+                <a16:creationId xmlns:a16="http://schemas.microsoft.com/office/drawing/2014/main" id="{FE829E14-0D0F-4D0C-9CF3-0BE675DE8833}"/>
+              </a:ext>
+            </a:extLst>
+          </p:cNvPr>
+          <p:cNvSpPr>
+            <a:spLocks noGrp="1"/>
+          </p:cNvSpPr>
+          <p:nvPr>
+            <p:ph type="title"/>
+          </p:nvPr>
+        </p:nvSpPr>
+        <p:spPr/>
+        <p:txBody>
+          <a:bodyPr/>
+          <a:lstStyle/>
+          <a:p>
+            <a:endParaRPr lang="uk-UA"/>
+          </a:p>
+        </p:txBody>
+      </p:sp>
+      <p:sp>
+        <p:nvSpPr>
+          <p:cNvPr id="3" name="Объект 2">
+            <a:extLst>
+              <a:ext uri="{FF2B5EF4-FFF2-40B4-BE49-F238E27FC236}">
+                <a16:creationId xmlns:a16="http://schemas.microsoft.com/office/drawing/2014/main" id="{3383D2F9-B09E-4A77-B38F-9A09380BF05F}"/>
+              </a:ext>
+            </a:extLst>
+          </p:cNvPr>
+          <p:cNvSpPr>
+            <a:spLocks noGrp="1"/>
+          </p:cNvSpPr>
+          <p:nvPr>
+            <p:ph idx="1"/>
+          </p:nvPr>
+        </p:nvSpPr>
+        <p:spPr/>
+        <p:txBody>
+          <a:bodyPr/>
+          <a:lstStyle/>
+          <a:p>
+            <a:endParaRPr lang="uk-UA"/>
+          </a:p>
+        </p:txBody>
+      </p:sp>
+    </p:spTree>
+    <p:extLst>
+      <p:ext uri="{BB962C8B-B14F-4D97-AF65-F5344CB8AC3E}">
+        <p14:creationId xmlns:p14="http://schemas.microsoft.com/office/powerpoint/2010/main" val="4126373388"/>
       </p:ext>
     </p:extLst>
   </p:cSld>

--- a/elektronna_kafedra.pptx
+++ b/elektronna_kafedra.pptx
@@ -5244,11 +5244,19 @@
             </a:pPr>
             <a:r>
               <a:rPr lang="uk-UA" b="1" dirty="0"/>
-              <a:t>Інженер - розробник : </a:t>
+              <a:t>Інженер - </a:t>
+            </a:r>
+            <a:r>
+              <a:rPr lang="uk-UA" b="1"/>
+              <a:t>розробник : </a:t>
+            </a:r>
+            <a:r>
+              <a:rPr lang="uk-UA"/>
+              <a:t>Козаченко </a:t>
             </a:r>
             <a:r>
               <a:rPr lang="uk-UA" dirty="0"/>
-              <a:t>Кривошей Владислав</a:t>
+              <a:t>Марина</a:t>
             </a:r>
           </a:p>
           <a:p>
@@ -5303,8 +5311,12 @@
               <a:t>Технічний письменник: </a:t>
             </a:r>
             <a:r>
+              <a:rPr lang="uk-UA" dirty="0" err="1"/>
+              <a:t>Кривошей</a:t>
+            </a:r>
+            <a:r>
               <a:rPr lang="uk-UA" dirty="0"/>
-              <a:t>Козаченко Марина</a:t>
+              <a:t> Владислав</a:t>
             </a:r>
           </a:p>
           <a:p>

--- a/elektronna_kafedra.pptx
+++ b/elektronna_kafedra.pptx
@@ -5252,11 +5252,11 @@
             </a:r>
             <a:r>
               <a:rPr lang="uk-UA"/>
-              <a:t>Козаченко </a:t>
+              <a:t>Кривошей</a:t>
             </a:r>
             <a:r>
               <a:rPr lang="uk-UA" dirty="0"/>
-              <a:t>Марина</a:t>
+              <a:t> Владислав</a:t>
             </a:r>
           </a:p>
           <a:p>
@@ -5311,12 +5311,8 @@
               <a:t>Технічний письменник: </a:t>
             </a:r>
             <a:r>
-              <a:rPr lang="uk-UA" dirty="0" err="1"/>
-              <a:t>Кривошей</a:t>
-            </a:r>
-            <a:r>
               <a:rPr lang="uk-UA" dirty="0"/>
-              <a:t> Владислав</a:t>
+              <a:t>Козаченко Марина</a:t>
             </a:r>
           </a:p>
           <a:p>

--- a/elektronna_kafedra.pptx
+++ b/elektronna_kafedra.pptx
@@ -284,7 +284,7 @@
           <a:p>
             <a:fld id="{5C58018D-830C-4393-BEB4-F0BDA2BFFB4A}" type="datetimeFigureOut">
               <a:rPr lang="uk-UA" smtClean="0"/>
-              <a:t>09.12.2019</a:t>
+              <a:t>10.12.2019</a:t>
             </a:fld>
             <a:endParaRPr lang="uk-UA" dirty="0"/>
           </a:p>
@@ -484,7 +484,7 @@
           <a:p>
             <a:fld id="{5C58018D-830C-4393-BEB4-F0BDA2BFFB4A}" type="datetimeFigureOut">
               <a:rPr lang="uk-UA" smtClean="0"/>
-              <a:t>09.12.2019</a:t>
+              <a:t>10.12.2019</a:t>
             </a:fld>
             <a:endParaRPr lang="uk-UA" dirty="0"/>
           </a:p>
@@ -694,7 +694,7 @@
           <a:p>
             <a:fld id="{5C58018D-830C-4393-BEB4-F0BDA2BFFB4A}" type="datetimeFigureOut">
               <a:rPr lang="uk-UA" smtClean="0"/>
-              <a:t>09.12.2019</a:t>
+              <a:t>10.12.2019</a:t>
             </a:fld>
             <a:endParaRPr lang="uk-UA" dirty="0"/>
           </a:p>
@@ -894,7 +894,7 @@
           <a:p>
             <a:fld id="{5C58018D-830C-4393-BEB4-F0BDA2BFFB4A}" type="datetimeFigureOut">
               <a:rPr lang="uk-UA" smtClean="0"/>
-              <a:t>09.12.2019</a:t>
+              <a:t>10.12.2019</a:t>
             </a:fld>
             <a:endParaRPr lang="uk-UA" dirty="0"/>
           </a:p>
@@ -1170,7 +1170,7 @@
           <a:p>
             <a:fld id="{5C58018D-830C-4393-BEB4-F0BDA2BFFB4A}" type="datetimeFigureOut">
               <a:rPr lang="uk-UA" smtClean="0"/>
-              <a:t>09.12.2019</a:t>
+              <a:t>10.12.2019</a:t>
             </a:fld>
             <a:endParaRPr lang="uk-UA" dirty="0"/>
           </a:p>
@@ -1438,7 +1438,7 @@
           <a:p>
             <a:fld id="{5C58018D-830C-4393-BEB4-F0BDA2BFFB4A}" type="datetimeFigureOut">
               <a:rPr lang="uk-UA" smtClean="0"/>
-              <a:t>09.12.2019</a:t>
+              <a:t>10.12.2019</a:t>
             </a:fld>
             <a:endParaRPr lang="uk-UA" dirty="0"/>
           </a:p>
@@ -1853,7 +1853,7 @@
           <a:p>
             <a:fld id="{5C58018D-830C-4393-BEB4-F0BDA2BFFB4A}" type="datetimeFigureOut">
               <a:rPr lang="uk-UA" smtClean="0"/>
-              <a:t>09.12.2019</a:t>
+              <a:t>10.12.2019</a:t>
             </a:fld>
             <a:endParaRPr lang="uk-UA" dirty="0"/>
           </a:p>
@@ -1995,7 +1995,7 @@
           <a:p>
             <a:fld id="{5C58018D-830C-4393-BEB4-F0BDA2BFFB4A}" type="datetimeFigureOut">
               <a:rPr lang="uk-UA" smtClean="0"/>
-              <a:t>09.12.2019</a:t>
+              <a:t>10.12.2019</a:t>
             </a:fld>
             <a:endParaRPr lang="uk-UA" dirty="0"/>
           </a:p>
@@ -2108,7 +2108,7 @@
           <a:p>
             <a:fld id="{5C58018D-830C-4393-BEB4-F0BDA2BFFB4A}" type="datetimeFigureOut">
               <a:rPr lang="uk-UA" smtClean="0"/>
-              <a:t>09.12.2019</a:t>
+              <a:t>10.12.2019</a:t>
             </a:fld>
             <a:endParaRPr lang="uk-UA" dirty="0"/>
           </a:p>
@@ -2421,7 +2421,7 @@
           <a:p>
             <a:fld id="{5C58018D-830C-4393-BEB4-F0BDA2BFFB4A}" type="datetimeFigureOut">
               <a:rPr lang="uk-UA" smtClean="0"/>
-              <a:t>09.12.2019</a:t>
+              <a:t>10.12.2019</a:t>
             </a:fld>
             <a:endParaRPr lang="uk-UA" dirty="0"/>
           </a:p>
@@ -2710,7 +2710,7 @@
           <a:p>
             <a:fld id="{5C58018D-830C-4393-BEB4-F0BDA2BFFB4A}" type="datetimeFigureOut">
               <a:rPr lang="uk-UA" smtClean="0"/>
-              <a:t>09.12.2019</a:t>
+              <a:t>10.12.2019</a:t>
             </a:fld>
             <a:endParaRPr lang="uk-UA" dirty="0"/>
           </a:p>
@@ -2953,7 +2953,7 @@
           <a:p>
             <a:fld id="{5C58018D-830C-4393-BEB4-F0BDA2BFFB4A}" type="datetimeFigureOut">
               <a:rPr lang="uk-UA" smtClean="0"/>
-              <a:t>09.12.2019</a:t>
+              <a:t>10.12.2019</a:t>
             </a:fld>
             <a:endParaRPr lang="uk-UA" dirty="0"/>
           </a:p>
@@ -5648,87 +5648,33 @@
             </a:pPr>
             <a:r>
               <a:rPr lang="uk-UA" dirty="0"/>
-              <a:t>Архітектором було визначену потребу в гнучкості, ітеративності та функціональності. Ці три пункти </a:t>
-            </a:r>
-            <a:r>
-              <a:rPr lang="uk-UA"/>
-              <a:t>задовольняє </a:t>
-            </a:r>
+              <a:t>Архітектором було визначену потребу в гнучкості, ітеративності, функціональності, </a:t>
+            </a:r>
+            <a:r>
+              <a:rPr lang="uk-UA" dirty="0" err="1"/>
+              <a:t>прототипуванні</a:t>
+            </a:r>
+            <a:r>
+              <a:rPr lang="uk-UA" dirty="0"/>
+              <a:t>, жорсткому менеджменті часу. Для цього підходить еволюційна модель швидкого </a:t>
+            </a:r>
+            <a:r>
+              <a:rPr lang="uk-UA" dirty="0" err="1"/>
+              <a:t>прототипування</a:t>
+            </a:r>
+            <a:r>
+              <a:rPr lang="uk-UA" dirty="0"/>
+              <a:t>. </a:t>
+            </a:r>
+            <a:endParaRPr lang="en-US" dirty="0"/>
+          </a:p>
+          <a:p>
+            <a:pPr marL="0" indent="0">
+              <a:buNone/>
+            </a:pPr>
             <a:r>
               <a:rPr lang="en-US"/>
-              <a:t>feature </a:t>
-            </a:r>
-            <a:r>
-              <a:rPr lang="en-US" dirty="0"/>
-              <a:t>driven development</a:t>
-            </a:r>
-            <a:r>
-              <a:rPr lang="ru-RU" dirty="0"/>
-              <a:t>. Основною метою </a:t>
-            </a:r>
-            <a:r>
-              <a:rPr lang="ru-RU" dirty="0" err="1"/>
-              <a:t>даної</a:t>
-            </a:r>
-            <a:r>
-              <a:rPr lang="ru-RU" dirty="0"/>
-              <a:t> </a:t>
-            </a:r>
-            <a:r>
-              <a:rPr lang="ru-RU" dirty="0" err="1"/>
-              <a:t>методології</a:t>
-            </a:r>
-            <a:r>
-              <a:rPr lang="ru-RU" dirty="0"/>
-              <a:t> є </a:t>
-            </a:r>
-            <a:r>
-              <a:rPr lang="ru-RU" dirty="0" err="1"/>
-              <a:t>розробка</a:t>
-            </a:r>
-            <a:r>
-              <a:rPr lang="ru-RU" dirty="0"/>
-              <a:t> реального, </a:t>
-            </a:r>
-            <a:r>
-              <a:rPr lang="ru-RU" dirty="0" err="1"/>
-              <a:t>працюючого</a:t>
-            </a:r>
-            <a:r>
-              <a:rPr lang="ru-RU" dirty="0"/>
-              <a:t> </a:t>
-            </a:r>
-            <a:r>
-              <a:rPr lang="ru-RU" dirty="0" err="1"/>
-              <a:t>програмного</a:t>
-            </a:r>
-            <a:r>
-              <a:rPr lang="ru-RU" dirty="0"/>
-              <a:t> </a:t>
-            </a:r>
-            <a:r>
-              <a:rPr lang="ru-RU" dirty="0" err="1"/>
-              <a:t>забезпечення</a:t>
-            </a:r>
-            <a:r>
-              <a:rPr lang="ru-RU" dirty="0"/>
-              <a:t> систематично, в </a:t>
-            </a:r>
-            <a:r>
-              <a:rPr lang="ru-RU" dirty="0" err="1"/>
-              <a:t>поставлені</a:t>
-            </a:r>
-            <a:r>
-              <a:rPr lang="ru-RU" dirty="0"/>
-              <a:t> </a:t>
-            </a:r>
-            <a:r>
-              <a:rPr lang="ru-RU" dirty="0" err="1"/>
-              <a:t>терміни</a:t>
-            </a:r>
-            <a:r>
-              <a:rPr lang="ru-RU" dirty="0"/>
-              <a:t>.</a:t>
+              <a:t>[INSERT]</a:t>
             </a:r>
             <a:endParaRPr lang="uk-UA" dirty="0"/>
           </a:p>

--- a/elektronna_kafedra.pptx
+++ b/elektronna_kafedra.pptx
@@ -5731,35 +5731,1056 @@
           <a:bodyPr/>
           <a:lstStyle/>
           <a:p>
-            <a:endParaRPr lang="uk-UA"/>
-          </a:p>
-        </p:txBody>
-      </p:sp>
-      <p:sp>
-        <p:nvSpPr>
-          <p:cNvPr id="3" name="Объект 2">
-            <a:extLst>
-              <a:ext uri="{FF2B5EF4-FFF2-40B4-BE49-F238E27FC236}">
-                <a16:creationId xmlns:a16="http://schemas.microsoft.com/office/drawing/2014/main" id="{A7E2A8B5-F582-44E4-89DF-2DE9313180EE}"/>
-              </a:ext>
-            </a:extLst>
-          </p:cNvPr>
-          <p:cNvSpPr>
-            <a:spLocks noGrp="1"/>
-          </p:cNvSpPr>
+            <a:r>
+              <a:rPr lang="uk-UA" b="1" dirty="0"/>
+              <a:t>Функціональні вимоги: зовнішнє (?)</a:t>
+            </a:r>
+          </a:p>
+        </p:txBody>
+      </p:sp>
+      <p:graphicFrame>
+        <p:nvGraphicFramePr>
+          <p:cNvPr id="4" name="Таблица 4">
+            <a:extLst>
+              <a:ext uri="{FF2B5EF4-FFF2-40B4-BE49-F238E27FC236}">
+                <a16:creationId xmlns:a16="http://schemas.microsoft.com/office/drawing/2014/main" id="{C3219A58-7B4A-450E-8572-B3F021B1D2A5}"/>
+              </a:ext>
+            </a:extLst>
+          </p:cNvPr>
+          <p:cNvGraphicFramePr>
+            <a:graphicFrameLocks noGrp="1"/>
+          </p:cNvGraphicFramePr>
           <p:nvPr>
             <p:ph idx="1"/>
-          </p:nvPr>
-        </p:nvSpPr>
-        <p:spPr/>
-        <p:txBody>
-          <a:bodyPr/>
-          <a:lstStyle/>
-          <a:p>
-            <a:endParaRPr lang="uk-UA"/>
-          </a:p>
-        </p:txBody>
-      </p:sp>
+            <p:extLst>
+              <p:ext uri="{D42A27DB-BD31-4B8C-83A1-F6EECF244321}">
+                <p14:modId xmlns:p14="http://schemas.microsoft.com/office/powerpoint/2010/main" val="2424008535"/>
+              </p:ext>
+            </p:extLst>
+          </p:nvPr>
+        </p:nvGraphicFramePr>
+        <p:xfrm>
+          <a:off x="838200" y="1825625"/>
+          <a:ext cx="10515600" cy="3032760"/>
+        </p:xfrm>
+        <a:graphic>
+          <a:graphicData uri="http://schemas.openxmlformats.org/drawingml/2006/table">
+            <a:tbl>
+              <a:tblPr firstRow="1" bandRow="1">
+                <a:tableStyleId>{5C22544A-7EE6-4342-B048-85BDC9FD1C3A}</a:tableStyleId>
+              </a:tblPr>
+              <a:tblGrid>
+                <a:gridCol w="5257800">
+                  <a:extLst>
+                    <a:ext uri="{9D8B030D-6E8A-4147-A177-3AD203B41FA5}">
+                      <a16:colId xmlns:a16="http://schemas.microsoft.com/office/drawing/2014/main" val="3170782572"/>
+                    </a:ext>
+                  </a:extLst>
+                </a:gridCol>
+                <a:gridCol w="5257800">
+                  <a:extLst>
+                    <a:ext uri="{9D8B030D-6E8A-4147-A177-3AD203B41FA5}">
+                      <a16:colId xmlns:a16="http://schemas.microsoft.com/office/drawing/2014/main" val="3620583690"/>
+                    </a:ext>
+                  </a:extLst>
+                </a:gridCol>
+              </a:tblGrid>
+              <a:tr h="370840">
+                <a:tc gridSpan="2">
+                  <a:txBody>
+                    <a:bodyPr/>
+                    <a:lstStyle/>
+                    <a:p>
+                      <a:r>
+                        <a:rPr lang="uk-UA" dirty="0">
+                          <a:solidFill>
+                            <a:schemeClr val="tx1"/>
+                          </a:solidFill>
+                        </a:rPr>
+                        <a:t>Вимоги до зовнішніх інтерфейсів</a:t>
+                      </a:r>
+                    </a:p>
+                  </a:txBody>
+                  <a:tcPr>
+                    <a:lnL w="12700" cap="flat" cmpd="sng" algn="ctr">
+                      <a:solidFill>
+                        <a:schemeClr val="tx1"/>
+                      </a:solidFill>
+                      <a:prstDash val="solid"/>
+                      <a:round/>
+                      <a:headEnd type="none" w="med" len="med"/>
+                      <a:tailEnd type="none" w="med" len="med"/>
+                    </a:lnL>
+                    <a:lnR w="12700" cap="flat" cmpd="sng" algn="ctr">
+                      <a:solidFill>
+                        <a:schemeClr val="tx1"/>
+                      </a:solidFill>
+                      <a:prstDash val="solid"/>
+                      <a:round/>
+                      <a:headEnd type="none" w="med" len="med"/>
+                      <a:tailEnd type="none" w="med" len="med"/>
+                    </a:lnR>
+                    <a:lnT w="12700" cap="flat" cmpd="sng" algn="ctr">
+                      <a:solidFill>
+                        <a:schemeClr val="tx1"/>
+                      </a:solidFill>
+                      <a:prstDash val="solid"/>
+                      <a:round/>
+                      <a:headEnd type="none" w="med" len="med"/>
+                      <a:tailEnd type="none" w="med" len="med"/>
+                    </a:lnT>
+                    <a:lnB w="12700" cap="flat" cmpd="sng" algn="ctr">
+                      <a:solidFill>
+                        <a:schemeClr val="tx1"/>
+                      </a:solidFill>
+                      <a:prstDash val="solid"/>
+                      <a:round/>
+                      <a:headEnd type="none" w="med" len="med"/>
+                      <a:tailEnd type="none" w="med" len="med"/>
+                    </a:lnB>
+                    <a:lnTlToBr w="12700" cmpd="sng">
+                      <a:noFill/>
+                      <a:prstDash val="solid"/>
+                    </a:lnTlToBr>
+                    <a:lnBlToTr w="12700" cmpd="sng">
+                      <a:noFill/>
+                      <a:prstDash val="solid"/>
+                    </a:lnBlToTr>
+                    <a:solidFill>
+                      <a:schemeClr val="bg1"/>
+                    </a:solidFill>
+                  </a:tcPr>
+                </a:tc>
+                <a:tc hMerge="1">
+                  <a:txBody>
+                    <a:bodyPr/>
+                    <a:lstStyle/>
+                    <a:p>
+                      <a:endParaRPr lang="uk-UA" dirty="0"/>
+                    </a:p>
+                  </a:txBody>
+                  <a:tcPr/>
+                </a:tc>
+                <a:extLst>
+                  <a:ext uri="{0D108BD9-81ED-4DB2-BD59-A6C34878D82A}">
+                    <a16:rowId xmlns:a16="http://schemas.microsoft.com/office/drawing/2014/main" val="716675610"/>
+                  </a:ext>
+                </a:extLst>
+              </a:tr>
+              <a:tr h="370840">
+                <a:tc>
+                  <a:txBody>
+                    <a:bodyPr/>
+                    <a:lstStyle/>
+                    <a:p>
+                      <a:r>
+                        <a:rPr lang="uk-UA" sz="1800" kern="1200" dirty="0">
+                          <a:solidFill>
+                            <a:schemeClr val="dk1"/>
+                          </a:solidFill>
+                          <a:effectLst/>
+                          <a:latin typeface="+mn-lt"/>
+                          <a:ea typeface="+mn-ea"/>
+                          <a:cs typeface="+mn-cs"/>
+                        </a:rPr>
+                        <a:t>Інтерфейс користувача</a:t>
+                      </a:r>
+                      <a:endParaRPr lang="uk-UA" sz="1400" kern="1200" dirty="0">
+                        <a:solidFill>
+                          <a:schemeClr val="dk1"/>
+                        </a:solidFill>
+                        <a:effectLst/>
+                        <a:latin typeface="+mn-lt"/>
+                        <a:ea typeface="+mn-ea"/>
+                        <a:cs typeface="+mn-cs"/>
+                      </a:endParaRPr>
+                    </a:p>
+                    <a:p>
+                      <a:endParaRPr lang="uk-UA" dirty="0"/>
+                    </a:p>
+                  </a:txBody>
+                  <a:tcPr>
+                    <a:lnL w="12700" cap="flat" cmpd="sng" algn="ctr">
+                      <a:solidFill>
+                        <a:schemeClr val="tx1"/>
+                      </a:solidFill>
+                      <a:prstDash val="solid"/>
+                      <a:round/>
+                      <a:headEnd type="none" w="med" len="med"/>
+                      <a:tailEnd type="none" w="med" len="med"/>
+                    </a:lnL>
+                    <a:lnR w="12700" cap="flat" cmpd="sng" algn="ctr">
+                      <a:solidFill>
+                        <a:schemeClr val="tx1"/>
+                      </a:solidFill>
+                      <a:prstDash val="solid"/>
+                      <a:round/>
+                      <a:headEnd type="none" w="med" len="med"/>
+                      <a:tailEnd type="none" w="med" len="med"/>
+                    </a:lnR>
+                    <a:lnT w="12700" cap="flat" cmpd="sng" algn="ctr">
+                      <a:solidFill>
+                        <a:schemeClr val="tx1"/>
+                      </a:solidFill>
+                      <a:prstDash val="solid"/>
+                      <a:round/>
+                      <a:headEnd type="none" w="med" len="med"/>
+                      <a:tailEnd type="none" w="med" len="med"/>
+                    </a:lnT>
+                    <a:lnB w="12700" cap="flat" cmpd="sng" algn="ctr">
+                      <a:solidFill>
+                        <a:schemeClr val="tx1"/>
+                      </a:solidFill>
+                      <a:prstDash val="solid"/>
+                      <a:round/>
+                      <a:headEnd type="none" w="med" len="med"/>
+                      <a:tailEnd type="none" w="med" len="med"/>
+                    </a:lnB>
+                    <a:lnTlToBr w="12700" cmpd="sng">
+                      <a:noFill/>
+                      <a:prstDash val="solid"/>
+                    </a:lnTlToBr>
+                    <a:lnBlToTr w="12700" cmpd="sng">
+                      <a:noFill/>
+                      <a:prstDash val="solid"/>
+                    </a:lnBlToTr>
+                    <a:solidFill>
+                      <a:schemeClr val="bg1"/>
+                    </a:solidFill>
+                  </a:tcPr>
+                </a:tc>
+                <a:tc>
+                  <a:txBody>
+                    <a:bodyPr/>
+                    <a:lstStyle/>
+                    <a:p>
+                      <a:r>
+                        <a:rPr lang="en-US" sz="1800" kern="1200" dirty="0">
+                          <a:solidFill>
+                            <a:schemeClr val="dk1"/>
+                          </a:solidFill>
+                          <a:effectLst/>
+                          <a:latin typeface="+mn-lt"/>
+                          <a:ea typeface="+mn-ea"/>
+                          <a:cs typeface="+mn-cs"/>
+                        </a:rPr>
+                        <a:t>GUI, WUI</a:t>
+                      </a:r>
+                      <a:endParaRPr lang="uk-UA" dirty="0"/>
+                    </a:p>
+                  </a:txBody>
+                  <a:tcPr>
+                    <a:lnL w="12700" cap="flat" cmpd="sng" algn="ctr">
+                      <a:solidFill>
+                        <a:schemeClr val="tx1"/>
+                      </a:solidFill>
+                      <a:prstDash val="solid"/>
+                      <a:round/>
+                      <a:headEnd type="none" w="med" len="med"/>
+                      <a:tailEnd type="none" w="med" len="med"/>
+                    </a:lnL>
+                    <a:lnR w="12700" cap="flat" cmpd="sng" algn="ctr">
+                      <a:solidFill>
+                        <a:schemeClr val="tx1"/>
+                      </a:solidFill>
+                      <a:prstDash val="solid"/>
+                      <a:round/>
+                      <a:headEnd type="none" w="med" len="med"/>
+                      <a:tailEnd type="none" w="med" len="med"/>
+                    </a:lnR>
+                    <a:lnT w="12700" cap="flat" cmpd="sng" algn="ctr">
+                      <a:solidFill>
+                        <a:schemeClr val="tx1"/>
+                      </a:solidFill>
+                      <a:prstDash val="solid"/>
+                      <a:round/>
+                      <a:headEnd type="none" w="med" len="med"/>
+                      <a:tailEnd type="none" w="med" len="med"/>
+                    </a:lnT>
+                    <a:lnB w="12700" cap="flat" cmpd="sng" algn="ctr">
+                      <a:solidFill>
+                        <a:schemeClr val="tx1"/>
+                      </a:solidFill>
+                      <a:prstDash val="solid"/>
+                      <a:round/>
+                      <a:headEnd type="none" w="med" len="med"/>
+                      <a:tailEnd type="none" w="med" len="med"/>
+                    </a:lnB>
+                    <a:lnTlToBr w="12700" cmpd="sng">
+                      <a:noFill/>
+                      <a:prstDash val="solid"/>
+                    </a:lnTlToBr>
+                    <a:lnBlToTr w="12700" cmpd="sng">
+                      <a:noFill/>
+                      <a:prstDash val="solid"/>
+                    </a:lnBlToTr>
+                    <a:solidFill>
+                      <a:schemeClr val="bg1"/>
+                    </a:solidFill>
+                  </a:tcPr>
+                </a:tc>
+                <a:extLst>
+                  <a:ext uri="{0D108BD9-81ED-4DB2-BD59-A6C34878D82A}">
+                    <a16:rowId xmlns:a16="http://schemas.microsoft.com/office/drawing/2014/main" val="1092088456"/>
+                  </a:ext>
+                </a:extLst>
+              </a:tr>
+              <a:tr h="370840">
+                <a:tc>
+                  <a:txBody>
+                    <a:bodyPr/>
+                    <a:lstStyle/>
+                    <a:p>
+                      <a:r>
+                        <a:rPr lang="uk-UA" sz="1800" kern="1200" dirty="0">
+                          <a:solidFill>
+                            <a:schemeClr val="dk1"/>
+                          </a:solidFill>
+                          <a:effectLst/>
+                          <a:latin typeface="+mn-lt"/>
+                          <a:ea typeface="+mn-ea"/>
+                          <a:cs typeface="+mn-cs"/>
+                        </a:rPr>
+                        <a:t>Апаратний інтерфейс</a:t>
+                      </a:r>
+                      <a:endParaRPr lang="uk-UA" dirty="0"/>
+                    </a:p>
+                  </a:txBody>
+                  <a:tcPr>
+                    <a:lnL w="12700" cap="flat" cmpd="sng" algn="ctr">
+                      <a:solidFill>
+                        <a:schemeClr val="tx1"/>
+                      </a:solidFill>
+                      <a:prstDash val="solid"/>
+                      <a:round/>
+                      <a:headEnd type="none" w="med" len="med"/>
+                      <a:tailEnd type="none" w="med" len="med"/>
+                    </a:lnL>
+                    <a:lnR w="12700" cap="flat" cmpd="sng" algn="ctr">
+                      <a:solidFill>
+                        <a:schemeClr val="tx1"/>
+                      </a:solidFill>
+                      <a:prstDash val="solid"/>
+                      <a:round/>
+                      <a:headEnd type="none" w="med" len="med"/>
+                      <a:tailEnd type="none" w="med" len="med"/>
+                    </a:lnR>
+                    <a:lnT w="12700" cap="flat" cmpd="sng" algn="ctr">
+                      <a:solidFill>
+                        <a:schemeClr val="tx1"/>
+                      </a:solidFill>
+                      <a:prstDash val="solid"/>
+                      <a:round/>
+                      <a:headEnd type="none" w="med" len="med"/>
+                      <a:tailEnd type="none" w="med" len="med"/>
+                    </a:lnT>
+                    <a:lnB w="12700" cap="flat" cmpd="sng" algn="ctr">
+                      <a:solidFill>
+                        <a:schemeClr val="tx1"/>
+                      </a:solidFill>
+                      <a:prstDash val="solid"/>
+                      <a:round/>
+                      <a:headEnd type="none" w="med" len="med"/>
+                      <a:tailEnd type="none" w="med" len="med"/>
+                    </a:lnB>
+                    <a:lnTlToBr w="12700" cmpd="sng">
+                      <a:noFill/>
+                      <a:prstDash val="solid"/>
+                    </a:lnTlToBr>
+                    <a:lnBlToTr w="12700" cmpd="sng">
+                      <a:noFill/>
+                      <a:prstDash val="solid"/>
+                    </a:lnBlToTr>
+                    <a:solidFill>
+                      <a:schemeClr val="bg1"/>
+                    </a:solidFill>
+                  </a:tcPr>
+                </a:tc>
+                <a:tc>
+                  <a:txBody>
+                    <a:bodyPr/>
+                    <a:lstStyle/>
+                    <a:p>
+                      <a:pPr marL="0" marR="0" lvl="0" indent="0" algn="l" defTabSz="914400" rtl="0" eaLnBrk="1" fontAlgn="auto" latinLnBrk="0" hangingPunct="1">
+                        <a:lnSpc>
+                          <a:spcPct val="100000"/>
+                        </a:lnSpc>
+                        <a:spcBef>
+                          <a:spcPts val="0"/>
+                        </a:spcBef>
+                        <a:spcAft>
+                          <a:spcPts val="0"/>
+                        </a:spcAft>
+                        <a:buClrTx/>
+                        <a:buSzTx/>
+                        <a:buFontTx/>
+                        <a:buNone/>
+                        <a:tabLst/>
+                        <a:defRPr/>
+                      </a:pPr>
+                      <a:r>
+                        <a:rPr lang="uk-UA" sz="1800" kern="1200" dirty="0">
+                          <a:solidFill>
+                            <a:schemeClr val="dk1"/>
+                          </a:solidFill>
+                          <a:effectLst/>
+                          <a:latin typeface="+mn-lt"/>
+                          <a:ea typeface="+mn-ea"/>
+                          <a:cs typeface="+mn-cs"/>
+                        </a:rPr>
+                        <a:t>не </a:t>
+                      </a:r>
+                      <a:r>
+                        <a:rPr lang="uk-UA" sz="1800" kern="1200" dirty="0" err="1">
+                          <a:solidFill>
+                            <a:schemeClr val="dk1"/>
+                          </a:solidFill>
+                          <a:effectLst/>
+                          <a:latin typeface="+mn-lt"/>
+                          <a:ea typeface="+mn-ea"/>
+                          <a:cs typeface="+mn-cs"/>
+                        </a:rPr>
+                        <a:t>уточнюється</a:t>
+                      </a:r>
+                      <a:r>
+                        <a:rPr lang="uk-UA" sz="1800" kern="1200" dirty="0">
+                          <a:solidFill>
+                            <a:schemeClr val="dk1"/>
+                          </a:solidFill>
+                          <a:effectLst/>
+                          <a:latin typeface="+mn-lt"/>
+                          <a:ea typeface="+mn-ea"/>
+                          <a:cs typeface="+mn-cs"/>
+                        </a:rPr>
+                        <a:t>, стандартний.</a:t>
+                      </a:r>
+                      <a:endParaRPr lang="uk-UA" sz="1400" kern="1200" dirty="0">
+                        <a:solidFill>
+                          <a:schemeClr val="dk1"/>
+                        </a:solidFill>
+                        <a:effectLst/>
+                        <a:latin typeface="+mn-lt"/>
+                        <a:ea typeface="+mn-ea"/>
+                        <a:cs typeface="+mn-cs"/>
+                      </a:endParaRPr>
+                    </a:p>
+                    <a:p>
+                      <a:endParaRPr lang="uk-UA" dirty="0"/>
+                    </a:p>
+                  </a:txBody>
+                  <a:tcPr>
+                    <a:lnL w="12700" cap="flat" cmpd="sng" algn="ctr">
+                      <a:solidFill>
+                        <a:schemeClr val="tx1"/>
+                      </a:solidFill>
+                      <a:prstDash val="solid"/>
+                      <a:round/>
+                      <a:headEnd type="none" w="med" len="med"/>
+                      <a:tailEnd type="none" w="med" len="med"/>
+                    </a:lnL>
+                    <a:lnR w="12700" cap="flat" cmpd="sng" algn="ctr">
+                      <a:solidFill>
+                        <a:schemeClr val="tx1"/>
+                      </a:solidFill>
+                      <a:prstDash val="solid"/>
+                      <a:round/>
+                      <a:headEnd type="none" w="med" len="med"/>
+                      <a:tailEnd type="none" w="med" len="med"/>
+                    </a:lnR>
+                    <a:lnT w="12700" cap="flat" cmpd="sng" algn="ctr">
+                      <a:solidFill>
+                        <a:schemeClr val="tx1"/>
+                      </a:solidFill>
+                      <a:prstDash val="solid"/>
+                      <a:round/>
+                      <a:headEnd type="none" w="med" len="med"/>
+                      <a:tailEnd type="none" w="med" len="med"/>
+                    </a:lnT>
+                    <a:lnB w="12700" cap="flat" cmpd="sng" algn="ctr">
+                      <a:solidFill>
+                        <a:schemeClr val="tx1"/>
+                      </a:solidFill>
+                      <a:prstDash val="solid"/>
+                      <a:round/>
+                      <a:headEnd type="none" w="med" len="med"/>
+                      <a:tailEnd type="none" w="med" len="med"/>
+                    </a:lnB>
+                    <a:lnTlToBr w="12700" cmpd="sng">
+                      <a:noFill/>
+                      <a:prstDash val="solid"/>
+                    </a:lnTlToBr>
+                    <a:lnBlToTr w="12700" cmpd="sng">
+                      <a:noFill/>
+                      <a:prstDash val="solid"/>
+                    </a:lnBlToTr>
+                    <a:solidFill>
+                      <a:schemeClr val="bg1"/>
+                    </a:solidFill>
+                  </a:tcPr>
+                </a:tc>
+                <a:extLst>
+                  <a:ext uri="{0D108BD9-81ED-4DB2-BD59-A6C34878D82A}">
+                    <a16:rowId xmlns:a16="http://schemas.microsoft.com/office/drawing/2014/main" val="3053781657"/>
+                  </a:ext>
+                </a:extLst>
+              </a:tr>
+              <a:tr h="370840">
+                <a:tc>
+                  <a:txBody>
+                    <a:bodyPr/>
+                    <a:lstStyle/>
+                    <a:p>
+                      <a:r>
+                        <a:rPr lang="uk-UA" sz="1800" kern="1200" dirty="0">
+                          <a:solidFill>
+                            <a:schemeClr val="dk1"/>
+                          </a:solidFill>
+                          <a:effectLst/>
+                          <a:latin typeface="+mn-lt"/>
+                          <a:ea typeface="+mn-ea"/>
+                          <a:cs typeface="+mn-cs"/>
+                        </a:rPr>
+                        <a:t>Програмний інтерфейс</a:t>
+                      </a:r>
+                      <a:endParaRPr lang="uk-UA" dirty="0"/>
+                    </a:p>
+                  </a:txBody>
+                  <a:tcPr>
+                    <a:lnL w="12700" cap="flat" cmpd="sng" algn="ctr">
+                      <a:solidFill>
+                        <a:schemeClr val="tx1"/>
+                      </a:solidFill>
+                      <a:prstDash val="solid"/>
+                      <a:round/>
+                      <a:headEnd type="none" w="med" len="med"/>
+                      <a:tailEnd type="none" w="med" len="med"/>
+                    </a:lnL>
+                    <a:lnR w="12700" cap="flat" cmpd="sng" algn="ctr">
+                      <a:solidFill>
+                        <a:schemeClr val="tx1"/>
+                      </a:solidFill>
+                      <a:prstDash val="solid"/>
+                      <a:round/>
+                      <a:headEnd type="none" w="med" len="med"/>
+                      <a:tailEnd type="none" w="med" len="med"/>
+                    </a:lnR>
+                    <a:lnT w="12700" cap="flat" cmpd="sng" algn="ctr">
+                      <a:solidFill>
+                        <a:schemeClr val="tx1"/>
+                      </a:solidFill>
+                      <a:prstDash val="solid"/>
+                      <a:round/>
+                      <a:headEnd type="none" w="med" len="med"/>
+                      <a:tailEnd type="none" w="med" len="med"/>
+                    </a:lnT>
+                    <a:lnB w="12700" cap="flat" cmpd="sng" algn="ctr">
+                      <a:solidFill>
+                        <a:schemeClr val="tx1"/>
+                      </a:solidFill>
+                      <a:prstDash val="solid"/>
+                      <a:round/>
+                      <a:headEnd type="none" w="med" len="med"/>
+                      <a:tailEnd type="none" w="med" len="med"/>
+                    </a:lnB>
+                    <a:lnTlToBr w="12700" cmpd="sng">
+                      <a:noFill/>
+                      <a:prstDash val="solid"/>
+                    </a:lnTlToBr>
+                    <a:lnBlToTr w="12700" cmpd="sng">
+                      <a:noFill/>
+                      <a:prstDash val="solid"/>
+                    </a:lnBlToTr>
+                    <a:solidFill>
+                      <a:schemeClr val="bg1"/>
+                    </a:solidFill>
+                  </a:tcPr>
+                </a:tc>
+                <a:tc>
+                  <a:txBody>
+                    <a:bodyPr/>
+                    <a:lstStyle/>
+                    <a:p>
+                      <a:pPr marL="0" marR="0" lvl="0" indent="0" algn="l" defTabSz="914400" rtl="0" eaLnBrk="1" fontAlgn="auto" latinLnBrk="0" hangingPunct="1">
+                        <a:lnSpc>
+                          <a:spcPct val="100000"/>
+                        </a:lnSpc>
+                        <a:spcBef>
+                          <a:spcPts val="0"/>
+                        </a:spcBef>
+                        <a:spcAft>
+                          <a:spcPts val="0"/>
+                        </a:spcAft>
+                        <a:buClrTx/>
+                        <a:buSzTx/>
+                        <a:buFontTx/>
+                        <a:buNone/>
+                        <a:tabLst/>
+                        <a:defRPr/>
+                      </a:pPr>
+                      <a:r>
+                        <a:rPr lang="en-US" sz="1800" kern="1200" dirty="0">
+                          <a:solidFill>
+                            <a:schemeClr val="dk1"/>
+                          </a:solidFill>
+                          <a:effectLst/>
+                          <a:latin typeface="+mn-lt"/>
+                          <a:ea typeface="+mn-ea"/>
+                          <a:cs typeface="+mn-cs"/>
+                        </a:rPr>
+                        <a:t>API </a:t>
+                      </a:r>
+                      <a:r>
+                        <a:rPr lang="uk-UA" sz="1800" kern="1200" dirty="0">
+                          <a:solidFill>
+                            <a:schemeClr val="dk1"/>
+                          </a:solidFill>
+                          <a:effectLst/>
+                          <a:latin typeface="+mn-lt"/>
+                          <a:ea typeface="+mn-ea"/>
+                          <a:cs typeface="+mn-cs"/>
+                        </a:rPr>
+                        <a:t>віддалених серверів</a:t>
+                      </a:r>
+                      <a:r>
+                        <a:rPr lang="ru-RU" sz="1800" kern="1200" dirty="0">
+                          <a:solidFill>
+                            <a:schemeClr val="dk1"/>
+                          </a:solidFill>
+                          <a:effectLst/>
+                          <a:latin typeface="+mn-lt"/>
+                          <a:ea typeface="+mn-ea"/>
+                          <a:cs typeface="+mn-cs"/>
+                        </a:rPr>
+                        <a:t>, </a:t>
+                      </a:r>
+                      <a:r>
+                        <a:rPr lang="en-US" sz="1800" kern="1200" dirty="0">
+                          <a:solidFill>
+                            <a:schemeClr val="dk1"/>
+                          </a:solidFill>
+                          <a:effectLst/>
+                          <a:latin typeface="+mn-lt"/>
+                          <a:ea typeface="+mn-ea"/>
+                          <a:cs typeface="+mn-cs"/>
+                        </a:rPr>
+                        <a:t>Win</a:t>
+                      </a:r>
+                      <a:r>
+                        <a:rPr lang="ru-RU" sz="1800" kern="1200" dirty="0">
+                          <a:solidFill>
+                            <a:schemeClr val="dk1"/>
+                          </a:solidFill>
+                          <a:effectLst/>
+                          <a:latin typeface="+mn-lt"/>
+                          <a:ea typeface="+mn-ea"/>
+                          <a:cs typeface="+mn-cs"/>
+                        </a:rPr>
+                        <a:t>32</a:t>
+                      </a:r>
+                      <a:r>
+                        <a:rPr lang="uk-UA" sz="1800" kern="1200" dirty="0">
+                          <a:solidFill>
+                            <a:schemeClr val="dk1"/>
+                          </a:solidFill>
+                          <a:effectLst/>
+                          <a:latin typeface="+mn-lt"/>
+                          <a:ea typeface="+mn-ea"/>
+                          <a:cs typeface="+mn-cs"/>
+                        </a:rPr>
+                        <a:t>.</a:t>
+                      </a:r>
+                      <a:endParaRPr lang="uk-UA" sz="1400" kern="1200" dirty="0">
+                        <a:solidFill>
+                          <a:schemeClr val="dk1"/>
+                        </a:solidFill>
+                        <a:effectLst/>
+                        <a:latin typeface="+mn-lt"/>
+                        <a:ea typeface="+mn-ea"/>
+                        <a:cs typeface="+mn-cs"/>
+                      </a:endParaRPr>
+                    </a:p>
+                    <a:p>
+                      <a:endParaRPr lang="uk-UA" dirty="0"/>
+                    </a:p>
+                  </a:txBody>
+                  <a:tcPr>
+                    <a:lnL w="12700" cap="flat" cmpd="sng" algn="ctr">
+                      <a:solidFill>
+                        <a:schemeClr val="tx1"/>
+                      </a:solidFill>
+                      <a:prstDash val="solid"/>
+                      <a:round/>
+                      <a:headEnd type="none" w="med" len="med"/>
+                      <a:tailEnd type="none" w="med" len="med"/>
+                    </a:lnL>
+                    <a:lnR w="12700" cap="flat" cmpd="sng" algn="ctr">
+                      <a:solidFill>
+                        <a:schemeClr val="tx1"/>
+                      </a:solidFill>
+                      <a:prstDash val="solid"/>
+                      <a:round/>
+                      <a:headEnd type="none" w="med" len="med"/>
+                      <a:tailEnd type="none" w="med" len="med"/>
+                    </a:lnR>
+                    <a:lnT w="12700" cap="flat" cmpd="sng" algn="ctr">
+                      <a:solidFill>
+                        <a:schemeClr val="tx1"/>
+                      </a:solidFill>
+                      <a:prstDash val="solid"/>
+                      <a:round/>
+                      <a:headEnd type="none" w="med" len="med"/>
+                      <a:tailEnd type="none" w="med" len="med"/>
+                    </a:lnT>
+                    <a:lnB w="12700" cap="flat" cmpd="sng" algn="ctr">
+                      <a:solidFill>
+                        <a:schemeClr val="tx1"/>
+                      </a:solidFill>
+                      <a:prstDash val="solid"/>
+                      <a:round/>
+                      <a:headEnd type="none" w="med" len="med"/>
+                      <a:tailEnd type="none" w="med" len="med"/>
+                    </a:lnB>
+                    <a:lnTlToBr w="12700" cmpd="sng">
+                      <a:noFill/>
+                      <a:prstDash val="solid"/>
+                    </a:lnTlToBr>
+                    <a:lnBlToTr w="12700" cmpd="sng">
+                      <a:noFill/>
+                      <a:prstDash val="solid"/>
+                    </a:lnBlToTr>
+                    <a:solidFill>
+                      <a:schemeClr val="bg1"/>
+                    </a:solidFill>
+                  </a:tcPr>
+                </a:tc>
+                <a:extLst>
+                  <a:ext uri="{0D108BD9-81ED-4DB2-BD59-A6C34878D82A}">
+                    <a16:rowId xmlns:a16="http://schemas.microsoft.com/office/drawing/2014/main" val="3035579893"/>
+                  </a:ext>
+                </a:extLst>
+              </a:tr>
+              <a:tr h="370840">
+                <a:tc>
+                  <a:txBody>
+                    <a:bodyPr/>
+                    <a:lstStyle/>
+                    <a:p>
+                      <a:r>
+                        <a:rPr lang="uk-UA" sz="1800" kern="1200" dirty="0">
+                          <a:solidFill>
+                            <a:schemeClr val="dk1"/>
+                          </a:solidFill>
+                          <a:effectLst/>
+                          <a:latin typeface="+mn-lt"/>
+                          <a:ea typeface="+mn-ea"/>
+                          <a:cs typeface="+mn-cs"/>
+                        </a:rPr>
+                        <a:t>Комунікаційний протокол</a:t>
+                      </a:r>
+                      <a:r>
+                        <a:rPr lang="uk-UA" sz="1800" b="1" kern="1200" dirty="0">
+                          <a:solidFill>
+                            <a:schemeClr val="dk1"/>
+                          </a:solidFill>
+                          <a:effectLst/>
+                          <a:latin typeface="+mn-lt"/>
+                          <a:ea typeface="+mn-ea"/>
+                          <a:cs typeface="+mn-cs"/>
+                        </a:rPr>
+                        <a:t>:</a:t>
+                      </a:r>
+                      <a:r>
+                        <a:rPr lang="uk-UA" sz="1800" kern="1200" dirty="0">
+                          <a:solidFill>
+                            <a:schemeClr val="dk1"/>
+                          </a:solidFill>
+                          <a:effectLst/>
+                          <a:latin typeface="+mn-lt"/>
+                          <a:ea typeface="+mn-ea"/>
+                          <a:cs typeface="+mn-cs"/>
+                        </a:rPr>
+                        <a:t> </a:t>
+                      </a:r>
+                      <a:endParaRPr lang="uk-UA" dirty="0"/>
+                    </a:p>
+                  </a:txBody>
+                  <a:tcPr>
+                    <a:lnL w="12700" cap="flat" cmpd="sng" algn="ctr">
+                      <a:solidFill>
+                        <a:schemeClr val="tx1"/>
+                      </a:solidFill>
+                      <a:prstDash val="solid"/>
+                      <a:round/>
+                      <a:headEnd type="none" w="med" len="med"/>
+                      <a:tailEnd type="none" w="med" len="med"/>
+                    </a:lnL>
+                    <a:lnR w="12700" cap="flat" cmpd="sng" algn="ctr">
+                      <a:solidFill>
+                        <a:schemeClr val="tx1"/>
+                      </a:solidFill>
+                      <a:prstDash val="solid"/>
+                      <a:round/>
+                      <a:headEnd type="none" w="med" len="med"/>
+                      <a:tailEnd type="none" w="med" len="med"/>
+                    </a:lnR>
+                    <a:lnT w="12700" cap="flat" cmpd="sng" algn="ctr">
+                      <a:solidFill>
+                        <a:schemeClr val="tx1"/>
+                      </a:solidFill>
+                      <a:prstDash val="solid"/>
+                      <a:round/>
+                      <a:headEnd type="none" w="med" len="med"/>
+                      <a:tailEnd type="none" w="med" len="med"/>
+                    </a:lnT>
+                    <a:lnB w="12700" cap="flat" cmpd="sng" algn="ctr">
+                      <a:solidFill>
+                        <a:schemeClr val="tx1"/>
+                      </a:solidFill>
+                      <a:prstDash val="solid"/>
+                      <a:round/>
+                      <a:headEnd type="none" w="med" len="med"/>
+                      <a:tailEnd type="none" w="med" len="med"/>
+                    </a:lnB>
+                    <a:lnTlToBr w="12700" cmpd="sng">
+                      <a:noFill/>
+                      <a:prstDash val="solid"/>
+                    </a:lnTlToBr>
+                    <a:lnBlToTr w="12700" cmpd="sng">
+                      <a:noFill/>
+                      <a:prstDash val="solid"/>
+                    </a:lnBlToTr>
+                    <a:solidFill>
+                      <a:schemeClr val="bg1"/>
+                    </a:solidFill>
+                  </a:tcPr>
+                </a:tc>
+                <a:tc>
+                  <a:txBody>
+                    <a:bodyPr/>
+                    <a:lstStyle/>
+                    <a:p>
+                      <a:r>
+                        <a:rPr lang="en-US" sz="1800" kern="1200" dirty="0">
+                          <a:solidFill>
+                            <a:schemeClr val="dk1"/>
+                          </a:solidFill>
+                          <a:effectLst/>
+                          <a:latin typeface="+mn-lt"/>
+                          <a:ea typeface="+mn-ea"/>
+                          <a:cs typeface="+mn-cs"/>
+                        </a:rPr>
+                        <a:t>HTTPS</a:t>
+                      </a:r>
+                      <a:r>
+                        <a:rPr lang="uk-UA" sz="1800" kern="1200" dirty="0">
+                          <a:solidFill>
+                            <a:schemeClr val="dk1"/>
+                          </a:solidFill>
+                          <a:effectLst/>
+                          <a:latin typeface="+mn-lt"/>
+                          <a:ea typeface="+mn-ea"/>
+                          <a:cs typeface="+mn-cs"/>
+                        </a:rPr>
+                        <a:t>.</a:t>
+                      </a:r>
+                      <a:endParaRPr lang="uk-UA" dirty="0"/>
+                    </a:p>
+                  </a:txBody>
+                  <a:tcPr>
+                    <a:lnL w="12700" cap="flat" cmpd="sng" algn="ctr">
+                      <a:solidFill>
+                        <a:schemeClr val="tx1"/>
+                      </a:solidFill>
+                      <a:prstDash val="solid"/>
+                      <a:round/>
+                      <a:headEnd type="none" w="med" len="med"/>
+                      <a:tailEnd type="none" w="med" len="med"/>
+                    </a:lnL>
+                    <a:lnR w="12700" cap="flat" cmpd="sng" algn="ctr">
+                      <a:solidFill>
+                        <a:schemeClr val="tx1"/>
+                      </a:solidFill>
+                      <a:prstDash val="solid"/>
+                      <a:round/>
+                      <a:headEnd type="none" w="med" len="med"/>
+                      <a:tailEnd type="none" w="med" len="med"/>
+                    </a:lnR>
+                    <a:lnT w="12700" cap="flat" cmpd="sng" algn="ctr">
+                      <a:solidFill>
+                        <a:schemeClr val="tx1"/>
+                      </a:solidFill>
+                      <a:prstDash val="solid"/>
+                      <a:round/>
+                      <a:headEnd type="none" w="med" len="med"/>
+                      <a:tailEnd type="none" w="med" len="med"/>
+                    </a:lnT>
+                    <a:lnB w="12700" cap="flat" cmpd="sng" algn="ctr">
+                      <a:solidFill>
+                        <a:schemeClr val="tx1"/>
+                      </a:solidFill>
+                      <a:prstDash val="solid"/>
+                      <a:round/>
+                      <a:headEnd type="none" w="med" len="med"/>
+                      <a:tailEnd type="none" w="med" len="med"/>
+                    </a:lnB>
+                    <a:lnTlToBr w="12700" cmpd="sng">
+                      <a:noFill/>
+                      <a:prstDash val="solid"/>
+                    </a:lnTlToBr>
+                    <a:lnBlToTr w="12700" cmpd="sng">
+                      <a:noFill/>
+                      <a:prstDash val="solid"/>
+                    </a:lnBlToTr>
+                    <a:solidFill>
+                      <a:schemeClr val="bg1"/>
+                    </a:solidFill>
+                  </a:tcPr>
+                </a:tc>
+                <a:extLst>
+                  <a:ext uri="{0D108BD9-81ED-4DB2-BD59-A6C34878D82A}">
+                    <a16:rowId xmlns:a16="http://schemas.microsoft.com/office/drawing/2014/main" val="3570979964"/>
+                  </a:ext>
+                </a:extLst>
+              </a:tr>
+              <a:tr h="370840">
+                <a:tc>
+                  <a:txBody>
+                    <a:bodyPr/>
+                    <a:lstStyle/>
+                    <a:p>
+                      <a:r>
+                        <a:rPr lang="uk-UA" sz="1800" kern="1200" dirty="0">
+                          <a:solidFill>
+                            <a:schemeClr val="dk1"/>
+                          </a:solidFill>
+                          <a:effectLst/>
+                          <a:latin typeface="+mn-lt"/>
+                          <a:ea typeface="+mn-ea"/>
+                          <a:cs typeface="+mn-cs"/>
+                        </a:rPr>
+                        <a:t>Обмеження пам’яті</a:t>
+                      </a:r>
+                      <a:endParaRPr lang="uk-UA" dirty="0"/>
+                    </a:p>
+                  </a:txBody>
+                  <a:tcPr>
+                    <a:lnL w="12700" cap="flat" cmpd="sng" algn="ctr">
+                      <a:solidFill>
+                        <a:schemeClr val="tx1"/>
+                      </a:solidFill>
+                      <a:prstDash val="solid"/>
+                      <a:round/>
+                      <a:headEnd type="none" w="med" len="med"/>
+                      <a:tailEnd type="none" w="med" len="med"/>
+                    </a:lnL>
+                    <a:lnR w="12700" cap="flat" cmpd="sng" algn="ctr">
+                      <a:solidFill>
+                        <a:schemeClr val="tx1"/>
+                      </a:solidFill>
+                      <a:prstDash val="solid"/>
+                      <a:round/>
+                      <a:headEnd type="none" w="med" len="med"/>
+                      <a:tailEnd type="none" w="med" len="med"/>
+                    </a:lnR>
+                    <a:lnT w="12700" cap="flat" cmpd="sng" algn="ctr">
+                      <a:solidFill>
+                        <a:schemeClr val="tx1"/>
+                      </a:solidFill>
+                      <a:prstDash val="solid"/>
+                      <a:round/>
+                      <a:headEnd type="none" w="med" len="med"/>
+                      <a:tailEnd type="none" w="med" len="med"/>
+                    </a:lnT>
+                    <a:lnB w="12700" cap="flat" cmpd="sng" algn="ctr">
+                      <a:solidFill>
+                        <a:schemeClr val="tx1"/>
+                      </a:solidFill>
+                      <a:prstDash val="solid"/>
+                      <a:round/>
+                      <a:headEnd type="none" w="med" len="med"/>
+                      <a:tailEnd type="none" w="med" len="med"/>
+                    </a:lnB>
+                    <a:lnTlToBr w="12700" cmpd="sng">
+                      <a:noFill/>
+                      <a:prstDash val="solid"/>
+                    </a:lnTlToBr>
+                    <a:lnBlToTr w="12700" cmpd="sng">
+                      <a:noFill/>
+                      <a:prstDash val="solid"/>
+                    </a:lnBlToTr>
+                    <a:solidFill>
+                      <a:schemeClr val="bg1"/>
+                    </a:solidFill>
+                  </a:tcPr>
+                </a:tc>
+                <a:tc>
+                  <a:txBody>
+                    <a:bodyPr/>
+                    <a:lstStyle/>
+                    <a:p>
+                      <a:endParaRPr lang="uk-UA" dirty="0"/>
+                    </a:p>
+                  </a:txBody>
+                  <a:tcPr>
+                    <a:lnL w="12700" cap="flat" cmpd="sng" algn="ctr">
+                      <a:solidFill>
+                        <a:schemeClr val="tx1"/>
+                      </a:solidFill>
+                      <a:prstDash val="solid"/>
+                      <a:round/>
+                      <a:headEnd type="none" w="med" len="med"/>
+                      <a:tailEnd type="none" w="med" len="med"/>
+                    </a:lnL>
+                    <a:lnR w="12700" cap="flat" cmpd="sng" algn="ctr">
+                      <a:solidFill>
+                        <a:schemeClr val="tx1"/>
+                      </a:solidFill>
+                      <a:prstDash val="solid"/>
+                      <a:round/>
+                      <a:headEnd type="none" w="med" len="med"/>
+                      <a:tailEnd type="none" w="med" len="med"/>
+                    </a:lnR>
+                    <a:lnT w="12700" cap="flat" cmpd="sng" algn="ctr">
+                      <a:solidFill>
+                        <a:schemeClr val="tx1"/>
+                      </a:solidFill>
+                      <a:prstDash val="solid"/>
+                      <a:round/>
+                      <a:headEnd type="none" w="med" len="med"/>
+                      <a:tailEnd type="none" w="med" len="med"/>
+                    </a:lnT>
+                    <a:lnB w="12700" cap="flat" cmpd="sng" algn="ctr">
+                      <a:solidFill>
+                        <a:schemeClr val="tx1"/>
+                      </a:solidFill>
+                      <a:prstDash val="solid"/>
+                      <a:round/>
+                      <a:headEnd type="none" w="med" len="med"/>
+                      <a:tailEnd type="none" w="med" len="med"/>
+                    </a:lnB>
+                    <a:lnTlToBr w="12700" cmpd="sng">
+                      <a:noFill/>
+                      <a:prstDash val="solid"/>
+                    </a:lnTlToBr>
+                    <a:lnBlToTr w="12700" cmpd="sng">
+                      <a:noFill/>
+                      <a:prstDash val="solid"/>
+                    </a:lnBlToTr>
+                    <a:solidFill>
+                      <a:schemeClr val="bg1"/>
+                    </a:solidFill>
+                  </a:tcPr>
+                </a:tc>
+                <a:extLst>
+                  <a:ext uri="{0D108BD9-81ED-4DB2-BD59-A6C34878D82A}">
+                    <a16:rowId xmlns:a16="http://schemas.microsoft.com/office/drawing/2014/main" val="2675136757"/>
+                  </a:ext>
+                </a:extLst>
+              </a:tr>
+            </a:tbl>
+          </a:graphicData>
+        </a:graphic>
+      </p:graphicFrame>
     </p:spTree>
     <p:extLst>
       <p:ext uri="{BB962C8B-B14F-4D97-AF65-F5344CB8AC3E}">
@@ -5811,7 +6832,10 @@
           <a:bodyPr/>
           <a:lstStyle/>
           <a:p>
-            <a:endParaRPr lang="uk-UA"/>
+            <a:r>
+              <a:rPr lang="uk-UA" b="1" dirty="0"/>
+              <a:t>Функціональні вимоги: атрибути</a:t>
+            </a:r>
           </a:p>
         </p:txBody>
       </p:sp>

--- a/elektronna_kafedra.pptx
+++ b/elektronna_kafedra.pptx
@@ -8,15 +8,16 @@
     <p:sldId id="256" r:id="rId2"/>
     <p:sldId id="257" r:id="rId3"/>
     <p:sldId id="258" r:id="rId4"/>
-    <p:sldId id="261" r:id="rId5"/>
-    <p:sldId id="262" r:id="rId6"/>
-    <p:sldId id="259" r:id="rId7"/>
-    <p:sldId id="263" r:id="rId8"/>
-    <p:sldId id="264" r:id="rId9"/>
-    <p:sldId id="265" r:id="rId10"/>
-    <p:sldId id="266" r:id="rId11"/>
-    <p:sldId id="267" r:id="rId12"/>
-    <p:sldId id="260" r:id="rId13"/>
+    <p:sldId id="268" r:id="rId5"/>
+    <p:sldId id="261" r:id="rId6"/>
+    <p:sldId id="262" r:id="rId7"/>
+    <p:sldId id="259" r:id="rId8"/>
+    <p:sldId id="263" r:id="rId9"/>
+    <p:sldId id="264" r:id="rId10"/>
+    <p:sldId id="265" r:id="rId11"/>
+    <p:sldId id="266" r:id="rId12"/>
+    <p:sldId id="267" r:id="rId13"/>
+    <p:sldId id="260" r:id="rId14"/>
   </p:sldIdLst>
   <p:sldSz cx="12192000" cy="6858000"/>
   <p:notesSz cx="6858000" cy="9144000"/>
@@ -284,7 +285,7 @@
           <a:p>
             <a:fld id="{5C58018D-830C-4393-BEB4-F0BDA2BFFB4A}" type="datetimeFigureOut">
               <a:rPr lang="uk-UA" smtClean="0"/>
-              <a:t>10.12.2019</a:t>
+              <a:t>12.12.2019</a:t>
             </a:fld>
             <a:endParaRPr lang="uk-UA" dirty="0"/>
           </a:p>
@@ -484,7 +485,7 @@
           <a:p>
             <a:fld id="{5C58018D-830C-4393-BEB4-F0BDA2BFFB4A}" type="datetimeFigureOut">
               <a:rPr lang="uk-UA" smtClean="0"/>
-              <a:t>10.12.2019</a:t>
+              <a:t>12.12.2019</a:t>
             </a:fld>
             <a:endParaRPr lang="uk-UA" dirty="0"/>
           </a:p>
@@ -694,7 +695,7 @@
           <a:p>
             <a:fld id="{5C58018D-830C-4393-BEB4-F0BDA2BFFB4A}" type="datetimeFigureOut">
               <a:rPr lang="uk-UA" smtClean="0"/>
-              <a:t>10.12.2019</a:t>
+              <a:t>12.12.2019</a:t>
             </a:fld>
             <a:endParaRPr lang="uk-UA" dirty="0"/>
           </a:p>
@@ -894,7 +895,7 @@
           <a:p>
             <a:fld id="{5C58018D-830C-4393-BEB4-F0BDA2BFFB4A}" type="datetimeFigureOut">
               <a:rPr lang="uk-UA" smtClean="0"/>
-              <a:t>10.12.2019</a:t>
+              <a:t>12.12.2019</a:t>
             </a:fld>
             <a:endParaRPr lang="uk-UA" dirty="0"/>
           </a:p>
@@ -1170,7 +1171,7 @@
           <a:p>
             <a:fld id="{5C58018D-830C-4393-BEB4-F0BDA2BFFB4A}" type="datetimeFigureOut">
               <a:rPr lang="uk-UA" smtClean="0"/>
-              <a:t>10.12.2019</a:t>
+              <a:t>12.12.2019</a:t>
             </a:fld>
             <a:endParaRPr lang="uk-UA" dirty="0"/>
           </a:p>
@@ -1438,7 +1439,7 @@
           <a:p>
             <a:fld id="{5C58018D-830C-4393-BEB4-F0BDA2BFFB4A}" type="datetimeFigureOut">
               <a:rPr lang="uk-UA" smtClean="0"/>
-              <a:t>10.12.2019</a:t>
+              <a:t>12.12.2019</a:t>
             </a:fld>
             <a:endParaRPr lang="uk-UA" dirty="0"/>
           </a:p>
@@ -1853,7 +1854,7 @@
           <a:p>
             <a:fld id="{5C58018D-830C-4393-BEB4-F0BDA2BFFB4A}" type="datetimeFigureOut">
               <a:rPr lang="uk-UA" smtClean="0"/>
-              <a:t>10.12.2019</a:t>
+              <a:t>12.12.2019</a:t>
             </a:fld>
             <a:endParaRPr lang="uk-UA" dirty="0"/>
           </a:p>
@@ -1995,7 +1996,7 @@
           <a:p>
             <a:fld id="{5C58018D-830C-4393-BEB4-F0BDA2BFFB4A}" type="datetimeFigureOut">
               <a:rPr lang="uk-UA" smtClean="0"/>
-              <a:t>10.12.2019</a:t>
+              <a:t>12.12.2019</a:t>
             </a:fld>
             <a:endParaRPr lang="uk-UA" dirty="0"/>
           </a:p>
@@ -2108,7 +2109,7 @@
           <a:p>
             <a:fld id="{5C58018D-830C-4393-BEB4-F0BDA2BFFB4A}" type="datetimeFigureOut">
               <a:rPr lang="uk-UA" smtClean="0"/>
-              <a:t>10.12.2019</a:t>
+              <a:t>12.12.2019</a:t>
             </a:fld>
             <a:endParaRPr lang="uk-UA" dirty="0"/>
           </a:p>
@@ -2421,7 +2422,7 @@
           <a:p>
             <a:fld id="{5C58018D-830C-4393-BEB4-F0BDA2BFFB4A}" type="datetimeFigureOut">
               <a:rPr lang="uk-UA" smtClean="0"/>
-              <a:t>10.12.2019</a:t>
+              <a:t>12.12.2019</a:t>
             </a:fld>
             <a:endParaRPr lang="uk-UA" dirty="0"/>
           </a:p>
@@ -2710,7 +2711,7 @@
           <a:p>
             <a:fld id="{5C58018D-830C-4393-BEB4-F0BDA2BFFB4A}" type="datetimeFigureOut">
               <a:rPr lang="uk-UA" smtClean="0"/>
-              <a:t>10.12.2019</a:t>
+              <a:t>12.12.2019</a:t>
             </a:fld>
             <a:endParaRPr lang="uk-UA" dirty="0"/>
           </a:p>
@@ -2953,7 +2954,7 @@
           <a:p>
             <a:fld id="{5C58018D-830C-4393-BEB4-F0BDA2BFFB4A}" type="datetimeFigureOut">
               <a:rPr lang="uk-UA" smtClean="0"/>
-              <a:t>10.12.2019</a:t>
+              <a:t>12.12.2019</a:t>
             </a:fld>
             <a:endParaRPr lang="uk-UA" dirty="0"/>
           </a:p>
@@ -3458,7 +3459,7 @@
           <p:cNvPr id="2" name="Заголовок 1">
             <a:extLst>
               <a:ext uri="{FF2B5EF4-FFF2-40B4-BE49-F238E27FC236}">
-                <a16:creationId xmlns:a16="http://schemas.microsoft.com/office/drawing/2014/main" id="{7B71F372-36F1-476B-9BC9-117B9271DE97}"/>
+                <a16:creationId xmlns:a16="http://schemas.microsoft.com/office/drawing/2014/main" id="{FE829E14-0D0F-4D0C-9CF3-0BE675DE8833}"/>
               </a:ext>
             </a:extLst>
           </p:cNvPr>
@@ -3483,7 +3484,7 @@
           <p:cNvPr id="3" name="Объект 2">
             <a:extLst>
               <a:ext uri="{FF2B5EF4-FFF2-40B4-BE49-F238E27FC236}">
-                <a16:creationId xmlns:a16="http://schemas.microsoft.com/office/drawing/2014/main" id="{19FEA190-B6AE-486B-AD7A-20A9DFC317E0}"/>
+                <a16:creationId xmlns:a16="http://schemas.microsoft.com/office/drawing/2014/main" id="{3383D2F9-B09E-4A77-B38F-9A09380BF05F}"/>
               </a:ext>
             </a:extLst>
           </p:cNvPr>
@@ -3506,7 +3507,7 @@
     </p:spTree>
     <p:extLst>
       <p:ext uri="{BB962C8B-B14F-4D97-AF65-F5344CB8AC3E}">
-        <p14:creationId xmlns:p14="http://schemas.microsoft.com/office/powerpoint/2010/main" val="3576036765"/>
+        <p14:creationId xmlns:p14="http://schemas.microsoft.com/office/powerpoint/2010/main" val="4126373388"/>
       </p:ext>
     </p:extLst>
   </p:cSld>
@@ -3538,6 +3539,86 @@
           <p:cNvPr id="2" name="Заголовок 1">
             <a:extLst>
               <a:ext uri="{FF2B5EF4-FFF2-40B4-BE49-F238E27FC236}">
+                <a16:creationId xmlns:a16="http://schemas.microsoft.com/office/drawing/2014/main" id="{7B71F372-36F1-476B-9BC9-117B9271DE97}"/>
+              </a:ext>
+            </a:extLst>
+          </p:cNvPr>
+          <p:cNvSpPr>
+            <a:spLocks noGrp="1"/>
+          </p:cNvSpPr>
+          <p:nvPr>
+            <p:ph type="title"/>
+          </p:nvPr>
+        </p:nvSpPr>
+        <p:spPr/>
+        <p:txBody>
+          <a:bodyPr/>
+          <a:lstStyle/>
+          <a:p>
+            <a:endParaRPr lang="uk-UA"/>
+          </a:p>
+        </p:txBody>
+      </p:sp>
+      <p:sp>
+        <p:nvSpPr>
+          <p:cNvPr id="3" name="Объект 2">
+            <a:extLst>
+              <a:ext uri="{FF2B5EF4-FFF2-40B4-BE49-F238E27FC236}">
+                <a16:creationId xmlns:a16="http://schemas.microsoft.com/office/drawing/2014/main" id="{19FEA190-B6AE-486B-AD7A-20A9DFC317E0}"/>
+              </a:ext>
+            </a:extLst>
+          </p:cNvPr>
+          <p:cNvSpPr>
+            <a:spLocks noGrp="1"/>
+          </p:cNvSpPr>
+          <p:nvPr>
+            <p:ph idx="1"/>
+          </p:nvPr>
+        </p:nvSpPr>
+        <p:spPr/>
+        <p:txBody>
+          <a:bodyPr/>
+          <a:lstStyle/>
+          <a:p>
+            <a:endParaRPr lang="uk-UA"/>
+          </a:p>
+        </p:txBody>
+      </p:sp>
+    </p:spTree>
+    <p:extLst>
+      <p:ext uri="{BB962C8B-B14F-4D97-AF65-F5344CB8AC3E}">
+        <p14:creationId xmlns:p14="http://schemas.microsoft.com/office/powerpoint/2010/main" val="3576036765"/>
+      </p:ext>
+    </p:extLst>
+  </p:cSld>
+  <p:clrMapOvr>
+    <a:masterClrMapping/>
+  </p:clrMapOvr>
+</p:sld>
+</file>
+
+<file path=ppt/slides/slide12.xml><?xml version="1.0" encoding="utf-8"?>
+<p:sld xmlns:a="http://schemas.openxmlformats.org/drawingml/2006/main" xmlns:r="http://schemas.openxmlformats.org/officeDocument/2006/relationships" xmlns:p="http://schemas.openxmlformats.org/presentationml/2006/main">
+  <p:cSld>
+    <p:spTree>
+      <p:nvGrpSpPr>
+        <p:cNvPr id="1" name=""/>
+        <p:cNvGrpSpPr/>
+        <p:nvPr/>
+      </p:nvGrpSpPr>
+      <p:grpSpPr>
+        <a:xfrm>
+          <a:off x="0" y="0"/>
+          <a:ext cx="0" cy="0"/>
+          <a:chOff x="0" y="0"/>
+          <a:chExt cx="0" cy="0"/>
+        </a:xfrm>
+      </p:grpSpPr>
+      <p:sp>
+        <p:nvSpPr>
+          <p:cNvPr id="2" name="Заголовок 1">
+            <a:extLst>
+              <a:ext uri="{FF2B5EF4-FFF2-40B4-BE49-F238E27FC236}">
                 <a16:creationId xmlns:a16="http://schemas.microsoft.com/office/drawing/2014/main" id="{FF91C705-0902-4F5E-B799-676015F50185}"/>
               </a:ext>
             </a:extLst>
@@ -3596,7 +3677,7 @@
 </p:sld>
 </file>
 
-<file path=ppt/slides/slide12.xml><?xml version="1.0" encoding="utf-8"?>
+<file path=ppt/slides/slide13.xml><?xml version="1.0" encoding="utf-8"?>
 <p:sld xmlns:a="http://schemas.openxmlformats.org/drawingml/2006/main" xmlns:r="http://schemas.openxmlformats.org/officeDocument/2006/relationships" xmlns:p="http://schemas.openxmlformats.org/presentationml/2006/main">
   <p:cSld>
     <p:spTree>
@@ -5218,7 +5299,7 @@
             </a:r>
             <a:r>
               <a:rPr lang="uk-UA" dirty="0"/>
-              <a:t> Сотник Дмитро</a:t>
+              <a:t> Сотник Дмитро (Лідер, спеціаліст з ІП)</a:t>
             </a:r>
           </a:p>
           <a:p>
@@ -5235,7 +5316,7 @@
             </a:r>
             <a:r>
               <a:rPr lang="uk-UA" dirty="0"/>
-              <a:t>Година Богдан</a:t>
+              <a:t>Година Богдан (Критик, завершальний, )</a:t>
             </a:r>
           </a:p>
           <a:p>
@@ -5244,14 +5325,10 @@
             </a:pPr>
             <a:r>
               <a:rPr lang="uk-UA" b="1" dirty="0"/>
-              <a:t>Інженер - </a:t>
-            </a:r>
-            <a:r>
-              <a:rPr lang="uk-UA" b="1"/>
-              <a:t>розробник : </a:t>
-            </a:r>
-            <a:r>
-              <a:rPr lang="uk-UA"/>
+              <a:t>Інженер - розробник : </a:t>
+            </a:r>
+            <a:r>
+              <a:rPr lang="uk-UA" dirty="0" err="1"/>
               <a:t>Кривошей</a:t>
             </a:r>
             <a:r>
@@ -5352,93 +5429,44 @@
       </p:grpSpPr>
       <p:sp>
         <p:nvSpPr>
-          <p:cNvPr id="2" name="Заголовок 1">
-            <a:extLst>
-              <a:ext uri="{FF2B5EF4-FFF2-40B4-BE49-F238E27FC236}">
-                <a16:creationId xmlns:a16="http://schemas.microsoft.com/office/drawing/2014/main" id="{490019CC-6457-4179-8699-EF7AD0F39AAF}"/>
-              </a:ext>
-            </a:extLst>
-          </p:cNvPr>
-          <p:cNvSpPr>
-            <a:spLocks noGrp="1"/>
-          </p:cNvSpPr>
-          <p:nvPr>
-            <p:ph type="title"/>
-          </p:nvPr>
-        </p:nvSpPr>
-        <p:spPr/>
+          <p:cNvPr id="3" name="Объект 2">
+            <a:extLst>
+              <a:ext uri="{FF2B5EF4-FFF2-40B4-BE49-F238E27FC236}">
+                <a16:creationId xmlns:a16="http://schemas.microsoft.com/office/drawing/2014/main" id="{614C5CDB-4871-44CB-A4FD-6F8F2462C0FB}"/>
+              </a:ext>
+            </a:extLst>
+          </p:cNvPr>
+          <p:cNvSpPr>
+            <a:spLocks noGrp="1"/>
+          </p:cNvSpPr>
+          <p:nvPr>
+            <p:ph idx="1"/>
+          </p:nvPr>
+        </p:nvSpPr>
+        <p:spPr>
+          <a:xfrm>
+            <a:off x="838200" y="499621"/>
+            <a:ext cx="10515600" cy="5677342"/>
+          </a:xfrm>
+        </p:spPr>
         <p:txBody>
           <a:bodyPr/>
           <a:lstStyle/>
           <a:p>
-            <a:r>
-              <a:rPr lang="uk-UA" b="1" dirty="0"/>
-              <a:t>Обґрунтування вибору ролей: відсіювання</a:t>
-            </a:r>
-          </a:p>
-        </p:txBody>
-      </p:sp>
-      <p:sp>
-        <p:nvSpPr>
-          <p:cNvPr id="3" name="Объект 2">
-            <a:extLst>
-              <a:ext uri="{FF2B5EF4-FFF2-40B4-BE49-F238E27FC236}">
-                <a16:creationId xmlns:a16="http://schemas.microsoft.com/office/drawing/2014/main" id="{310A3AF4-01A8-43D2-A732-8A468D0555A5}"/>
-              </a:ext>
-            </a:extLst>
-          </p:cNvPr>
-          <p:cNvSpPr>
-            <a:spLocks noGrp="1"/>
-          </p:cNvSpPr>
-          <p:nvPr>
-            <p:ph idx="1"/>
-          </p:nvPr>
-        </p:nvSpPr>
-        <p:spPr>
-          <a:xfrm>
-            <a:off x="838200" y="1690688"/>
-            <a:ext cx="10515600" cy="4802187"/>
-          </a:xfrm>
-        </p:spPr>
-        <p:txBody>
-          <a:bodyPr/>
-          <a:lstStyle/>
-          <a:p>
             <a:pPr marL="0" indent="0">
               <a:buNone/>
             </a:pPr>
             <a:r>
-              <a:rPr lang="uk-UA" b="1" dirty="0"/>
-              <a:t>Змішаний</a:t>
-            </a:r>
-            <a:r>
               <a:rPr lang="uk-UA" dirty="0"/>
-              <a:t> тип проектної команди дозволив під час розробки розподіляти відповідальність за розробку програмного проекту і отримання певних артефактів більш гнучко і враховуючи особистісні можливості кожного члена команди. Також, оскільки точно був відомий замовник, було вирішено відмовитись від </a:t>
-            </a:r>
-            <a:r>
-              <a:rPr lang="uk-UA" b="1" dirty="0"/>
-              <a:t>маркетингової</a:t>
-            </a:r>
-            <a:r>
-              <a:rPr lang="uk-UA" dirty="0"/>
-              <a:t> ролі, а також </a:t>
-            </a:r>
-            <a:r>
-              <a:rPr lang="uk-UA" b="1" dirty="0"/>
-              <a:t>системного інтегрування </a:t>
-            </a:r>
-            <a:r>
-              <a:rPr lang="uk-UA" dirty="0"/>
-              <a:t>(сторона замовника надає свого співробітника). </a:t>
-            </a:r>
-            <a:endParaRPr lang="uk-UA" b="1" dirty="0"/>
+              <a:t> </a:t>
+            </a:r>
           </a:p>
         </p:txBody>
       </p:sp>
     </p:spTree>
     <p:extLst>
       <p:ext uri="{BB962C8B-B14F-4D97-AF65-F5344CB8AC3E}">
-        <p14:creationId xmlns:p14="http://schemas.microsoft.com/office/powerpoint/2010/main" val="335981598"/>
+        <p14:creationId xmlns:p14="http://schemas.microsoft.com/office/powerpoint/2010/main" val="971954979"/>
       </p:ext>
     </p:extLst>
   </p:cSld>
@@ -5470,7 +5498,7 @@
           <p:cNvPr id="2" name="Заголовок 1">
             <a:extLst>
               <a:ext uri="{FF2B5EF4-FFF2-40B4-BE49-F238E27FC236}">
-                <a16:creationId xmlns:a16="http://schemas.microsoft.com/office/drawing/2014/main" id="{02FD627C-1647-4F6B-81DB-F4B5197923B6}"/>
+                <a16:creationId xmlns:a16="http://schemas.microsoft.com/office/drawing/2014/main" id="{490019CC-6457-4179-8699-EF7AD0F39AAF}"/>
               </a:ext>
             </a:extLst>
           </p:cNvPr>
@@ -5488,9 +5516,8 @@
           <a:p>
             <a:r>
               <a:rPr lang="uk-UA" b="1" dirty="0"/>
-              <a:t>Обґрунтування вибору ролей: рішення</a:t>
-            </a:r>
-            <a:endParaRPr lang="uk-UA" dirty="0"/>
+              <a:t>Обґрунтування вибору ролей: відсіювання</a:t>
+            </a:r>
           </a:p>
         </p:txBody>
       </p:sp>
@@ -5499,7 +5526,7 @@
           <p:cNvPr id="3" name="Объект 2">
             <a:extLst>
               <a:ext uri="{FF2B5EF4-FFF2-40B4-BE49-F238E27FC236}">
-                <a16:creationId xmlns:a16="http://schemas.microsoft.com/office/drawing/2014/main" id="{C4124048-A0D6-4488-9B5D-E2C4EA030355}"/>
+                <a16:creationId xmlns:a16="http://schemas.microsoft.com/office/drawing/2014/main" id="{310A3AF4-01A8-43D2-A732-8A468D0555A5}"/>
               </a:ext>
             </a:extLst>
           </p:cNvPr>
@@ -5512,8 +5539,8 @@
         </p:nvSpPr>
         <p:spPr>
           <a:xfrm>
-            <a:off x="838200" y="1825625"/>
-            <a:ext cx="10515600" cy="4351338"/>
+            <a:off x="838200" y="1690688"/>
+            <a:ext cx="10515600" cy="4802187"/>
           </a:xfrm>
         </p:spPr>
         <p:txBody>
@@ -5524,49 +5551,37 @@
               <a:buNone/>
             </a:pPr>
             <a:r>
+              <a:rPr lang="uk-UA" b="1" dirty="0"/>
+              <a:t>Змішаний</a:t>
+            </a:r>
+            <a:r>
               <a:rPr lang="uk-UA" dirty="0"/>
-              <a:t>Найбільше учасників команди на </a:t>
+              <a:t> тип проектної команди дозволив під час розробки розподіляти відповідальність за розробку програмного проекту і отримання певних артефактів більш гнучко і враховуючи особистісні можливості кожного члена команди. Також, оскільки точно був відомий замовник, було вирішено відмовитись від </a:t>
             </a:r>
             <a:r>
               <a:rPr lang="uk-UA" b="1" dirty="0"/>
-              <a:t>стороні розробки застосунків</a:t>
+              <a:t>маркетингової</a:t>
             </a:r>
             <a:r>
               <a:rPr lang="uk-UA" dirty="0"/>
-              <a:t>, тому що ця робота потребує більше ресурсів для виконання</a:t>
+              <a:t> ролі, а також </a:t>
             </a:r>
             <a:r>
               <a:rPr lang="uk-UA" b="1" dirty="0"/>
-              <a:t>. Спеціаліст із застосунків </a:t>
+              <a:t>системного інтегрування </a:t>
             </a:r>
             <a:r>
               <a:rPr lang="uk-UA" dirty="0"/>
-              <a:t>був необхідний для використання у процесі визначених застосунків для забезпечення комфортної  і розробки координації дій. </a:t>
-            </a:r>
-            <a:r>
-              <a:rPr lang="uk-UA" b="1" dirty="0"/>
-              <a:t>На стороні забезпечення якості</a:t>
-            </a:r>
-            <a:r>
-              <a:rPr lang="uk-UA" dirty="0"/>
-              <a:t> – технічний письменник, що зміг би написати чітку і докладну документацію, а також </a:t>
-            </a:r>
-            <a:r>
-              <a:rPr lang="uk-UA" b="1" dirty="0"/>
-              <a:t>інженер тестування, </a:t>
-            </a:r>
-            <a:r>
-              <a:rPr lang="en-US" b="1" dirty="0"/>
-              <a:t>[INSERT]</a:t>
-            </a:r>
-            <a:endParaRPr lang="uk-UA" dirty="0"/>
+              <a:t>(сторона замовника надає свого співробітника). </a:t>
+            </a:r>
+            <a:endParaRPr lang="uk-UA" b="1" dirty="0"/>
           </a:p>
         </p:txBody>
       </p:sp>
     </p:spTree>
     <p:extLst>
       <p:ext uri="{BB962C8B-B14F-4D97-AF65-F5344CB8AC3E}">
-        <p14:creationId xmlns:p14="http://schemas.microsoft.com/office/powerpoint/2010/main" val="110792146"/>
+        <p14:creationId xmlns:p14="http://schemas.microsoft.com/office/powerpoint/2010/main" val="335981598"/>
       </p:ext>
     </p:extLst>
   </p:cSld>
@@ -5598,6 +5613,134 @@
           <p:cNvPr id="2" name="Заголовок 1">
             <a:extLst>
               <a:ext uri="{FF2B5EF4-FFF2-40B4-BE49-F238E27FC236}">
+                <a16:creationId xmlns:a16="http://schemas.microsoft.com/office/drawing/2014/main" id="{02FD627C-1647-4F6B-81DB-F4B5197923B6}"/>
+              </a:ext>
+            </a:extLst>
+          </p:cNvPr>
+          <p:cNvSpPr>
+            <a:spLocks noGrp="1"/>
+          </p:cNvSpPr>
+          <p:nvPr>
+            <p:ph type="title"/>
+          </p:nvPr>
+        </p:nvSpPr>
+        <p:spPr/>
+        <p:txBody>
+          <a:bodyPr/>
+          <a:lstStyle/>
+          <a:p>
+            <a:r>
+              <a:rPr lang="uk-UA" b="1" dirty="0"/>
+              <a:t>Обґрунтування вибору ролей: рішення</a:t>
+            </a:r>
+            <a:endParaRPr lang="uk-UA" dirty="0"/>
+          </a:p>
+        </p:txBody>
+      </p:sp>
+      <p:sp>
+        <p:nvSpPr>
+          <p:cNvPr id="3" name="Объект 2">
+            <a:extLst>
+              <a:ext uri="{FF2B5EF4-FFF2-40B4-BE49-F238E27FC236}">
+                <a16:creationId xmlns:a16="http://schemas.microsoft.com/office/drawing/2014/main" id="{C4124048-A0D6-4488-9B5D-E2C4EA030355}"/>
+              </a:ext>
+            </a:extLst>
+          </p:cNvPr>
+          <p:cNvSpPr>
+            <a:spLocks noGrp="1"/>
+          </p:cNvSpPr>
+          <p:nvPr>
+            <p:ph idx="1"/>
+          </p:nvPr>
+        </p:nvSpPr>
+        <p:spPr>
+          <a:xfrm>
+            <a:off x="838200" y="1825625"/>
+            <a:ext cx="10515600" cy="4351338"/>
+          </a:xfrm>
+        </p:spPr>
+        <p:txBody>
+          <a:bodyPr/>
+          <a:lstStyle/>
+          <a:p>
+            <a:pPr marL="0" indent="0">
+              <a:buNone/>
+            </a:pPr>
+            <a:r>
+              <a:rPr lang="uk-UA" dirty="0"/>
+              <a:t>Найбільше учасників команди на </a:t>
+            </a:r>
+            <a:r>
+              <a:rPr lang="uk-UA" b="1" dirty="0"/>
+              <a:t>стороні розробки застосунків</a:t>
+            </a:r>
+            <a:r>
+              <a:rPr lang="uk-UA" dirty="0"/>
+              <a:t>, тому що ця робота потребує більше ресурсів для виконання</a:t>
+            </a:r>
+            <a:r>
+              <a:rPr lang="uk-UA" b="1" dirty="0"/>
+              <a:t>. Спеціаліст із застосунків </a:t>
+            </a:r>
+            <a:r>
+              <a:rPr lang="uk-UA" dirty="0"/>
+              <a:t>був необхідний для використання у процесі визначених застосунків для забезпечення комфортної  і розробки координації дій. </a:t>
+            </a:r>
+            <a:r>
+              <a:rPr lang="uk-UA" b="1" dirty="0"/>
+              <a:t>На стороні забезпечення якості</a:t>
+            </a:r>
+            <a:r>
+              <a:rPr lang="uk-UA" dirty="0"/>
+              <a:t> – технічний письменник, що зміг би написати чітку і докладну документацію, а також </a:t>
+            </a:r>
+            <a:r>
+              <a:rPr lang="uk-UA" b="1" dirty="0"/>
+              <a:t>інженер тестування, </a:t>
+            </a:r>
+            <a:r>
+              <a:rPr lang="en-US" b="1" dirty="0"/>
+              <a:t>[INSERT]</a:t>
+            </a:r>
+            <a:endParaRPr lang="uk-UA" dirty="0"/>
+          </a:p>
+        </p:txBody>
+      </p:sp>
+    </p:spTree>
+    <p:extLst>
+      <p:ext uri="{BB962C8B-B14F-4D97-AF65-F5344CB8AC3E}">
+        <p14:creationId xmlns:p14="http://schemas.microsoft.com/office/powerpoint/2010/main" val="110792146"/>
+      </p:ext>
+    </p:extLst>
+  </p:cSld>
+  <p:clrMapOvr>
+    <a:masterClrMapping/>
+  </p:clrMapOvr>
+</p:sld>
+</file>
+
+<file path=ppt/slides/slide7.xml><?xml version="1.0" encoding="utf-8"?>
+<p:sld xmlns:a="http://schemas.openxmlformats.org/drawingml/2006/main" xmlns:r="http://schemas.openxmlformats.org/officeDocument/2006/relationships" xmlns:p="http://schemas.openxmlformats.org/presentationml/2006/main">
+  <p:cSld>
+    <p:spTree>
+      <p:nvGrpSpPr>
+        <p:cNvPr id="1" name=""/>
+        <p:cNvGrpSpPr/>
+        <p:nvPr/>
+      </p:nvGrpSpPr>
+      <p:grpSpPr>
+        <a:xfrm>
+          <a:off x="0" y="0"/>
+          <a:ext cx="0" cy="0"/>
+          <a:chOff x="0" y="0"/>
+          <a:chExt cx="0" cy="0"/>
+        </a:xfrm>
+      </p:grpSpPr>
+      <p:sp>
+        <p:nvSpPr>
+          <p:cNvPr id="2" name="Заголовок 1">
+            <a:extLst>
+              <a:ext uri="{FF2B5EF4-FFF2-40B4-BE49-F238E27FC236}">
                 <a16:creationId xmlns:a16="http://schemas.microsoft.com/office/drawing/2014/main" id="{47C61AE6-9067-4EE8-88BA-7EADC264B20E}"/>
               </a:ext>
             </a:extLst>
@@ -5693,7 +5836,7 @@
 </p:sld>
 </file>
 
-<file path=ppt/slides/slide7.xml><?xml version="1.0" encoding="utf-8"?>
+<file path=ppt/slides/slide8.xml><?xml version="1.0" encoding="utf-8"?>
 <p:sld xmlns:a="http://schemas.openxmlformats.org/drawingml/2006/main" xmlns:r="http://schemas.openxmlformats.org/officeDocument/2006/relationships" xmlns:p="http://schemas.openxmlformats.org/presentationml/2006/main">
   <p:cSld>
     <p:spTree>
@@ -6794,89 +6937,6 @@
 </p:sld>
 </file>
 
-<file path=ppt/slides/slide8.xml><?xml version="1.0" encoding="utf-8"?>
-<p:sld xmlns:a="http://schemas.openxmlformats.org/drawingml/2006/main" xmlns:r="http://schemas.openxmlformats.org/officeDocument/2006/relationships" xmlns:p="http://schemas.openxmlformats.org/presentationml/2006/main">
-  <p:cSld>
-    <p:spTree>
-      <p:nvGrpSpPr>
-        <p:cNvPr id="1" name=""/>
-        <p:cNvGrpSpPr/>
-        <p:nvPr/>
-      </p:nvGrpSpPr>
-      <p:grpSpPr>
-        <a:xfrm>
-          <a:off x="0" y="0"/>
-          <a:ext cx="0" cy="0"/>
-          <a:chOff x="0" y="0"/>
-          <a:chExt cx="0" cy="0"/>
-        </a:xfrm>
-      </p:grpSpPr>
-      <p:sp>
-        <p:nvSpPr>
-          <p:cNvPr id="2" name="Заголовок 1">
-            <a:extLst>
-              <a:ext uri="{FF2B5EF4-FFF2-40B4-BE49-F238E27FC236}">
-                <a16:creationId xmlns:a16="http://schemas.microsoft.com/office/drawing/2014/main" id="{219FB3F7-5081-4B04-AEE9-903D140D5565}"/>
-              </a:ext>
-            </a:extLst>
-          </p:cNvPr>
-          <p:cNvSpPr>
-            <a:spLocks noGrp="1"/>
-          </p:cNvSpPr>
-          <p:nvPr>
-            <p:ph type="title"/>
-          </p:nvPr>
-        </p:nvSpPr>
-        <p:spPr/>
-        <p:txBody>
-          <a:bodyPr/>
-          <a:lstStyle/>
-          <a:p>
-            <a:r>
-              <a:rPr lang="uk-UA" b="1" dirty="0"/>
-              <a:t>Функціональні вимоги: атрибути</a:t>
-            </a:r>
-          </a:p>
-        </p:txBody>
-      </p:sp>
-      <p:sp>
-        <p:nvSpPr>
-          <p:cNvPr id="3" name="Объект 2">
-            <a:extLst>
-              <a:ext uri="{FF2B5EF4-FFF2-40B4-BE49-F238E27FC236}">
-                <a16:creationId xmlns:a16="http://schemas.microsoft.com/office/drawing/2014/main" id="{04D0E565-993A-4670-9C84-B96B796340BA}"/>
-              </a:ext>
-            </a:extLst>
-          </p:cNvPr>
-          <p:cNvSpPr>
-            <a:spLocks noGrp="1"/>
-          </p:cNvSpPr>
-          <p:nvPr>
-            <p:ph idx="1"/>
-          </p:nvPr>
-        </p:nvSpPr>
-        <p:spPr/>
-        <p:txBody>
-          <a:bodyPr/>
-          <a:lstStyle/>
-          <a:p>
-            <a:endParaRPr lang="uk-UA"/>
-          </a:p>
-        </p:txBody>
-      </p:sp>
-    </p:spTree>
-    <p:extLst>
-      <p:ext uri="{BB962C8B-B14F-4D97-AF65-F5344CB8AC3E}">
-        <p14:creationId xmlns:p14="http://schemas.microsoft.com/office/powerpoint/2010/main" val="57023922"/>
-      </p:ext>
-    </p:extLst>
-  </p:cSld>
-  <p:clrMapOvr>
-    <a:masterClrMapping/>
-  </p:clrMapOvr>
-</p:sld>
-</file>
-
 <file path=ppt/slides/slide9.xml><?xml version="1.0" encoding="utf-8"?>
 <p:sld xmlns:a="http://schemas.openxmlformats.org/drawingml/2006/main" xmlns:r="http://schemas.openxmlformats.org/officeDocument/2006/relationships" xmlns:p="http://schemas.openxmlformats.org/presentationml/2006/main">
   <p:cSld>
@@ -6899,7 +6959,7 @@
           <p:cNvPr id="2" name="Заголовок 1">
             <a:extLst>
               <a:ext uri="{FF2B5EF4-FFF2-40B4-BE49-F238E27FC236}">
-                <a16:creationId xmlns:a16="http://schemas.microsoft.com/office/drawing/2014/main" id="{FE829E14-0D0F-4D0C-9CF3-0BE675DE8833}"/>
+                <a16:creationId xmlns:a16="http://schemas.microsoft.com/office/drawing/2014/main" id="{219FB3F7-5081-4B04-AEE9-903D140D5565}"/>
               </a:ext>
             </a:extLst>
           </p:cNvPr>
@@ -6915,7 +6975,10 @@
           <a:bodyPr/>
           <a:lstStyle/>
           <a:p>
-            <a:endParaRPr lang="uk-UA"/>
+            <a:r>
+              <a:rPr lang="uk-UA" b="1" dirty="0"/>
+              <a:t>Функціональні вимоги: атрибути</a:t>
+            </a:r>
           </a:p>
         </p:txBody>
       </p:sp>
@@ -6924,7 +6987,7 @@
           <p:cNvPr id="3" name="Объект 2">
             <a:extLst>
               <a:ext uri="{FF2B5EF4-FFF2-40B4-BE49-F238E27FC236}">
-                <a16:creationId xmlns:a16="http://schemas.microsoft.com/office/drawing/2014/main" id="{3383D2F9-B09E-4A77-B38F-9A09380BF05F}"/>
+                <a16:creationId xmlns:a16="http://schemas.microsoft.com/office/drawing/2014/main" id="{04D0E565-993A-4670-9C84-B96B796340BA}"/>
               </a:ext>
             </a:extLst>
           </p:cNvPr>
@@ -6947,7 +7010,7 @@
     </p:spTree>
     <p:extLst>
       <p:ext uri="{BB962C8B-B14F-4D97-AF65-F5344CB8AC3E}">
-        <p14:creationId xmlns:p14="http://schemas.microsoft.com/office/powerpoint/2010/main" val="4126373388"/>
+        <p14:creationId xmlns:p14="http://schemas.microsoft.com/office/powerpoint/2010/main" val="57023922"/>
       </p:ext>
     </p:extLst>
   </p:cSld>

--- a/elektronna_kafedra.pptx
+++ b/elektronna_kafedra.pptx
@@ -8,16 +8,15 @@
     <p:sldId id="256" r:id="rId2"/>
     <p:sldId id="257" r:id="rId3"/>
     <p:sldId id="258" r:id="rId4"/>
-    <p:sldId id="268" r:id="rId5"/>
-    <p:sldId id="261" r:id="rId6"/>
-    <p:sldId id="262" r:id="rId7"/>
-    <p:sldId id="259" r:id="rId8"/>
-    <p:sldId id="263" r:id="rId9"/>
-    <p:sldId id="264" r:id="rId10"/>
-    <p:sldId id="265" r:id="rId11"/>
-    <p:sldId id="266" r:id="rId12"/>
-    <p:sldId id="267" r:id="rId13"/>
-    <p:sldId id="260" r:id="rId14"/>
+    <p:sldId id="261" r:id="rId5"/>
+    <p:sldId id="262" r:id="rId6"/>
+    <p:sldId id="259" r:id="rId7"/>
+    <p:sldId id="263" r:id="rId8"/>
+    <p:sldId id="264" r:id="rId9"/>
+    <p:sldId id="265" r:id="rId10"/>
+    <p:sldId id="266" r:id="rId11"/>
+    <p:sldId id="267" r:id="rId12"/>
+    <p:sldId id="260" r:id="rId13"/>
   </p:sldIdLst>
   <p:sldSz cx="12192000" cy="6858000"/>
   <p:notesSz cx="6858000" cy="9144000"/>
@@ -3459,7 +3458,7 @@
           <p:cNvPr id="2" name="Заголовок 1">
             <a:extLst>
               <a:ext uri="{FF2B5EF4-FFF2-40B4-BE49-F238E27FC236}">
-                <a16:creationId xmlns:a16="http://schemas.microsoft.com/office/drawing/2014/main" id="{FE829E14-0D0F-4D0C-9CF3-0BE675DE8833}"/>
+                <a16:creationId xmlns:a16="http://schemas.microsoft.com/office/drawing/2014/main" id="{7B71F372-36F1-476B-9BC9-117B9271DE97}"/>
               </a:ext>
             </a:extLst>
           </p:cNvPr>
@@ -3484,7 +3483,7 @@
           <p:cNvPr id="3" name="Объект 2">
             <a:extLst>
               <a:ext uri="{FF2B5EF4-FFF2-40B4-BE49-F238E27FC236}">
-                <a16:creationId xmlns:a16="http://schemas.microsoft.com/office/drawing/2014/main" id="{3383D2F9-B09E-4A77-B38F-9A09380BF05F}"/>
+                <a16:creationId xmlns:a16="http://schemas.microsoft.com/office/drawing/2014/main" id="{19FEA190-B6AE-486B-AD7A-20A9DFC317E0}"/>
               </a:ext>
             </a:extLst>
           </p:cNvPr>
@@ -3507,7 +3506,7 @@
     </p:spTree>
     <p:extLst>
       <p:ext uri="{BB962C8B-B14F-4D97-AF65-F5344CB8AC3E}">
-        <p14:creationId xmlns:p14="http://schemas.microsoft.com/office/powerpoint/2010/main" val="4126373388"/>
+        <p14:creationId xmlns:p14="http://schemas.microsoft.com/office/powerpoint/2010/main" val="3576036765"/>
       </p:ext>
     </p:extLst>
   </p:cSld>
@@ -3539,86 +3538,6 @@
           <p:cNvPr id="2" name="Заголовок 1">
             <a:extLst>
               <a:ext uri="{FF2B5EF4-FFF2-40B4-BE49-F238E27FC236}">
-                <a16:creationId xmlns:a16="http://schemas.microsoft.com/office/drawing/2014/main" id="{7B71F372-36F1-476B-9BC9-117B9271DE97}"/>
-              </a:ext>
-            </a:extLst>
-          </p:cNvPr>
-          <p:cNvSpPr>
-            <a:spLocks noGrp="1"/>
-          </p:cNvSpPr>
-          <p:nvPr>
-            <p:ph type="title"/>
-          </p:nvPr>
-        </p:nvSpPr>
-        <p:spPr/>
-        <p:txBody>
-          <a:bodyPr/>
-          <a:lstStyle/>
-          <a:p>
-            <a:endParaRPr lang="uk-UA"/>
-          </a:p>
-        </p:txBody>
-      </p:sp>
-      <p:sp>
-        <p:nvSpPr>
-          <p:cNvPr id="3" name="Объект 2">
-            <a:extLst>
-              <a:ext uri="{FF2B5EF4-FFF2-40B4-BE49-F238E27FC236}">
-                <a16:creationId xmlns:a16="http://schemas.microsoft.com/office/drawing/2014/main" id="{19FEA190-B6AE-486B-AD7A-20A9DFC317E0}"/>
-              </a:ext>
-            </a:extLst>
-          </p:cNvPr>
-          <p:cNvSpPr>
-            <a:spLocks noGrp="1"/>
-          </p:cNvSpPr>
-          <p:nvPr>
-            <p:ph idx="1"/>
-          </p:nvPr>
-        </p:nvSpPr>
-        <p:spPr/>
-        <p:txBody>
-          <a:bodyPr/>
-          <a:lstStyle/>
-          <a:p>
-            <a:endParaRPr lang="uk-UA"/>
-          </a:p>
-        </p:txBody>
-      </p:sp>
-    </p:spTree>
-    <p:extLst>
-      <p:ext uri="{BB962C8B-B14F-4D97-AF65-F5344CB8AC3E}">
-        <p14:creationId xmlns:p14="http://schemas.microsoft.com/office/powerpoint/2010/main" val="3576036765"/>
-      </p:ext>
-    </p:extLst>
-  </p:cSld>
-  <p:clrMapOvr>
-    <a:masterClrMapping/>
-  </p:clrMapOvr>
-</p:sld>
-</file>
-
-<file path=ppt/slides/slide12.xml><?xml version="1.0" encoding="utf-8"?>
-<p:sld xmlns:a="http://schemas.openxmlformats.org/drawingml/2006/main" xmlns:r="http://schemas.openxmlformats.org/officeDocument/2006/relationships" xmlns:p="http://schemas.openxmlformats.org/presentationml/2006/main">
-  <p:cSld>
-    <p:spTree>
-      <p:nvGrpSpPr>
-        <p:cNvPr id="1" name=""/>
-        <p:cNvGrpSpPr/>
-        <p:nvPr/>
-      </p:nvGrpSpPr>
-      <p:grpSpPr>
-        <a:xfrm>
-          <a:off x="0" y="0"/>
-          <a:ext cx="0" cy="0"/>
-          <a:chOff x="0" y="0"/>
-          <a:chExt cx="0" cy="0"/>
-        </a:xfrm>
-      </p:grpSpPr>
-      <p:sp>
-        <p:nvSpPr>
-          <p:cNvPr id="2" name="Заголовок 1">
-            <a:extLst>
-              <a:ext uri="{FF2B5EF4-FFF2-40B4-BE49-F238E27FC236}">
                 <a16:creationId xmlns:a16="http://schemas.microsoft.com/office/drawing/2014/main" id="{FF91C705-0902-4F5E-B799-676015F50185}"/>
               </a:ext>
             </a:extLst>
@@ -3677,7 +3596,7 @@
 </p:sld>
 </file>
 
-<file path=ppt/slides/slide13.xml><?xml version="1.0" encoding="utf-8"?>
+<file path=ppt/slides/slide12.xml><?xml version="1.0" encoding="utf-8"?>
 <p:sld xmlns:a="http://schemas.openxmlformats.org/drawingml/2006/main" xmlns:r="http://schemas.openxmlformats.org/officeDocument/2006/relationships" xmlns:p="http://schemas.openxmlformats.org/presentationml/2006/main">
   <p:cSld>
     <p:spTree>
@@ -5316,7 +5235,7 @@
             </a:r>
             <a:r>
               <a:rPr lang="uk-UA" dirty="0"/>
-              <a:t>Година Богдан (Критик, завершальний, )</a:t>
+              <a:t>Година Богдан (Критик, завершальний, спеціаліст із ІП)</a:t>
             </a:r>
           </a:p>
           <a:p>
@@ -5333,7 +5252,7 @@
             </a:r>
             <a:r>
               <a:rPr lang="uk-UA" dirty="0"/>
-              <a:t> Владислав</a:t>
+              <a:t> Владислав (Виконавець)</a:t>
             </a:r>
           </a:p>
           <a:p>
@@ -5346,7 +5265,7 @@
             </a:r>
             <a:r>
               <a:rPr lang="uk-UA" dirty="0"/>
-              <a:t>Колесник Юрій</a:t>
+              <a:t>Колесник Юрій (Виконавець)</a:t>
             </a:r>
           </a:p>
           <a:p>
@@ -5359,7 +5278,7 @@
             </a:r>
             <a:r>
               <a:rPr lang="uk-UA" dirty="0"/>
-              <a:t>Абдуллаєв Костянтин</a:t>
+              <a:t>Абдуллаєв Костянтин (Виконавець)</a:t>
             </a:r>
           </a:p>
           <a:p>
@@ -5376,7 +5295,7 @@
             </a:r>
             <a:r>
               <a:rPr lang="uk-UA" dirty="0"/>
-              <a:t> Віталій</a:t>
+              <a:t> Віталій (Виконавець)</a:t>
             </a:r>
           </a:p>
           <a:p>
@@ -5389,7 +5308,7 @@
             </a:r>
             <a:r>
               <a:rPr lang="uk-UA" dirty="0"/>
-              <a:t>Козаченко Марина</a:t>
+              <a:t>Козаченко Марина (Генератор ідей)</a:t>
             </a:r>
           </a:p>
           <a:p>
@@ -5429,10 +5348,38 @@
       </p:grpSpPr>
       <p:sp>
         <p:nvSpPr>
+          <p:cNvPr id="2" name="Заголовок 1">
+            <a:extLst>
+              <a:ext uri="{FF2B5EF4-FFF2-40B4-BE49-F238E27FC236}">
+                <a16:creationId xmlns:a16="http://schemas.microsoft.com/office/drawing/2014/main" id="{490019CC-6457-4179-8699-EF7AD0F39AAF}"/>
+              </a:ext>
+            </a:extLst>
+          </p:cNvPr>
+          <p:cNvSpPr>
+            <a:spLocks noGrp="1"/>
+          </p:cNvSpPr>
+          <p:nvPr>
+            <p:ph type="title"/>
+          </p:nvPr>
+        </p:nvSpPr>
+        <p:spPr/>
+        <p:txBody>
+          <a:bodyPr/>
+          <a:lstStyle/>
+          <a:p>
+            <a:r>
+              <a:rPr lang="uk-UA" b="1" dirty="0"/>
+              <a:t>Обґрунтування вибору ролей: відсіювання</a:t>
+            </a:r>
+          </a:p>
+        </p:txBody>
+      </p:sp>
+      <p:sp>
+        <p:nvSpPr>
           <p:cNvPr id="3" name="Объект 2">
             <a:extLst>
               <a:ext uri="{FF2B5EF4-FFF2-40B4-BE49-F238E27FC236}">
-                <a16:creationId xmlns:a16="http://schemas.microsoft.com/office/drawing/2014/main" id="{614C5CDB-4871-44CB-A4FD-6F8F2462C0FB}"/>
+                <a16:creationId xmlns:a16="http://schemas.microsoft.com/office/drawing/2014/main" id="{310A3AF4-01A8-43D2-A732-8A468D0555A5}"/>
               </a:ext>
             </a:extLst>
           </p:cNvPr>
@@ -5445,8 +5392,8 @@
         </p:nvSpPr>
         <p:spPr>
           <a:xfrm>
-            <a:off x="838200" y="499621"/>
-            <a:ext cx="10515600" cy="5677342"/>
+            <a:off x="838200" y="1690688"/>
+            <a:ext cx="10515600" cy="4802187"/>
           </a:xfrm>
         </p:spPr>
         <p:txBody>
@@ -5457,16 +5404,37 @@
               <a:buNone/>
             </a:pPr>
             <a:r>
+              <a:rPr lang="uk-UA" b="1" dirty="0"/>
+              <a:t>Змішаний</a:t>
+            </a:r>
+            <a:r>
               <a:rPr lang="uk-UA" dirty="0"/>
-              <a:t> </a:t>
-            </a:r>
+              <a:t> тип проектної команди дозволив під час розробки розподіляти відповідальність за розробку програмного проекту і отримання певних артефактів більш гнучко і враховуючи особистісні можливості кожного члена команди. Також, оскільки точно був відомий замовник, було вирішено відмовитись від </a:t>
+            </a:r>
+            <a:r>
+              <a:rPr lang="uk-UA" b="1" dirty="0"/>
+              <a:t>маркетингової</a:t>
+            </a:r>
+            <a:r>
+              <a:rPr lang="uk-UA" dirty="0"/>
+              <a:t> ролі, а також </a:t>
+            </a:r>
+            <a:r>
+              <a:rPr lang="uk-UA" b="1" dirty="0"/>
+              <a:t>системного інтегрування </a:t>
+            </a:r>
+            <a:r>
+              <a:rPr lang="uk-UA" dirty="0"/>
+              <a:t>(сторона замовника надає свого співробітника). </a:t>
+            </a:r>
+            <a:endParaRPr lang="uk-UA" b="1" dirty="0"/>
           </a:p>
         </p:txBody>
       </p:sp>
     </p:spTree>
     <p:extLst>
       <p:ext uri="{BB962C8B-B14F-4D97-AF65-F5344CB8AC3E}">
-        <p14:creationId xmlns:p14="http://schemas.microsoft.com/office/powerpoint/2010/main" val="971954979"/>
+        <p14:creationId xmlns:p14="http://schemas.microsoft.com/office/powerpoint/2010/main" val="335981598"/>
       </p:ext>
     </p:extLst>
   </p:cSld>
@@ -5498,7 +5466,7 @@
           <p:cNvPr id="2" name="Заголовок 1">
             <a:extLst>
               <a:ext uri="{FF2B5EF4-FFF2-40B4-BE49-F238E27FC236}">
-                <a16:creationId xmlns:a16="http://schemas.microsoft.com/office/drawing/2014/main" id="{490019CC-6457-4179-8699-EF7AD0F39AAF}"/>
+                <a16:creationId xmlns:a16="http://schemas.microsoft.com/office/drawing/2014/main" id="{02FD627C-1647-4F6B-81DB-F4B5197923B6}"/>
               </a:ext>
             </a:extLst>
           </p:cNvPr>
@@ -5516,8 +5484,9 @@
           <a:p>
             <a:r>
               <a:rPr lang="uk-UA" b="1" dirty="0"/>
-              <a:t>Обґрунтування вибору ролей: відсіювання</a:t>
-            </a:r>
+              <a:t>Обґрунтування вибору ролей: рішення</a:t>
+            </a:r>
+            <a:endParaRPr lang="uk-UA" dirty="0"/>
           </a:p>
         </p:txBody>
       </p:sp>
@@ -5526,7 +5495,7 @@
           <p:cNvPr id="3" name="Объект 2">
             <a:extLst>
               <a:ext uri="{FF2B5EF4-FFF2-40B4-BE49-F238E27FC236}">
-                <a16:creationId xmlns:a16="http://schemas.microsoft.com/office/drawing/2014/main" id="{310A3AF4-01A8-43D2-A732-8A468D0555A5}"/>
+                <a16:creationId xmlns:a16="http://schemas.microsoft.com/office/drawing/2014/main" id="{C4124048-A0D6-4488-9B5D-E2C4EA030355}"/>
               </a:ext>
             </a:extLst>
           </p:cNvPr>
@@ -5539,8 +5508,8 @@
         </p:nvSpPr>
         <p:spPr>
           <a:xfrm>
-            <a:off x="838200" y="1690688"/>
-            <a:ext cx="10515600" cy="4802187"/>
+            <a:off x="838200" y="1825625"/>
+            <a:ext cx="10515600" cy="4351338"/>
           </a:xfrm>
         </p:spPr>
         <p:txBody>
@@ -5551,37 +5520,45 @@
               <a:buNone/>
             </a:pPr>
             <a:r>
+              <a:rPr lang="uk-UA" dirty="0"/>
+              <a:t>Найбільше учасників команди на </a:t>
+            </a:r>
+            <a:r>
               <a:rPr lang="uk-UA" b="1" dirty="0"/>
-              <a:t>Змішаний</a:t>
+              <a:t>стороні розробки застосунків</a:t>
             </a:r>
             <a:r>
               <a:rPr lang="uk-UA" dirty="0"/>
-              <a:t> тип проектної команди дозволив під час розробки розподіляти відповідальність за розробку програмного проекту і отримання певних артефактів більш гнучко і враховуючи особистісні можливості кожного члена команди. Також, оскільки точно був відомий замовник, було вирішено відмовитись від </a:t>
+              <a:t>, тому що ця робота потребує більше ресурсів для виконання</a:t>
             </a:r>
             <a:r>
               <a:rPr lang="uk-UA" b="1" dirty="0"/>
-              <a:t>маркетингової</a:t>
+              <a:t>. Спеціаліст із застосунків </a:t>
             </a:r>
             <a:r>
               <a:rPr lang="uk-UA" dirty="0"/>
-              <a:t> ролі, а також </a:t>
+              <a:t>був необхідний для використання у процесі визначених застосунків для забезпечення комфортної  і розробки координації дій. </a:t>
             </a:r>
             <a:r>
               <a:rPr lang="uk-UA" b="1" dirty="0"/>
-              <a:t>системного інтегрування </a:t>
+              <a:t>На стороні забезпечення якості</a:t>
             </a:r>
             <a:r>
               <a:rPr lang="uk-UA" dirty="0"/>
-              <a:t>(сторона замовника надає свого співробітника). </a:t>
-            </a:r>
-            <a:endParaRPr lang="uk-UA" b="1" dirty="0"/>
+              <a:t> – технічний письменник, що зміг би написати чітку і докладну документацію, а також </a:t>
+            </a:r>
+            <a:r>
+              <a:rPr lang="uk-UA" b="1"/>
+              <a:t>інженер тестування.</a:t>
+            </a:r>
+            <a:endParaRPr lang="uk-UA" dirty="0"/>
           </a:p>
         </p:txBody>
       </p:sp>
     </p:spTree>
     <p:extLst>
       <p:ext uri="{BB962C8B-B14F-4D97-AF65-F5344CB8AC3E}">
-        <p14:creationId xmlns:p14="http://schemas.microsoft.com/office/powerpoint/2010/main" val="335981598"/>
+        <p14:creationId xmlns:p14="http://schemas.microsoft.com/office/powerpoint/2010/main" val="110792146"/>
       </p:ext>
     </p:extLst>
   </p:cSld>
@@ -5613,7 +5590,7 @@
           <p:cNvPr id="2" name="Заголовок 1">
             <a:extLst>
               <a:ext uri="{FF2B5EF4-FFF2-40B4-BE49-F238E27FC236}">
-                <a16:creationId xmlns:a16="http://schemas.microsoft.com/office/drawing/2014/main" id="{02FD627C-1647-4F6B-81DB-F4B5197923B6}"/>
+                <a16:creationId xmlns:a16="http://schemas.microsoft.com/office/drawing/2014/main" id="{47C61AE6-9067-4EE8-88BA-7EADC264B20E}"/>
               </a:ext>
             </a:extLst>
           </p:cNvPr>
@@ -5630,10 +5607,10 @@
           <a:lstStyle/>
           <a:p>
             <a:r>
-              <a:rPr lang="uk-UA" b="1" dirty="0"/>
-              <a:t>Обґрунтування вибору ролей: рішення</a:t>
-            </a:r>
-            <a:endParaRPr lang="uk-UA" dirty="0"/>
+              <a:rPr lang="ru-RU" b="1" dirty="0"/>
+              <a:t>Концепція створення проекту</a:t>
+            </a:r>
+            <a:endParaRPr lang="uk-UA" b="1" dirty="0"/>
           </a:p>
         </p:txBody>
       </p:sp>
@@ -5642,7 +5619,7 @@
           <p:cNvPr id="3" name="Объект 2">
             <a:extLst>
               <a:ext uri="{FF2B5EF4-FFF2-40B4-BE49-F238E27FC236}">
-                <a16:creationId xmlns:a16="http://schemas.microsoft.com/office/drawing/2014/main" id="{C4124048-A0D6-4488-9B5D-E2C4EA030355}"/>
+                <a16:creationId xmlns:a16="http://schemas.microsoft.com/office/drawing/2014/main" id="{8BA2412F-DD63-43F5-8CD5-E6B2F3796930}"/>
               </a:ext>
             </a:extLst>
           </p:cNvPr>
@@ -5653,12 +5630,7 @@
             <p:ph idx="1"/>
           </p:nvPr>
         </p:nvSpPr>
-        <p:spPr>
-          <a:xfrm>
-            <a:off x="838200" y="1825625"/>
-            <a:ext cx="10515600" cy="4351338"/>
-          </a:xfrm>
-        </p:spPr>
+        <p:spPr/>
         <p:txBody>
           <a:bodyPr/>
           <a:lstStyle/>
@@ -5668,48 +5640,49 @@
             </a:pPr>
             <a:r>
               <a:rPr lang="uk-UA" dirty="0"/>
-              <a:t>Найбільше учасників команди на </a:t>
-            </a:r>
-            <a:r>
-              <a:rPr lang="uk-UA" b="1" dirty="0"/>
-              <a:t>стороні розробки застосунків</a:t>
+              <a:t>Архітектором було визначену потребу в гнучкості, ітеративності, функціональності, </a:t>
+            </a:r>
+            <a:r>
+              <a:rPr lang="uk-UA" dirty="0" err="1"/>
+              <a:t>прототипуванні</a:t>
             </a:r>
             <a:r>
               <a:rPr lang="uk-UA" dirty="0"/>
-              <a:t>, тому що ця робота потребує більше ресурсів для виконання</a:t>
-            </a:r>
-            <a:r>
-              <a:rPr lang="uk-UA" b="1" dirty="0"/>
-              <a:t>. Спеціаліст із застосунків </a:t>
+              <a:t>, жорсткому менеджменті часу. Для цього підходить еволюційна модель швидкого </a:t>
+            </a:r>
+            <a:r>
+              <a:rPr lang="uk-UA" dirty="0" err="1"/>
+              <a:t>прототипування</a:t>
             </a:r>
             <a:r>
               <a:rPr lang="uk-UA" dirty="0"/>
-              <a:t>був необхідний для використання у процесі визначених застосунків для забезпечення комфортної  і розробки координації дій. </a:t>
-            </a:r>
-            <a:r>
-              <a:rPr lang="uk-UA" b="1" dirty="0"/>
-              <a:t>На стороні забезпечення якості</a:t>
-            </a:r>
+              <a:t>. </a:t>
+            </a:r>
+          </a:p>
+          <a:p>
+            <a:pPr marL="0" indent="0">
+              <a:buNone/>
+            </a:pPr>
             <a:r>
               <a:rPr lang="uk-UA" dirty="0"/>
-              <a:t> – технічний письменник, що зміг би написати чітку і докладну документацію, а також </a:t>
-            </a:r>
-            <a:r>
-              <a:rPr lang="uk-UA" b="1" dirty="0"/>
-              <a:t>інженер тестування, </a:t>
-            </a:r>
-            <a:r>
-              <a:rPr lang="en-US" b="1" dirty="0"/>
-              <a:t>[INSERT]</a:t>
-            </a:r>
-            <a:endParaRPr lang="uk-UA" dirty="0"/>
+              <a:t>На основі </a:t>
+            </a:r>
+            <a:r>
+              <a:rPr lang="en-US" dirty="0"/>
+              <a:t>ERD </a:t>
+            </a:r>
+            <a:r>
+              <a:rPr lang="uk-UA" dirty="0"/>
+              <a:t>моделі виконувалось проектування та буде виконуватись подальша розробка системи «Електронна кафедра», що забезпечить високу продуктивність команди протягом усього ЖЦ проекту.</a:t>
+            </a:r>
+            <a:endParaRPr lang="en-US" dirty="0"/>
           </a:p>
         </p:txBody>
       </p:sp>
     </p:spTree>
     <p:extLst>
       <p:ext uri="{BB962C8B-B14F-4D97-AF65-F5344CB8AC3E}">
-        <p14:creationId xmlns:p14="http://schemas.microsoft.com/office/powerpoint/2010/main" val="110792146"/>
+        <p14:creationId xmlns:p14="http://schemas.microsoft.com/office/powerpoint/2010/main" val="3684691385"/>
       </p:ext>
     </p:extLst>
   </p:cSld>
@@ -5741,7 +5714,7 @@
           <p:cNvPr id="2" name="Заголовок 1">
             <a:extLst>
               <a:ext uri="{FF2B5EF4-FFF2-40B4-BE49-F238E27FC236}">
-                <a16:creationId xmlns:a16="http://schemas.microsoft.com/office/drawing/2014/main" id="{47C61AE6-9067-4EE8-88BA-7EADC264B20E}"/>
+                <a16:creationId xmlns:a16="http://schemas.microsoft.com/office/drawing/2014/main" id="{90455AB9-24F2-4B19-BF9B-47FE9CA84C0F}"/>
               </a:ext>
             </a:extLst>
           </p:cNvPr>
@@ -5758,19 +5731,18 @@
           <a:lstStyle/>
           <a:p>
             <a:r>
-              <a:rPr lang="ru-RU" b="1" dirty="0"/>
-              <a:t>Концепція створення проекту</a:t>
-            </a:r>
-            <a:endParaRPr lang="uk-UA" b="1" dirty="0"/>
-          </a:p>
-        </p:txBody>
-      </p:sp>
-      <p:sp>
-        <p:nvSpPr>
-          <p:cNvPr id="3" name="Объект 2">
-            <a:extLst>
-              <a:ext uri="{FF2B5EF4-FFF2-40B4-BE49-F238E27FC236}">
-                <a16:creationId xmlns:a16="http://schemas.microsoft.com/office/drawing/2014/main" id="{8BA2412F-DD63-43F5-8CD5-E6B2F3796930}"/>
+              <a:rPr lang="uk-UA" b="1" dirty="0"/>
+              <a:t>Функціональні вимоги</a:t>
+            </a:r>
+          </a:p>
+        </p:txBody>
+      </p:sp>
+      <p:sp>
+        <p:nvSpPr>
+          <p:cNvPr id="5" name="Объект 4">
+            <a:extLst>
+              <a:ext uri="{FF2B5EF4-FFF2-40B4-BE49-F238E27FC236}">
+                <a16:creationId xmlns:a16="http://schemas.microsoft.com/office/drawing/2014/main" id="{40275604-4C1B-48F9-B15B-41CA8F665916}"/>
               </a:ext>
             </a:extLst>
           </p:cNvPr>
@@ -5786,39 +5758,6 @@
           <a:bodyPr/>
           <a:lstStyle/>
           <a:p>
-            <a:pPr marL="0" indent="0">
-              <a:buNone/>
-            </a:pPr>
-            <a:r>
-              <a:rPr lang="uk-UA" dirty="0"/>
-              <a:t>Архітектором було визначену потребу в гнучкості, ітеративності, функціональності, </a:t>
-            </a:r>
-            <a:r>
-              <a:rPr lang="uk-UA" dirty="0" err="1"/>
-              <a:t>прототипуванні</a:t>
-            </a:r>
-            <a:r>
-              <a:rPr lang="uk-UA" dirty="0"/>
-              <a:t>, жорсткому менеджменті часу. Для цього підходить еволюційна модель швидкого </a:t>
-            </a:r>
-            <a:r>
-              <a:rPr lang="uk-UA" dirty="0" err="1"/>
-              <a:t>прототипування</a:t>
-            </a:r>
-            <a:r>
-              <a:rPr lang="uk-UA" dirty="0"/>
-              <a:t>. </a:t>
-            </a:r>
-            <a:endParaRPr lang="en-US" dirty="0"/>
-          </a:p>
-          <a:p>
-            <a:pPr marL="0" indent="0">
-              <a:buNone/>
-            </a:pPr>
-            <a:r>
-              <a:rPr lang="en-US"/>
-              <a:t>[INSERT]</a:t>
-            </a:r>
             <a:endParaRPr lang="uk-UA" dirty="0"/>
           </a:p>
         </p:txBody>
@@ -5826,7 +5765,7 @@
     </p:spTree>
     <p:extLst>
       <p:ext uri="{BB962C8B-B14F-4D97-AF65-F5344CB8AC3E}">
-        <p14:creationId xmlns:p14="http://schemas.microsoft.com/office/powerpoint/2010/main" val="3684691385"/>
+        <p14:creationId xmlns:p14="http://schemas.microsoft.com/office/powerpoint/2010/main" val="910646751"/>
       </p:ext>
     </p:extLst>
   </p:cSld>
@@ -5858,7 +5797,7 @@
           <p:cNvPr id="2" name="Заголовок 1">
             <a:extLst>
               <a:ext uri="{FF2B5EF4-FFF2-40B4-BE49-F238E27FC236}">
-                <a16:creationId xmlns:a16="http://schemas.microsoft.com/office/drawing/2014/main" id="{90455AB9-24F2-4B19-BF9B-47FE9CA84C0F}"/>
+                <a16:creationId xmlns:a16="http://schemas.microsoft.com/office/drawing/2014/main" id="{219FB3F7-5081-4B04-AEE9-903D140D5565}"/>
               </a:ext>
             </a:extLst>
           </p:cNvPr>
@@ -5874,1060 +5813,39 @@
           <a:bodyPr/>
           <a:lstStyle/>
           <a:p>
-            <a:r>
-              <a:rPr lang="uk-UA" b="1" dirty="0"/>
-              <a:t>Функціональні вимоги: зовнішнє (?)</a:t>
-            </a:r>
-          </a:p>
-        </p:txBody>
-      </p:sp>
-      <p:graphicFrame>
-        <p:nvGraphicFramePr>
-          <p:cNvPr id="4" name="Таблица 4">
-            <a:extLst>
-              <a:ext uri="{FF2B5EF4-FFF2-40B4-BE49-F238E27FC236}">
-                <a16:creationId xmlns:a16="http://schemas.microsoft.com/office/drawing/2014/main" id="{C3219A58-7B4A-450E-8572-B3F021B1D2A5}"/>
-              </a:ext>
-            </a:extLst>
-          </p:cNvPr>
-          <p:cNvGraphicFramePr>
-            <a:graphicFrameLocks noGrp="1"/>
-          </p:cNvGraphicFramePr>
+            <a:endParaRPr lang="uk-UA" b="1" dirty="0"/>
+          </a:p>
+        </p:txBody>
+      </p:sp>
+      <p:sp>
+        <p:nvSpPr>
+          <p:cNvPr id="3" name="Объект 2">
+            <a:extLst>
+              <a:ext uri="{FF2B5EF4-FFF2-40B4-BE49-F238E27FC236}">
+                <a16:creationId xmlns:a16="http://schemas.microsoft.com/office/drawing/2014/main" id="{04D0E565-993A-4670-9C84-B96B796340BA}"/>
+              </a:ext>
+            </a:extLst>
+          </p:cNvPr>
+          <p:cNvSpPr>
+            <a:spLocks noGrp="1"/>
+          </p:cNvSpPr>
           <p:nvPr>
             <p:ph idx="1"/>
-            <p:extLst>
-              <p:ext uri="{D42A27DB-BD31-4B8C-83A1-F6EECF244321}">
-                <p14:modId xmlns:p14="http://schemas.microsoft.com/office/powerpoint/2010/main" val="2424008535"/>
-              </p:ext>
-            </p:extLst>
-          </p:nvPr>
-        </p:nvGraphicFramePr>
-        <p:xfrm>
-          <a:off x="838200" y="1825625"/>
-          <a:ext cx="10515600" cy="3032760"/>
-        </p:xfrm>
-        <a:graphic>
-          <a:graphicData uri="http://schemas.openxmlformats.org/drawingml/2006/table">
-            <a:tbl>
-              <a:tblPr firstRow="1" bandRow="1">
-                <a:tableStyleId>{5C22544A-7EE6-4342-B048-85BDC9FD1C3A}</a:tableStyleId>
-              </a:tblPr>
-              <a:tblGrid>
-                <a:gridCol w="5257800">
-                  <a:extLst>
-                    <a:ext uri="{9D8B030D-6E8A-4147-A177-3AD203B41FA5}">
-                      <a16:colId xmlns:a16="http://schemas.microsoft.com/office/drawing/2014/main" val="3170782572"/>
-                    </a:ext>
-                  </a:extLst>
-                </a:gridCol>
-                <a:gridCol w="5257800">
-                  <a:extLst>
-                    <a:ext uri="{9D8B030D-6E8A-4147-A177-3AD203B41FA5}">
-                      <a16:colId xmlns:a16="http://schemas.microsoft.com/office/drawing/2014/main" val="3620583690"/>
-                    </a:ext>
-                  </a:extLst>
-                </a:gridCol>
-              </a:tblGrid>
-              <a:tr h="370840">
-                <a:tc gridSpan="2">
-                  <a:txBody>
-                    <a:bodyPr/>
-                    <a:lstStyle/>
-                    <a:p>
-                      <a:r>
-                        <a:rPr lang="uk-UA" dirty="0">
-                          <a:solidFill>
-                            <a:schemeClr val="tx1"/>
-                          </a:solidFill>
-                        </a:rPr>
-                        <a:t>Вимоги до зовнішніх інтерфейсів</a:t>
-                      </a:r>
-                    </a:p>
-                  </a:txBody>
-                  <a:tcPr>
-                    <a:lnL w="12700" cap="flat" cmpd="sng" algn="ctr">
-                      <a:solidFill>
-                        <a:schemeClr val="tx1"/>
-                      </a:solidFill>
-                      <a:prstDash val="solid"/>
-                      <a:round/>
-                      <a:headEnd type="none" w="med" len="med"/>
-                      <a:tailEnd type="none" w="med" len="med"/>
-                    </a:lnL>
-                    <a:lnR w="12700" cap="flat" cmpd="sng" algn="ctr">
-                      <a:solidFill>
-                        <a:schemeClr val="tx1"/>
-                      </a:solidFill>
-                      <a:prstDash val="solid"/>
-                      <a:round/>
-                      <a:headEnd type="none" w="med" len="med"/>
-                      <a:tailEnd type="none" w="med" len="med"/>
-                    </a:lnR>
-                    <a:lnT w="12700" cap="flat" cmpd="sng" algn="ctr">
-                      <a:solidFill>
-                        <a:schemeClr val="tx1"/>
-                      </a:solidFill>
-                      <a:prstDash val="solid"/>
-                      <a:round/>
-                      <a:headEnd type="none" w="med" len="med"/>
-                      <a:tailEnd type="none" w="med" len="med"/>
-                    </a:lnT>
-                    <a:lnB w="12700" cap="flat" cmpd="sng" algn="ctr">
-                      <a:solidFill>
-                        <a:schemeClr val="tx1"/>
-                      </a:solidFill>
-                      <a:prstDash val="solid"/>
-                      <a:round/>
-                      <a:headEnd type="none" w="med" len="med"/>
-                      <a:tailEnd type="none" w="med" len="med"/>
-                    </a:lnB>
-                    <a:lnTlToBr w="12700" cmpd="sng">
-                      <a:noFill/>
-                      <a:prstDash val="solid"/>
-                    </a:lnTlToBr>
-                    <a:lnBlToTr w="12700" cmpd="sng">
-                      <a:noFill/>
-                      <a:prstDash val="solid"/>
-                    </a:lnBlToTr>
-                    <a:solidFill>
-                      <a:schemeClr val="bg1"/>
-                    </a:solidFill>
-                  </a:tcPr>
-                </a:tc>
-                <a:tc hMerge="1">
-                  <a:txBody>
-                    <a:bodyPr/>
-                    <a:lstStyle/>
-                    <a:p>
-                      <a:endParaRPr lang="uk-UA" dirty="0"/>
-                    </a:p>
-                  </a:txBody>
-                  <a:tcPr/>
-                </a:tc>
-                <a:extLst>
-                  <a:ext uri="{0D108BD9-81ED-4DB2-BD59-A6C34878D82A}">
-                    <a16:rowId xmlns:a16="http://schemas.microsoft.com/office/drawing/2014/main" val="716675610"/>
-                  </a:ext>
-                </a:extLst>
-              </a:tr>
-              <a:tr h="370840">
-                <a:tc>
-                  <a:txBody>
-                    <a:bodyPr/>
-                    <a:lstStyle/>
-                    <a:p>
-                      <a:r>
-                        <a:rPr lang="uk-UA" sz="1800" kern="1200" dirty="0">
-                          <a:solidFill>
-                            <a:schemeClr val="dk1"/>
-                          </a:solidFill>
-                          <a:effectLst/>
-                          <a:latin typeface="+mn-lt"/>
-                          <a:ea typeface="+mn-ea"/>
-                          <a:cs typeface="+mn-cs"/>
-                        </a:rPr>
-                        <a:t>Інтерфейс користувача</a:t>
-                      </a:r>
-                      <a:endParaRPr lang="uk-UA" sz="1400" kern="1200" dirty="0">
-                        <a:solidFill>
-                          <a:schemeClr val="dk1"/>
-                        </a:solidFill>
-                        <a:effectLst/>
-                        <a:latin typeface="+mn-lt"/>
-                        <a:ea typeface="+mn-ea"/>
-                        <a:cs typeface="+mn-cs"/>
-                      </a:endParaRPr>
-                    </a:p>
-                    <a:p>
-                      <a:endParaRPr lang="uk-UA" dirty="0"/>
-                    </a:p>
-                  </a:txBody>
-                  <a:tcPr>
-                    <a:lnL w="12700" cap="flat" cmpd="sng" algn="ctr">
-                      <a:solidFill>
-                        <a:schemeClr val="tx1"/>
-                      </a:solidFill>
-                      <a:prstDash val="solid"/>
-                      <a:round/>
-                      <a:headEnd type="none" w="med" len="med"/>
-                      <a:tailEnd type="none" w="med" len="med"/>
-                    </a:lnL>
-                    <a:lnR w="12700" cap="flat" cmpd="sng" algn="ctr">
-                      <a:solidFill>
-                        <a:schemeClr val="tx1"/>
-                      </a:solidFill>
-                      <a:prstDash val="solid"/>
-                      <a:round/>
-                      <a:headEnd type="none" w="med" len="med"/>
-                      <a:tailEnd type="none" w="med" len="med"/>
-                    </a:lnR>
-                    <a:lnT w="12700" cap="flat" cmpd="sng" algn="ctr">
-                      <a:solidFill>
-                        <a:schemeClr val="tx1"/>
-                      </a:solidFill>
-                      <a:prstDash val="solid"/>
-                      <a:round/>
-                      <a:headEnd type="none" w="med" len="med"/>
-                      <a:tailEnd type="none" w="med" len="med"/>
-                    </a:lnT>
-                    <a:lnB w="12700" cap="flat" cmpd="sng" algn="ctr">
-                      <a:solidFill>
-                        <a:schemeClr val="tx1"/>
-                      </a:solidFill>
-                      <a:prstDash val="solid"/>
-                      <a:round/>
-                      <a:headEnd type="none" w="med" len="med"/>
-                      <a:tailEnd type="none" w="med" len="med"/>
-                    </a:lnB>
-                    <a:lnTlToBr w="12700" cmpd="sng">
-                      <a:noFill/>
-                      <a:prstDash val="solid"/>
-                    </a:lnTlToBr>
-                    <a:lnBlToTr w="12700" cmpd="sng">
-                      <a:noFill/>
-                      <a:prstDash val="solid"/>
-                    </a:lnBlToTr>
-                    <a:solidFill>
-                      <a:schemeClr val="bg1"/>
-                    </a:solidFill>
-                  </a:tcPr>
-                </a:tc>
-                <a:tc>
-                  <a:txBody>
-                    <a:bodyPr/>
-                    <a:lstStyle/>
-                    <a:p>
-                      <a:r>
-                        <a:rPr lang="en-US" sz="1800" kern="1200" dirty="0">
-                          <a:solidFill>
-                            <a:schemeClr val="dk1"/>
-                          </a:solidFill>
-                          <a:effectLst/>
-                          <a:latin typeface="+mn-lt"/>
-                          <a:ea typeface="+mn-ea"/>
-                          <a:cs typeface="+mn-cs"/>
-                        </a:rPr>
-                        <a:t>GUI, WUI</a:t>
-                      </a:r>
-                      <a:endParaRPr lang="uk-UA" dirty="0"/>
-                    </a:p>
-                  </a:txBody>
-                  <a:tcPr>
-                    <a:lnL w="12700" cap="flat" cmpd="sng" algn="ctr">
-                      <a:solidFill>
-                        <a:schemeClr val="tx1"/>
-                      </a:solidFill>
-                      <a:prstDash val="solid"/>
-                      <a:round/>
-                      <a:headEnd type="none" w="med" len="med"/>
-                      <a:tailEnd type="none" w="med" len="med"/>
-                    </a:lnL>
-                    <a:lnR w="12700" cap="flat" cmpd="sng" algn="ctr">
-                      <a:solidFill>
-                        <a:schemeClr val="tx1"/>
-                      </a:solidFill>
-                      <a:prstDash val="solid"/>
-                      <a:round/>
-                      <a:headEnd type="none" w="med" len="med"/>
-                      <a:tailEnd type="none" w="med" len="med"/>
-                    </a:lnR>
-                    <a:lnT w="12700" cap="flat" cmpd="sng" algn="ctr">
-                      <a:solidFill>
-                        <a:schemeClr val="tx1"/>
-                      </a:solidFill>
-                      <a:prstDash val="solid"/>
-                      <a:round/>
-                      <a:headEnd type="none" w="med" len="med"/>
-                      <a:tailEnd type="none" w="med" len="med"/>
-                    </a:lnT>
-                    <a:lnB w="12700" cap="flat" cmpd="sng" algn="ctr">
-                      <a:solidFill>
-                        <a:schemeClr val="tx1"/>
-                      </a:solidFill>
-                      <a:prstDash val="solid"/>
-                      <a:round/>
-                      <a:headEnd type="none" w="med" len="med"/>
-                      <a:tailEnd type="none" w="med" len="med"/>
-                    </a:lnB>
-                    <a:lnTlToBr w="12700" cmpd="sng">
-                      <a:noFill/>
-                      <a:prstDash val="solid"/>
-                    </a:lnTlToBr>
-                    <a:lnBlToTr w="12700" cmpd="sng">
-                      <a:noFill/>
-                      <a:prstDash val="solid"/>
-                    </a:lnBlToTr>
-                    <a:solidFill>
-                      <a:schemeClr val="bg1"/>
-                    </a:solidFill>
-                  </a:tcPr>
-                </a:tc>
-                <a:extLst>
-                  <a:ext uri="{0D108BD9-81ED-4DB2-BD59-A6C34878D82A}">
-                    <a16:rowId xmlns:a16="http://schemas.microsoft.com/office/drawing/2014/main" val="1092088456"/>
-                  </a:ext>
-                </a:extLst>
-              </a:tr>
-              <a:tr h="370840">
-                <a:tc>
-                  <a:txBody>
-                    <a:bodyPr/>
-                    <a:lstStyle/>
-                    <a:p>
-                      <a:r>
-                        <a:rPr lang="uk-UA" sz="1800" kern="1200" dirty="0">
-                          <a:solidFill>
-                            <a:schemeClr val="dk1"/>
-                          </a:solidFill>
-                          <a:effectLst/>
-                          <a:latin typeface="+mn-lt"/>
-                          <a:ea typeface="+mn-ea"/>
-                          <a:cs typeface="+mn-cs"/>
-                        </a:rPr>
-                        <a:t>Апаратний інтерфейс</a:t>
-                      </a:r>
-                      <a:endParaRPr lang="uk-UA" dirty="0"/>
-                    </a:p>
-                  </a:txBody>
-                  <a:tcPr>
-                    <a:lnL w="12700" cap="flat" cmpd="sng" algn="ctr">
-                      <a:solidFill>
-                        <a:schemeClr val="tx1"/>
-                      </a:solidFill>
-                      <a:prstDash val="solid"/>
-                      <a:round/>
-                      <a:headEnd type="none" w="med" len="med"/>
-                      <a:tailEnd type="none" w="med" len="med"/>
-                    </a:lnL>
-                    <a:lnR w="12700" cap="flat" cmpd="sng" algn="ctr">
-                      <a:solidFill>
-                        <a:schemeClr val="tx1"/>
-                      </a:solidFill>
-                      <a:prstDash val="solid"/>
-                      <a:round/>
-                      <a:headEnd type="none" w="med" len="med"/>
-                      <a:tailEnd type="none" w="med" len="med"/>
-                    </a:lnR>
-                    <a:lnT w="12700" cap="flat" cmpd="sng" algn="ctr">
-                      <a:solidFill>
-                        <a:schemeClr val="tx1"/>
-                      </a:solidFill>
-                      <a:prstDash val="solid"/>
-                      <a:round/>
-                      <a:headEnd type="none" w="med" len="med"/>
-                      <a:tailEnd type="none" w="med" len="med"/>
-                    </a:lnT>
-                    <a:lnB w="12700" cap="flat" cmpd="sng" algn="ctr">
-                      <a:solidFill>
-                        <a:schemeClr val="tx1"/>
-                      </a:solidFill>
-                      <a:prstDash val="solid"/>
-                      <a:round/>
-                      <a:headEnd type="none" w="med" len="med"/>
-                      <a:tailEnd type="none" w="med" len="med"/>
-                    </a:lnB>
-                    <a:lnTlToBr w="12700" cmpd="sng">
-                      <a:noFill/>
-                      <a:prstDash val="solid"/>
-                    </a:lnTlToBr>
-                    <a:lnBlToTr w="12700" cmpd="sng">
-                      <a:noFill/>
-                      <a:prstDash val="solid"/>
-                    </a:lnBlToTr>
-                    <a:solidFill>
-                      <a:schemeClr val="bg1"/>
-                    </a:solidFill>
-                  </a:tcPr>
-                </a:tc>
-                <a:tc>
-                  <a:txBody>
-                    <a:bodyPr/>
-                    <a:lstStyle/>
-                    <a:p>
-                      <a:pPr marL="0" marR="0" lvl="0" indent="0" algn="l" defTabSz="914400" rtl="0" eaLnBrk="1" fontAlgn="auto" latinLnBrk="0" hangingPunct="1">
-                        <a:lnSpc>
-                          <a:spcPct val="100000"/>
-                        </a:lnSpc>
-                        <a:spcBef>
-                          <a:spcPts val="0"/>
-                        </a:spcBef>
-                        <a:spcAft>
-                          <a:spcPts val="0"/>
-                        </a:spcAft>
-                        <a:buClrTx/>
-                        <a:buSzTx/>
-                        <a:buFontTx/>
-                        <a:buNone/>
-                        <a:tabLst/>
-                        <a:defRPr/>
-                      </a:pPr>
-                      <a:r>
-                        <a:rPr lang="uk-UA" sz="1800" kern="1200" dirty="0">
-                          <a:solidFill>
-                            <a:schemeClr val="dk1"/>
-                          </a:solidFill>
-                          <a:effectLst/>
-                          <a:latin typeface="+mn-lt"/>
-                          <a:ea typeface="+mn-ea"/>
-                          <a:cs typeface="+mn-cs"/>
-                        </a:rPr>
-                        <a:t>не </a:t>
-                      </a:r>
-                      <a:r>
-                        <a:rPr lang="uk-UA" sz="1800" kern="1200" dirty="0" err="1">
-                          <a:solidFill>
-                            <a:schemeClr val="dk1"/>
-                          </a:solidFill>
-                          <a:effectLst/>
-                          <a:latin typeface="+mn-lt"/>
-                          <a:ea typeface="+mn-ea"/>
-                          <a:cs typeface="+mn-cs"/>
-                        </a:rPr>
-                        <a:t>уточнюється</a:t>
-                      </a:r>
-                      <a:r>
-                        <a:rPr lang="uk-UA" sz="1800" kern="1200" dirty="0">
-                          <a:solidFill>
-                            <a:schemeClr val="dk1"/>
-                          </a:solidFill>
-                          <a:effectLst/>
-                          <a:latin typeface="+mn-lt"/>
-                          <a:ea typeface="+mn-ea"/>
-                          <a:cs typeface="+mn-cs"/>
-                        </a:rPr>
-                        <a:t>, стандартний.</a:t>
-                      </a:r>
-                      <a:endParaRPr lang="uk-UA" sz="1400" kern="1200" dirty="0">
-                        <a:solidFill>
-                          <a:schemeClr val="dk1"/>
-                        </a:solidFill>
-                        <a:effectLst/>
-                        <a:latin typeface="+mn-lt"/>
-                        <a:ea typeface="+mn-ea"/>
-                        <a:cs typeface="+mn-cs"/>
-                      </a:endParaRPr>
-                    </a:p>
-                    <a:p>
-                      <a:endParaRPr lang="uk-UA" dirty="0"/>
-                    </a:p>
-                  </a:txBody>
-                  <a:tcPr>
-                    <a:lnL w="12700" cap="flat" cmpd="sng" algn="ctr">
-                      <a:solidFill>
-                        <a:schemeClr val="tx1"/>
-                      </a:solidFill>
-                      <a:prstDash val="solid"/>
-                      <a:round/>
-                      <a:headEnd type="none" w="med" len="med"/>
-                      <a:tailEnd type="none" w="med" len="med"/>
-                    </a:lnL>
-                    <a:lnR w="12700" cap="flat" cmpd="sng" algn="ctr">
-                      <a:solidFill>
-                        <a:schemeClr val="tx1"/>
-                      </a:solidFill>
-                      <a:prstDash val="solid"/>
-                      <a:round/>
-                      <a:headEnd type="none" w="med" len="med"/>
-                      <a:tailEnd type="none" w="med" len="med"/>
-                    </a:lnR>
-                    <a:lnT w="12700" cap="flat" cmpd="sng" algn="ctr">
-                      <a:solidFill>
-                        <a:schemeClr val="tx1"/>
-                      </a:solidFill>
-                      <a:prstDash val="solid"/>
-                      <a:round/>
-                      <a:headEnd type="none" w="med" len="med"/>
-                      <a:tailEnd type="none" w="med" len="med"/>
-                    </a:lnT>
-                    <a:lnB w="12700" cap="flat" cmpd="sng" algn="ctr">
-                      <a:solidFill>
-                        <a:schemeClr val="tx1"/>
-                      </a:solidFill>
-                      <a:prstDash val="solid"/>
-                      <a:round/>
-                      <a:headEnd type="none" w="med" len="med"/>
-                      <a:tailEnd type="none" w="med" len="med"/>
-                    </a:lnB>
-                    <a:lnTlToBr w="12700" cmpd="sng">
-                      <a:noFill/>
-                      <a:prstDash val="solid"/>
-                    </a:lnTlToBr>
-                    <a:lnBlToTr w="12700" cmpd="sng">
-                      <a:noFill/>
-                      <a:prstDash val="solid"/>
-                    </a:lnBlToTr>
-                    <a:solidFill>
-                      <a:schemeClr val="bg1"/>
-                    </a:solidFill>
-                  </a:tcPr>
-                </a:tc>
-                <a:extLst>
-                  <a:ext uri="{0D108BD9-81ED-4DB2-BD59-A6C34878D82A}">
-                    <a16:rowId xmlns:a16="http://schemas.microsoft.com/office/drawing/2014/main" val="3053781657"/>
-                  </a:ext>
-                </a:extLst>
-              </a:tr>
-              <a:tr h="370840">
-                <a:tc>
-                  <a:txBody>
-                    <a:bodyPr/>
-                    <a:lstStyle/>
-                    <a:p>
-                      <a:r>
-                        <a:rPr lang="uk-UA" sz="1800" kern="1200" dirty="0">
-                          <a:solidFill>
-                            <a:schemeClr val="dk1"/>
-                          </a:solidFill>
-                          <a:effectLst/>
-                          <a:latin typeface="+mn-lt"/>
-                          <a:ea typeface="+mn-ea"/>
-                          <a:cs typeface="+mn-cs"/>
-                        </a:rPr>
-                        <a:t>Програмний інтерфейс</a:t>
-                      </a:r>
-                      <a:endParaRPr lang="uk-UA" dirty="0"/>
-                    </a:p>
-                  </a:txBody>
-                  <a:tcPr>
-                    <a:lnL w="12700" cap="flat" cmpd="sng" algn="ctr">
-                      <a:solidFill>
-                        <a:schemeClr val="tx1"/>
-                      </a:solidFill>
-                      <a:prstDash val="solid"/>
-                      <a:round/>
-                      <a:headEnd type="none" w="med" len="med"/>
-                      <a:tailEnd type="none" w="med" len="med"/>
-                    </a:lnL>
-                    <a:lnR w="12700" cap="flat" cmpd="sng" algn="ctr">
-                      <a:solidFill>
-                        <a:schemeClr val="tx1"/>
-                      </a:solidFill>
-                      <a:prstDash val="solid"/>
-                      <a:round/>
-                      <a:headEnd type="none" w="med" len="med"/>
-                      <a:tailEnd type="none" w="med" len="med"/>
-                    </a:lnR>
-                    <a:lnT w="12700" cap="flat" cmpd="sng" algn="ctr">
-                      <a:solidFill>
-                        <a:schemeClr val="tx1"/>
-                      </a:solidFill>
-                      <a:prstDash val="solid"/>
-                      <a:round/>
-                      <a:headEnd type="none" w="med" len="med"/>
-                      <a:tailEnd type="none" w="med" len="med"/>
-                    </a:lnT>
-                    <a:lnB w="12700" cap="flat" cmpd="sng" algn="ctr">
-                      <a:solidFill>
-                        <a:schemeClr val="tx1"/>
-                      </a:solidFill>
-                      <a:prstDash val="solid"/>
-                      <a:round/>
-                      <a:headEnd type="none" w="med" len="med"/>
-                      <a:tailEnd type="none" w="med" len="med"/>
-                    </a:lnB>
-                    <a:lnTlToBr w="12700" cmpd="sng">
-                      <a:noFill/>
-                      <a:prstDash val="solid"/>
-                    </a:lnTlToBr>
-                    <a:lnBlToTr w="12700" cmpd="sng">
-                      <a:noFill/>
-                      <a:prstDash val="solid"/>
-                    </a:lnBlToTr>
-                    <a:solidFill>
-                      <a:schemeClr val="bg1"/>
-                    </a:solidFill>
-                  </a:tcPr>
-                </a:tc>
-                <a:tc>
-                  <a:txBody>
-                    <a:bodyPr/>
-                    <a:lstStyle/>
-                    <a:p>
-                      <a:pPr marL="0" marR="0" lvl="0" indent="0" algn="l" defTabSz="914400" rtl="0" eaLnBrk="1" fontAlgn="auto" latinLnBrk="0" hangingPunct="1">
-                        <a:lnSpc>
-                          <a:spcPct val="100000"/>
-                        </a:lnSpc>
-                        <a:spcBef>
-                          <a:spcPts val="0"/>
-                        </a:spcBef>
-                        <a:spcAft>
-                          <a:spcPts val="0"/>
-                        </a:spcAft>
-                        <a:buClrTx/>
-                        <a:buSzTx/>
-                        <a:buFontTx/>
-                        <a:buNone/>
-                        <a:tabLst/>
-                        <a:defRPr/>
-                      </a:pPr>
-                      <a:r>
-                        <a:rPr lang="en-US" sz="1800" kern="1200" dirty="0">
-                          <a:solidFill>
-                            <a:schemeClr val="dk1"/>
-                          </a:solidFill>
-                          <a:effectLst/>
-                          <a:latin typeface="+mn-lt"/>
-                          <a:ea typeface="+mn-ea"/>
-                          <a:cs typeface="+mn-cs"/>
-                        </a:rPr>
-                        <a:t>API </a:t>
-                      </a:r>
-                      <a:r>
-                        <a:rPr lang="uk-UA" sz="1800" kern="1200" dirty="0">
-                          <a:solidFill>
-                            <a:schemeClr val="dk1"/>
-                          </a:solidFill>
-                          <a:effectLst/>
-                          <a:latin typeface="+mn-lt"/>
-                          <a:ea typeface="+mn-ea"/>
-                          <a:cs typeface="+mn-cs"/>
-                        </a:rPr>
-                        <a:t>віддалених серверів</a:t>
-                      </a:r>
-                      <a:r>
-                        <a:rPr lang="ru-RU" sz="1800" kern="1200" dirty="0">
-                          <a:solidFill>
-                            <a:schemeClr val="dk1"/>
-                          </a:solidFill>
-                          <a:effectLst/>
-                          <a:latin typeface="+mn-lt"/>
-                          <a:ea typeface="+mn-ea"/>
-                          <a:cs typeface="+mn-cs"/>
-                        </a:rPr>
-                        <a:t>, </a:t>
-                      </a:r>
-                      <a:r>
-                        <a:rPr lang="en-US" sz="1800" kern="1200" dirty="0">
-                          <a:solidFill>
-                            <a:schemeClr val="dk1"/>
-                          </a:solidFill>
-                          <a:effectLst/>
-                          <a:latin typeface="+mn-lt"/>
-                          <a:ea typeface="+mn-ea"/>
-                          <a:cs typeface="+mn-cs"/>
-                        </a:rPr>
-                        <a:t>Win</a:t>
-                      </a:r>
-                      <a:r>
-                        <a:rPr lang="ru-RU" sz="1800" kern="1200" dirty="0">
-                          <a:solidFill>
-                            <a:schemeClr val="dk1"/>
-                          </a:solidFill>
-                          <a:effectLst/>
-                          <a:latin typeface="+mn-lt"/>
-                          <a:ea typeface="+mn-ea"/>
-                          <a:cs typeface="+mn-cs"/>
-                        </a:rPr>
-                        <a:t>32</a:t>
-                      </a:r>
-                      <a:r>
-                        <a:rPr lang="uk-UA" sz="1800" kern="1200" dirty="0">
-                          <a:solidFill>
-                            <a:schemeClr val="dk1"/>
-                          </a:solidFill>
-                          <a:effectLst/>
-                          <a:latin typeface="+mn-lt"/>
-                          <a:ea typeface="+mn-ea"/>
-                          <a:cs typeface="+mn-cs"/>
-                        </a:rPr>
-                        <a:t>.</a:t>
-                      </a:r>
-                      <a:endParaRPr lang="uk-UA" sz="1400" kern="1200" dirty="0">
-                        <a:solidFill>
-                          <a:schemeClr val="dk1"/>
-                        </a:solidFill>
-                        <a:effectLst/>
-                        <a:latin typeface="+mn-lt"/>
-                        <a:ea typeface="+mn-ea"/>
-                        <a:cs typeface="+mn-cs"/>
-                      </a:endParaRPr>
-                    </a:p>
-                    <a:p>
-                      <a:endParaRPr lang="uk-UA" dirty="0"/>
-                    </a:p>
-                  </a:txBody>
-                  <a:tcPr>
-                    <a:lnL w="12700" cap="flat" cmpd="sng" algn="ctr">
-                      <a:solidFill>
-                        <a:schemeClr val="tx1"/>
-                      </a:solidFill>
-                      <a:prstDash val="solid"/>
-                      <a:round/>
-                      <a:headEnd type="none" w="med" len="med"/>
-                      <a:tailEnd type="none" w="med" len="med"/>
-                    </a:lnL>
-                    <a:lnR w="12700" cap="flat" cmpd="sng" algn="ctr">
-                      <a:solidFill>
-                        <a:schemeClr val="tx1"/>
-                      </a:solidFill>
-                      <a:prstDash val="solid"/>
-                      <a:round/>
-                      <a:headEnd type="none" w="med" len="med"/>
-                      <a:tailEnd type="none" w="med" len="med"/>
-                    </a:lnR>
-                    <a:lnT w="12700" cap="flat" cmpd="sng" algn="ctr">
-                      <a:solidFill>
-                        <a:schemeClr val="tx1"/>
-                      </a:solidFill>
-                      <a:prstDash val="solid"/>
-                      <a:round/>
-                      <a:headEnd type="none" w="med" len="med"/>
-                      <a:tailEnd type="none" w="med" len="med"/>
-                    </a:lnT>
-                    <a:lnB w="12700" cap="flat" cmpd="sng" algn="ctr">
-                      <a:solidFill>
-                        <a:schemeClr val="tx1"/>
-                      </a:solidFill>
-                      <a:prstDash val="solid"/>
-                      <a:round/>
-                      <a:headEnd type="none" w="med" len="med"/>
-                      <a:tailEnd type="none" w="med" len="med"/>
-                    </a:lnB>
-                    <a:lnTlToBr w="12700" cmpd="sng">
-                      <a:noFill/>
-                      <a:prstDash val="solid"/>
-                    </a:lnTlToBr>
-                    <a:lnBlToTr w="12700" cmpd="sng">
-                      <a:noFill/>
-                      <a:prstDash val="solid"/>
-                    </a:lnBlToTr>
-                    <a:solidFill>
-                      <a:schemeClr val="bg1"/>
-                    </a:solidFill>
-                  </a:tcPr>
-                </a:tc>
-                <a:extLst>
-                  <a:ext uri="{0D108BD9-81ED-4DB2-BD59-A6C34878D82A}">
-                    <a16:rowId xmlns:a16="http://schemas.microsoft.com/office/drawing/2014/main" val="3035579893"/>
-                  </a:ext>
-                </a:extLst>
-              </a:tr>
-              <a:tr h="370840">
-                <a:tc>
-                  <a:txBody>
-                    <a:bodyPr/>
-                    <a:lstStyle/>
-                    <a:p>
-                      <a:r>
-                        <a:rPr lang="uk-UA" sz="1800" kern="1200" dirty="0">
-                          <a:solidFill>
-                            <a:schemeClr val="dk1"/>
-                          </a:solidFill>
-                          <a:effectLst/>
-                          <a:latin typeface="+mn-lt"/>
-                          <a:ea typeface="+mn-ea"/>
-                          <a:cs typeface="+mn-cs"/>
-                        </a:rPr>
-                        <a:t>Комунікаційний протокол</a:t>
-                      </a:r>
-                      <a:r>
-                        <a:rPr lang="uk-UA" sz="1800" b="1" kern="1200" dirty="0">
-                          <a:solidFill>
-                            <a:schemeClr val="dk1"/>
-                          </a:solidFill>
-                          <a:effectLst/>
-                          <a:latin typeface="+mn-lt"/>
-                          <a:ea typeface="+mn-ea"/>
-                          <a:cs typeface="+mn-cs"/>
-                        </a:rPr>
-                        <a:t>:</a:t>
-                      </a:r>
-                      <a:r>
-                        <a:rPr lang="uk-UA" sz="1800" kern="1200" dirty="0">
-                          <a:solidFill>
-                            <a:schemeClr val="dk1"/>
-                          </a:solidFill>
-                          <a:effectLst/>
-                          <a:latin typeface="+mn-lt"/>
-                          <a:ea typeface="+mn-ea"/>
-                          <a:cs typeface="+mn-cs"/>
-                        </a:rPr>
-                        <a:t> </a:t>
-                      </a:r>
-                      <a:endParaRPr lang="uk-UA" dirty="0"/>
-                    </a:p>
-                  </a:txBody>
-                  <a:tcPr>
-                    <a:lnL w="12700" cap="flat" cmpd="sng" algn="ctr">
-                      <a:solidFill>
-                        <a:schemeClr val="tx1"/>
-                      </a:solidFill>
-                      <a:prstDash val="solid"/>
-                      <a:round/>
-                      <a:headEnd type="none" w="med" len="med"/>
-                      <a:tailEnd type="none" w="med" len="med"/>
-                    </a:lnL>
-                    <a:lnR w="12700" cap="flat" cmpd="sng" algn="ctr">
-                      <a:solidFill>
-                        <a:schemeClr val="tx1"/>
-                      </a:solidFill>
-                      <a:prstDash val="solid"/>
-                      <a:round/>
-                      <a:headEnd type="none" w="med" len="med"/>
-                      <a:tailEnd type="none" w="med" len="med"/>
-                    </a:lnR>
-                    <a:lnT w="12700" cap="flat" cmpd="sng" algn="ctr">
-                      <a:solidFill>
-                        <a:schemeClr val="tx1"/>
-                      </a:solidFill>
-                      <a:prstDash val="solid"/>
-                      <a:round/>
-                      <a:headEnd type="none" w="med" len="med"/>
-                      <a:tailEnd type="none" w="med" len="med"/>
-                    </a:lnT>
-                    <a:lnB w="12700" cap="flat" cmpd="sng" algn="ctr">
-                      <a:solidFill>
-                        <a:schemeClr val="tx1"/>
-                      </a:solidFill>
-                      <a:prstDash val="solid"/>
-                      <a:round/>
-                      <a:headEnd type="none" w="med" len="med"/>
-                      <a:tailEnd type="none" w="med" len="med"/>
-                    </a:lnB>
-                    <a:lnTlToBr w="12700" cmpd="sng">
-                      <a:noFill/>
-                      <a:prstDash val="solid"/>
-                    </a:lnTlToBr>
-                    <a:lnBlToTr w="12700" cmpd="sng">
-                      <a:noFill/>
-                      <a:prstDash val="solid"/>
-                    </a:lnBlToTr>
-                    <a:solidFill>
-                      <a:schemeClr val="bg1"/>
-                    </a:solidFill>
-                  </a:tcPr>
-                </a:tc>
-                <a:tc>
-                  <a:txBody>
-                    <a:bodyPr/>
-                    <a:lstStyle/>
-                    <a:p>
-                      <a:r>
-                        <a:rPr lang="en-US" sz="1800" kern="1200" dirty="0">
-                          <a:solidFill>
-                            <a:schemeClr val="dk1"/>
-                          </a:solidFill>
-                          <a:effectLst/>
-                          <a:latin typeface="+mn-lt"/>
-                          <a:ea typeface="+mn-ea"/>
-                          <a:cs typeface="+mn-cs"/>
-                        </a:rPr>
-                        <a:t>HTTPS</a:t>
-                      </a:r>
-                      <a:r>
-                        <a:rPr lang="uk-UA" sz="1800" kern="1200" dirty="0">
-                          <a:solidFill>
-                            <a:schemeClr val="dk1"/>
-                          </a:solidFill>
-                          <a:effectLst/>
-                          <a:latin typeface="+mn-lt"/>
-                          <a:ea typeface="+mn-ea"/>
-                          <a:cs typeface="+mn-cs"/>
-                        </a:rPr>
-                        <a:t>.</a:t>
-                      </a:r>
-                      <a:endParaRPr lang="uk-UA" dirty="0"/>
-                    </a:p>
-                  </a:txBody>
-                  <a:tcPr>
-                    <a:lnL w="12700" cap="flat" cmpd="sng" algn="ctr">
-                      <a:solidFill>
-                        <a:schemeClr val="tx1"/>
-                      </a:solidFill>
-                      <a:prstDash val="solid"/>
-                      <a:round/>
-                      <a:headEnd type="none" w="med" len="med"/>
-                      <a:tailEnd type="none" w="med" len="med"/>
-                    </a:lnL>
-                    <a:lnR w="12700" cap="flat" cmpd="sng" algn="ctr">
-                      <a:solidFill>
-                        <a:schemeClr val="tx1"/>
-                      </a:solidFill>
-                      <a:prstDash val="solid"/>
-                      <a:round/>
-                      <a:headEnd type="none" w="med" len="med"/>
-                      <a:tailEnd type="none" w="med" len="med"/>
-                    </a:lnR>
-                    <a:lnT w="12700" cap="flat" cmpd="sng" algn="ctr">
-                      <a:solidFill>
-                        <a:schemeClr val="tx1"/>
-                      </a:solidFill>
-                      <a:prstDash val="solid"/>
-                      <a:round/>
-                      <a:headEnd type="none" w="med" len="med"/>
-                      <a:tailEnd type="none" w="med" len="med"/>
-                    </a:lnT>
-                    <a:lnB w="12700" cap="flat" cmpd="sng" algn="ctr">
-                      <a:solidFill>
-                        <a:schemeClr val="tx1"/>
-                      </a:solidFill>
-                      <a:prstDash val="solid"/>
-                      <a:round/>
-                      <a:headEnd type="none" w="med" len="med"/>
-                      <a:tailEnd type="none" w="med" len="med"/>
-                    </a:lnB>
-                    <a:lnTlToBr w="12700" cmpd="sng">
-                      <a:noFill/>
-                      <a:prstDash val="solid"/>
-                    </a:lnTlToBr>
-                    <a:lnBlToTr w="12700" cmpd="sng">
-                      <a:noFill/>
-                      <a:prstDash val="solid"/>
-                    </a:lnBlToTr>
-                    <a:solidFill>
-                      <a:schemeClr val="bg1"/>
-                    </a:solidFill>
-                  </a:tcPr>
-                </a:tc>
-                <a:extLst>
-                  <a:ext uri="{0D108BD9-81ED-4DB2-BD59-A6C34878D82A}">
-                    <a16:rowId xmlns:a16="http://schemas.microsoft.com/office/drawing/2014/main" val="3570979964"/>
-                  </a:ext>
-                </a:extLst>
-              </a:tr>
-              <a:tr h="370840">
-                <a:tc>
-                  <a:txBody>
-                    <a:bodyPr/>
-                    <a:lstStyle/>
-                    <a:p>
-                      <a:r>
-                        <a:rPr lang="uk-UA" sz="1800" kern="1200" dirty="0">
-                          <a:solidFill>
-                            <a:schemeClr val="dk1"/>
-                          </a:solidFill>
-                          <a:effectLst/>
-                          <a:latin typeface="+mn-lt"/>
-                          <a:ea typeface="+mn-ea"/>
-                          <a:cs typeface="+mn-cs"/>
-                        </a:rPr>
-                        <a:t>Обмеження пам’яті</a:t>
-                      </a:r>
-                      <a:endParaRPr lang="uk-UA" dirty="0"/>
-                    </a:p>
-                  </a:txBody>
-                  <a:tcPr>
-                    <a:lnL w="12700" cap="flat" cmpd="sng" algn="ctr">
-                      <a:solidFill>
-                        <a:schemeClr val="tx1"/>
-                      </a:solidFill>
-                      <a:prstDash val="solid"/>
-                      <a:round/>
-                      <a:headEnd type="none" w="med" len="med"/>
-                      <a:tailEnd type="none" w="med" len="med"/>
-                    </a:lnL>
-                    <a:lnR w="12700" cap="flat" cmpd="sng" algn="ctr">
-                      <a:solidFill>
-                        <a:schemeClr val="tx1"/>
-                      </a:solidFill>
-                      <a:prstDash val="solid"/>
-                      <a:round/>
-                      <a:headEnd type="none" w="med" len="med"/>
-                      <a:tailEnd type="none" w="med" len="med"/>
-                    </a:lnR>
-                    <a:lnT w="12700" cap="flat" cmpd="sng" algn="ctr">
-                      <a:solidFill>
-                        <a:schemeClr val="tx1"/>
-                      </a:solidFill>
-                      <a:prstDash val="solid"/>
-                      <a:round/>
-                      <a:headEnd type="none" w="med" len="med"/>
-                      <a:tailEnd type="none" w="med" len="med"/>
-                    </a:lnT>
-                    <a:lnB w="12700" cap="flat" cmpd="sng" algn="ctr">
-                      <a:solidFill>
-                        <a:schemeClr val="tx1"/>
-                      </a:solidFill>
-                      <a:prstDash val="solid"/>
-                      <a:round/>
-                      <a:headEnd type="none" w="med" len="med"/>
-                      <a:tailEnd type="none" w="med" len="med"/>
-                    </a:lnB>
-                    <a:lnTlToBr w="12700" cmpd="sng">
-                      <a:noFill/>
-                      <a:prstDash val="solid"/>
-                    </a:lnTlToBr>
-                    <a:lnBlToTr w="12700" cmpd="sng">
-                      <a:noFill/>
-                      <a:prstDash val="solid"/>
-                    </a:lnBlToTr>
-                    <a:solidFill>
-                      <a:schemeClr val="bg1"/>
-                    </a:solidFill>
-                  </a:tcPr>
-                </a:tc>
-                <a:tc>
-                  <a:txBody>
-                    <a:bodyPr/>
-                    <a:lstStyle/>
-                    <a:p>
-                      <a:endParaRPr lang="uk-UA" dirty="0"/>
-                    </a:p>
-                  </a:txBody>
-                  <a:tcPr>
-                    <a:lnL w="12700" cap="flat" cmpd="sng" algn="ctr">
-                      <a:solidFill>
-                        <a:schemeClr val="tx1"/>
-                      </a:solidFill>
-                      <a:prstDash val="solid"/>
-                      <a:round/>
-                      <a:headEnd type="none" w="med" len="med"/>
-                      <a:tailEnd type="none" w="med" len="med"/>
-                    </a:lnL>
-                    <a:lnR w="12700" cap="flat" cmpd="sng" algn="ctr">
-                      <a:solidFill>
-                        <a:schemeClr val="tx1"/>
-                      </a:solidFill>
-                      <a:prstDash val="solid"/>
-                      <a:round/>
-                      <a:headEnd type="none" w="med" len="med"/>
-                      <a:tailEnd type="none" w="med" len="med"/>
-                    </a:lnR>
-                    <a:lnT w="12700" cap="flat" cmpd="sng" algn="ctr">
-                      <a:solidFill>
-                        <a:schemeClr val="tx1"/>
-                      </a:solidFill>
-                      <a:prstDash val="solid"/>
-                      <a:round/>
-                      <a:headEnd type="none" w="med" len="med"/>
-                      <a:tailEnd type="none" w="med" len="med"/>
-                    </a:lnT>
-                    <a:lnB w="12700" cap="flat" cmpd="sng" algn="ctr">
-                      <a:solidFill>
-                        <a:schemeClr val="tx1"/>
-                      </a:solidFill>
-                      <a:prstDash val="solid"/>
-                      <a:round/>
-                      <a:headEnd type="none" w="med" len="med"/>
-                      <a:tailEnd type="none" w="med" len="med"/>
-                    </a:lnB>
-                    <a:lnTlToBr w="12700" cmpd="sng">
-                      <a:noFill/>
-                      <a:prstDash val="solid"/>
-                    </a:lnTlToBr>
-                    <a:lnBlToTr w="12700" cmpd="sng">
-                      <a:noFill/>
-                      <a:prstDash val="solid"/>
-                    </a:lnBlToTr>
-                    <a:solidFill>
-                      <a:schemeClr val="bg1"/>
-                    </a:solidFill>
-                  </a:tcPr>
-                </a:tc>
-                <a:extLst>
-                  <a:ext uri="{0D108BD9-81ED-4DB2-BD59-A6C34878D82A}">
-                    <a16:rowId xmlns:a16="http://schemas.microsoft.com/office/drawing/2014/main" val="2675136757"/>
-                  </a:ext>
-                </a:extLst>
-              </a:tr>
-            </a:tbl>
-          </a:graphicData>
-        </a:graphic>
-      </p:graphicFrame>
+          </p:nvPr>
+        </p:nvSpPr>
+        <p:spPr/>
+        <p:txBody>
+          <a:bodyPr/>
+          <a:lstStyle/>
+          <a:p>
+            <a:endParaRPr lang="uk-UA" dirty="0"/>
+          </a:p>
+        </p:txBody>
+      </p:sp>
     </p:spTree>
     <p:extLst>
       <p:ext uri="{BB962C8B-B14F-4D97-AF65-F5344CB8AC3E}">
-        <p14:creationId xmlns:p14="http://schemas.microsoft.com/office/powerpoint/2010/main" val="910646751"/>
+        <p14:creationId xmlns:p14="http://schemas.microsoft.com/office/powerpoint/2010/main" val="57023922"/>
       </p:ext>
     </p:extLst>
   </p:cSld>
@@ -6959,7 +5877,7 @@
           <p:cNvPr id="2" name="Заголовок 1">
             <a:extLst>
               <a:ext uri="{FF2B5EF4-FFF2-40B4-BE49-F238E27FC236}">
-                <a16:creationId xmlns:a16="http://schemas.microsoft.com/office/drawing/2014/main" id="{219FB3F7-5081-4B04-AEE9-903D140D5565}"/>
+                <a16:creationId xmlns:a16="http://schemas.microsoft.com/office/drawing/2014/main" id="{FE829E14-0D0F-4D0C-9CF3-0BE675DE8833}"/>
               </a:ext>
             </a:extLst>
           </p:cNvPr>
@@ -6975,10 +5893,7 @@
           <a:bodyPr/>
           <a:lstStyle/>
           <a:p>
-            <a:r>
-              <a:rPr lang="uk-UA" b="1" dirty="0"/>
-              <a:t>Функціональні вимоги: атрибути</a:t>
-            </a:r>
+            <a:endParaRPr lang="uk-UA"/>
           </a:p>
         </p:txBody>
       </p:sp>
@@ -6987,7 +5902,7 @@
           <p:cNvPr id="3" name="Объект 2">
             <a:extLst>
               <a:ext uri="{FF2B5EF4-FFF2-40B4-BE49-F238E27FC236}">
-                <a16:creationId xmlns:a16="http://schemas.microsoft.com/office/drawing/2014/main" id="{04D0E565-993A-4670-9C84-B96B796340BA}"/>
+                <a16:creationId xmlns:a16="http://schemas.microsoft.com/office/drawing/2014/main" id="{3383D2F9-B09E-4A77-B38F-9A09380BF05F}"/>
               </a:ext>
             </a:extLst>
           </p:cNvPr>
@@ -7010,7 +5925,7 @@
     </p:spTree>
     <p:extLst>
       <p:ext uri="{BB962C8B-B14F-4D97-AF65-F5344CB8AC3E}">
-        <p14:creationId xmlns:p14="http://schemas.microsoft.com/office/powerpoint/2010/main" val="57023922"/>
+        <p14:creationId xmlns:p14="http://schemas.microsoft.com/office/powerpoint/2010/main" val="4126373388"/>
       </p:ext>
     </p:extLst>
   </p:cSld>

--- a/elektronna_kafedra.pptx
+++ b/elektronna_kafedra.pptx
@@ -19,7 +19,8 @@
     <p:sldId id="269" r:id="rId13"/>
     <p:sldId id="270" r:id="rId14"/>
     <p:sldId id="271" r:id="rId15"/>
-    <p:sldId id="260" r:id="rId16"/>
+    <p:sldId id="272" r:id="rId16"/>
+    <p:sldId id="260" r:id="rId17"/>
   </p:sldIdLst>
   <p:sldSz cx="12192000" cy="6858000"/>
   <p:notesSz cx="6858000" cy="9144000"/>
@@ -287,7 +288,7 @@
           <a:p>
             <a:fld id="{5C58018D-830C-4393-BEB4-F0BDA2BFFB4A}" type="datetimeFigureOut">
               <a:rPr lang="uk-UA" smtClean="0"/>
-              <a:t>13.12.2019</a:t>
+              <a:t>15.12.2019</a:t>
             </a:fld>
             <a:endParaRPr lang="uk-UA" dirty="0"/>
           </a:p>
@@ -487,7 +488,7 @@
           <a:p>
             <a:fld id="{5C58018D-830C-4393-BEB4-F0BDA2BFFB4A}" type="datetimeFigureOut">
               <a:rPr lang="uk-UA" smtClean="0"/>
-              <a:t>13.12.2019</a:t>
+              <a:t>15.12.2019</a:t>
             </a:fld>
             <a:endParaRPr lang="uk-UA" dirty="0"/>
           </a:p>
@@ -697,7 +698,7 @@
           <a:p>
             <a:fld id="{5C58018D-830C-4393-BEB4-F0BDA2BFFB4A}" type="datetimeFigureOut">
               <a:rPr lang="uk-UA" smtClean="0"/>
-              <a:t>13.12.2019</a:t>
+              <a:t>15.12.2019</a:t>
             </a:fld>
             <a:endParaRPr lang="uk-UA" dirty="0"/>
           </a:p>
@@ -897,7 +898,7 @@
           <a:p>
             <a:fld id="{5C58018D-830C-4393-BEB4-F0BDA2BFFB4A}" type="datetimeFigureOut">
               <a:rPr lang="uk-UA" smtClean="0"/>
-              <a:t>13.12.2019</a:t>
+              <a:t>15.12.2019</a:t>
             </a:fld>
             <a:endParaRPr lang="uk-UA" dirty="0"/>
           </a:p>
@@ -1173,7 +1174,7 @@
           <a:p>
             <a:fld id="{5C58018D-830C-4393-BEB4-F0BDA2BFFB4A}" type="datetimeFigureOut">
               <a:rPr lang="uk-UA" smtClean="0"/>
-              <a:t>13.12.2019</a:t>
+              <a:t>15.12.2019</a:t>
             </a:fld>
             <a:endParaRPr lang="uk-UA" dirty="0"/>
           </a:p>
@@ -1441,7 +1442,7 @@
           <a:p>
             <a:fld id="{5C58018D-830C-4393-BEB4-F0BDA2BFFB4A}" type="datetimeFigureOut">
               <a:rPr lang="uk-UA" smtClean="0"/>
-              <a:t>13.12.2019</a:t>
+              <a:t>15.12.2019</a:t>
             </a:fld>
             <a:endParaRPr lang="uk-UA" dirty="0"/>
           </a:p>
@@ -1856,7 +1857,7 @@
           <a:p>
             <a:fld id="{5C58018D-830C-4393-BEB4-F0BDA2BFFB4A}" type="datetimeFigureOut">
               <a:rPr lang="uk-UA" smtClean="0"/>
-              <a:t>13.12.2019</a:t>
+              <a:t>15.12.2019</a:t>
             </a:fld>
             <a:endParaRPr lang="uk-UA" dirty="0"/>
           </a:p>
@@ -1998,7 +1999,7 @@
           <a:p>
             <a:fld id="{5C58018D-830C-4393-BEB4-F0BDA2BFFB4A}" type="datetimeFigureOut">
               <a:rPr lang="uk-UA" smtClean="0"/>
-              <a:t>13.12.2019</a:t>
+              <a:t>15.12.2019</a:t>
             </a:fld>
             <a:endParaRPr lang="uk-UA" dirty="0"/>
           </a:p>
@@ -2111,7 +2112,7 @@
           <a:p>
             <a:fld id="{5C58018D-830C-4393-BEB4-F0BDA2BFFB4A}" type="datetimeFigureOut">
               <a:rPr lang="uk-UA" smtClean="0"/>
-              <a:t>13.12.2019</a:t>
+              <a:t>15.12.2019</a:t>
             </a:fld>
             <a:endParaRPr lang="uk-UA" dirty="0"/>
           </a:p>
@@ -2424,7 +2425,7 @@
           <a:p>
             <a:fld id="{5C58018D-830C-4393-BEB4-F0BDA2BFFB4A}" type="datetimeFigureOut">
               <a:rPr lang="uk-UA" smtClean="0"/>
-              <a:t>13.12.2019</a:t>
+              <a:t>15.12.2019</a:t>
             </a:fld>
             <a:endParaRPr lang="uk-UA" dirty="0"/>
           </a:p>
@@ -2713,7 +2714,7 @@
           <a:p>
             <a:fld id="{5C58018D-830C-4393-BEB4-F0BDA2BFFB4A}" type="datetimeFigureOut">
               <a:rPr lang="uk-UA" smtClean="0"/>
-              <a:t>13.12.2019</a:t>
+              <a:t>15.12.2019</a:t>
             </a:fld>
             <a:endParaRPr lang="uk-UA" dirty="0"/>
           </a:p>
@@ -2956,7 +2957,7 @@
           <a:p>
             <a:fld id="{5C58018D-830C-4393-BEB4-F0BDA2BFFB4A}" type="datetimeFigureOut">
               <a:rPr lang="uk-UA" smtClean="0"/>
-              <a:t>13.12.2019</a:t>
+              <a:t>15.12.2019</a:t>
             </a:fld>
             <a:endParaRPr lang="uk-UA" dirty="0"/>
           </a:p>
@@ -3432,49 +3433,49 @@
             <a:pPr algn="r"/>
             <a:r>
               <a:rPr lang="uk-UA" dirty="0"/>
-              <a:t>Виконали: Сотник Д.</a:t>
+              <a:t>Виконали студенти групи ПІ-116: Сотник Д.</a:t>
             </a:r>
           </a:p>
           <a:p>
             <a:pPr algn="r"/>
             <a:r>
               <a:rPr lang="uk-UA" dirty="0"/>
-              <a:t>Бодина Гогдан </a:t>
+              <a:t>Година Б.</a:t>
             </a:r>
           </a:p>
           <a:p>
             <a:pPr algn="r"/>
             <a:r>
               <a:rPr lang="uk-UA" dirty="0"/>
-              <a:t>Віталій Ломачинський </a:t>
+              <a:t>Ломачинський В. </a:t>
             </a:r>
           </a:p>
           <a:p>
             <a:pPr algn="r"/>
             <a:r>
               <a:rPr lang="uk-UA" dirty="0"/>
-              <a:t>Марина Козаченко </a:t>
+              <a:t>Козаченко М. </a:t>
             </a:r>
           </a:p>
           <a:p>
             <a:pPr algn="r"/>
             <a:r>
               <a:rPr lang="uk-UA" dirty="0"/>
-              <a:t>Колесник Юрій</a:t>
+              <a:t>Колесник Ю.</a:t>
             </a:r>
           </a:p>
           <a:p>
             <a:pPr algn="r"/>
             <a:r>
               <a:rPr lang="uk-UA" dirty="0"/>
-              <a:t>Абдуллаєв Костянтин</a:t>
+              <a:t>Абдуллаєв К.</a:t>
             </a:r>
           </a:p>
           <a:p>
             <a:pPr algn="r"/>
             <a:r>
               <a:rPr lang="uk-UA" dirty="0"/>
-              <a:t>Кривошей Владислав</a:t>
+              <a:t>Кривошей В.</a:t>
             </a:r>
           </a:p>
         </p:txBody>
@@ -13471,6 +13472,151 @@
           <p:cNvPr id="2" name="Заголовок 1">
             <a:extLst>
               <a:ext uri="{FF2B5EF4-FFF2-40B4-BE49-F238E27FC236}">
+                <a16:creationId xmlns:a16="http://schemas.microsoft.com/office/drawing/2014/main" id="{3224E497-2EFF-46BC-97C6-59D2647C90DA}"/>
+              </a:ext>
+            </a:extLst>
+          </p:cNvPr>
+          <p:cNvSpPr>
+            <a:spLocks noGrp="1"/>
+          </p:cNvSpPr>
+          <p:nvPr>
+            <p:ph type="title"/>
+          </p:nvPr>
+        </p:nvSpPr>
+        <p:spPr/>
+        <p:txBody>
+          <a:bodyPr/>
+          <a:lstStyle/>
+          <a:p>
+            <a:r>
+              <a:rPr lang="uk-UA" b="1" dirty="0"/>
+              <a:t>Висновки по виконаній роботі: </a:t>
+            </a:r>
+          </a:p>
+        </p:txBody>
+      </p:sp>
+      <p:sp>
+        <p:nvSpPr>
+          <p:cNvPr id="3" name="Объект 2">
+            <a:extLst>
+              <a:ext uri="{FF2B5EF4-FFF2-40B4-BE49-F238E27FC236}">
+                <a16:creationId xmlns:a16="http://schemas.microsoft.com/office/drawing/2014/main" id="{5923B461-4D27-404A-8177-41F6467F6E3B}"/>
+              </a:ext>
+            </a:extLst>
+          </p:cNvPr>
+          <p:cNvSpPr>
+            <a:spLocks noGrp="1"/>
+          </p:cNvSpPr>
+          <p:nvPr>
+            <p:ph idx="1"/>
+          </p:nvPr>
+        </p:nvSpPr>
+        <p:spPr/>
+        <p:txBody>
+          <a:bodyPr/>
+          <a:lstStyle/>
+          <a:p>
+            <a:pPr marL="0" indent="0">
+              <a:buNone/>
+            </a:pPr>
+            <a:r>
+              <a:rPr lang="uk-UA" dirty="0"/>
+              <a:t>На даний момент проектною командою було виконано один із основних процесів ЖЦ(розробку), отримано супутні артефакти та влаштовано допоміжні та організаційні процеси ЖЗ. В результаті маємо пакет документації, який включає в себе всі артефакти, згадані на минулих слайдах, а також дану графічну презентацію. </a:t>
+            </a:r>
+          </a:p>
+        </p:txBody>
+      </p:sp>
+      <p:sp>
+        <p:nvSpPr>
+          <p:cNvPr id="4" name="Прямоугольник 3">
+            <a:extLst>
+              <a:ext uri="{FF2B5EF4-FFF2-40B4-BE49-F238E27FC236}">
+                <a16:creationId xmlns:a16="http://schemas.microsoft.com/office/drawing/2014/main" id="{F000EADF-4F89-4A6F-A2D2-E4156001A4DC}"/>
+              </a:ext>
+            </a:extLst>
+          </p:cNvPr>
+          <p:cNvSpPr/>
+          <p:nvPr/>
+        </p:nvSpPr>
+        <p:spPr>
+          <a:xfrm>
+            <a:off x="6003634" y="2967335"/>
+            <a:ext cx="184731" cy="923330"/>
+          </a:xfrm>
+          <a:prstGeom prst="rect">
+            <a:avLst/>
+          </a:prstGeom>
+          <a:noFill/>
+        </p:spPr>
+        <p:txBody>
+          <a:bodyPr wrap="none" lIns="91440" tIns="45720" rIns="91440" bIns="45720">
+            <a:spAutoFit/>
+          </a:bodyPr>
+          <a:lstStyle/>
+          <a:p>
+            <a:pPr algn="ctr"/>
+            <a:endParaRPr lang="uk-UA" sz="5400" b="1" cap="none" spc="0" dirty="0">
+              <a:ln w="12700">
+                <a:solidFill>
+                  <a:schemeClr val="accent1"/>
+                </a:solidFill>
+                <a:prstDash val="solid"/>
+              </a:ln>
+              <a:pattFill prst="pct50">
+                <a:fgClr>
+                  <a:schemeClr val="accent1"/>
+                </a:fgClr>
+                <a:bgClr>
+                  <a:schemeClr val="accent1">
+                    <a:lumMod val="20000"/>
+                    <a:lumOff val="80000"/>
+                  </a:schemeClr>
+                </a:bgClr>
+              </a:pattFill>
+              <a:effectLst>
+                <a:outerShdw dist="38100" dir="2640000" algn="bl" rotWithShape="0">
+                  <a:schemeClr val="accent1"/>
+                </a:outerShdw>
+              </a:effectLst>
+            </a:endParaRPr>
+          </a:p>
+        </p:txBody>
+      </p:sp>
+    </p:spTree>
+    <p:extLst>
+      <p:ext uri="{BB962C8B-B14F-4D97-AF65-F5344CB8AC3E}">
+        <p14:creationId xmlns:p14="http://schemas.microsoft.com/office/powerpoint/2010/main" val="3944820238"/>
+      </p:ext>
+    </p:extLst>
+  </p:cSld>
+  <p:clrMapOvr>
+    <a:masterClrMapping/>
+  </p:clrMapOvr>
+</p:sld>
+</file>
+
+<file path=ppt/slides/slide16.xml><?xml version="1.0" encoding="utf-8"?>
+<p:sld xmlns:a="http://schemas.openxmlformats.org/drawingml/2006/main" xmlns:r="http://schemas.openxmlformats.org/officeDocument/2006/relationships" xmlns:p="http://schemas.openxmlformats.org/presentationml/2006/main">
+  <p:cSld>
+    <p:spTree>
+      <p:nvGrpSpPr>
+        <p:cNvPr id="1" name=""/>
+        <p:cNvGrpSpPr/>
+        <p:nvPr/>
+      </p:nvGrpSpPr>
+      <p:grpSpPr>
+        <a:xfrm>
+          <a:off x="0" y="0"/>
+          <a:ext cx="0" cy="0"/>
+          <a:chOff x="0" y="0"/>
+          <a:chExt cx="0" cy="0"/>
+        </a:xfrm>
+      </p:grpSpPr>
+      <p:sp>
+        <p:nvSpPr>
+          <p:cNvPr id="2" name="Заголовок 1">
+            <a:extLst>
+              <a:ext uri="{FF2B5EF4-FFF2-40B4-BE49-F238E27FC236}">
                 <a16:creationId xmlns:a16="http://schemas.microsoft.com/office/drawing/2014/main" id="{DC76B3C6-909A-4ED1-BF87-4F91CAE53D78}"/>
               </a:ext>
             </a:extLst>
@@ -13489,7 +13635,7 @@
           <a:p>
             <a:r>
               <a:rPr lang="uk-UA" b="1" dirty="0"/>
-              <a:t>Висновки по виконаній роботі: </a:t>
+              <a:t>Висновки по виконаній роботі2.0: </a:t>
             </a:r>
           </a:p>
         </p:txBody>
@@ -17618,7 +17764,7 @@
           <a:graphicData uri="http://schemas.openxmlformats.org/presentationml/2006/ole">
             <mc:AlternateContent xmlns:mc="http://schemas.openxmlformats.org/markup-compatibility/2006">
               <mc:Choice xmlns:v="urn:schemas-microsoft-com:vml" Requires="v">
-                <p:oleObj spid="_x0000_s2055" name="Visio" r:id="rId3" imgW="11955674" imgH="3779646" progId="Visio.Drawing.15">
+                <p:oleObj spid="_x0000_s2059" name="Visio" r:id="rId3" imgW="11955674" imgH="3779646" progId="Visio.Drawing.15">
                   <p:embed/>
                 </p:oleObj>
               </mc:Choice>
